--- a/Manuscript/Figures/04_Results_ROC_RelDiagram_Sharpness.pptx
+++ b/Manuscript/Figures/04_Results_ROC_RelDiagram_Sharpness.pptx
@@ -2,12 +2,12 @@
 <file path=ppt/presentation.xml><?xml version="1.0" encoding="utf-8"?>
 <p:presentation xmlns:a="http://schemas.openxmlformats.org/drawingml/2006/main" xmlns:r="http://schemas.openxmlformats.org/officeDocument/2006/relationships" xmlns:p="http://schemas.openxmlformats.org/presentationml/2006/main" saveSubsetFonts="1">
   <p:sldMasterIdLst>
-    <p:sldMasterId id="2147483708" r:id="rId1"/>
+    <p:sldMasterId id="2147483732" r:id="rId1"/>
   </p:sldMasterIdLst>
   <p:sldIdLst>
     <p:sldId id="257" r:id="rId2"/>
   </p:sldIdLst>
-  <p:sldSz cx="6858000" cy="7164388"/>
+  <p:sldSz cx="6858000" cy="7199313"/>
   <p:notesSz cx="6858000" cy="9144000"/>
   <p:defaultTextStyle>
     <a:defPPr>
@@ -115,13 +115,2300 @@
 <file path=ppt/revisionInfo.xml><?xml version="1.0" encoding="utf-8"?>
 <p1510:revInfo xmlns:a="http://schemas.openxmlformats.org/drawingml/2006/main" xmlns:r="http://schemas.openxmlformats.org/officeDocument/2006/relationships" xmlns:p1510="http://schemas.microsoft.com/office/powerpoint/2015/10/main">
   <p1510:revLst>
-    <p1510:client id="{7B602C27-0041-4BDE-847E-FF46CFDC2893}" v="24" dt="2023-12-21T17:02:37.510"/>
+    <p1510:client id="{DF154678-E0A5-48FB-B6DF-E48304D50AE0}" v="77" dt="2024-01-05T16:50:55.474"/>
   </p1510:revLst>
 </p1510:revInfo>
 </file>
 
 <file path=ppt/changesInfos/changesInfo1.xml><?xml version="1.0" encoding="utf-8"?>
 <pc:chgInfo xmlns:a="http://schemas.openxmlformats.org/drawingml/2006/main" xmlns:r="http://schemas.openxmlformats.org/officeDocument/2006/relationships" xmlns:ac="http://schemas.microsoft.com/office/drawing/2013/main/command" xmlns:pc="http://schemas.microsoft.com/office/powerpoint/2013/main/command">
+  <pc:docChgLst>
+    <pc:chgData name="Fatima Pillosu" userId="a6295d4dc9e22643" providerId="LiveId" clId="{DF154678-E0A5-48FB-B6DF-E48304D50AE0}"/>
+    <pc:docChg chg="undo custSel addSld delSld modSld">
+      <pc:chgData name="Fatima Pillosu" userId="a6295d4dc9e22643" providerId="LiveId" clId="{DF154678-E0A5-48FB-B6DF-E48304D50AE0}" dt="2024-01-05T16:50:59.343" v="1918" actId="478"/>
+      <pc:docMkLst>
+        <pc:docMk/>
+      </pc:docMkLst>
+      <pc:sldChg chg="addSp delSp modSp mod">
+        <pc:chgData name="Fatima Pillosu" userId="a6295d4dc9e22643" providerId="LiveId" clId="{DF154678-E0A5-48FB-B6DF-E48304D50AE0}" dt="2024-01-05T16:50:59.343" v="1918" actId="478"/>
+        <pc:sldMkLst>
+          <pc:docMk/>
+          <pc:sldMk cId="192643564" sldId="257"/>
+        </pc:sldMkLst>
+        <pc:spChg chg="add mod">
+          <ac:chgData name="Fatima Pillosu" userId="a6295d4dc9e22643" providerId="LiveId" clId="{DF154678-E0A5-48FB-B6DF-E48304D50AE0}" dt="2024-01-05T16:29:17.345" v="1886" actId="1076"/>
+          <ac:spMkLst>
+            <pc:docMk/>
+            <pc:sldMk cId="192643564" sldId="257"/>
+            <ac:spMk id="2" creationId="{2871EC4B-F746-D5E3-1D97-170AC3908D7F}"/>
+          </ac:spMkLst>
+        </pc:spChg>
+        <pc:spChg chg="add mod">
+          <ac:chgData name="Fatima Pillosu" userId="a6295d4dc9e22643" providerId="LiveId" clId="{DF154678-E0A5-48FB-B6DF-E48304D50AE0}" dt="2024-01-05T16:29:48.774" v="1890" actId="207"/>
+          <ac:spMkLst>
+            <pc:docMk/>
+            <pc:sldMk cId="192643564" sldId="257"/>
+            <ac:spMk id="3" creationId="{08E89C18-7F5A-DDF1-FBA9-F3438AF6AD9E}"/>
+          </ac:spMkLst>
+        </pc:spChg>
+        <pc:spChg chg="add mod">
+          <ac:chgData name="Fatima Pillosu" userId="a6295d4dc9e22643" providerId="LiveId" clId="{DF154678-E0A5-48FB-B6DF-E48304D50AE0}" dt="2024-01-05T16:30:05.287" v="1894" actId="207"/>
+          <ac:spMkLst>
+            <pc:docMk/>
+            <pc:sldMk cId="192643564" sldId="257"/>
+            <ac:spMk id="4" creationId="{650BF30E-C98B-D75A-F968-28F1880E0FD7}"/>
+          </ac:spMkLst>
+        </pc:spChg>
+        <pc:spChg chg="add mod">
+          <ac:chgData name="Fatima Pillosu" userId="a6295d4dc9e22643" providerId="LiveId" clId="{DF154678-E0A5-48FB-B6DF-E48304D50AE0}" dt="2024-01-05T16:30:41.239" v="1897" actId="1076"/>
+          <ac:spMkLst>
+            <pc:docMk/>
+            <pc:sldMk cId="192643564" sldId="257"/>
+            <ac:spMk id="5" creationId="{11DCE6DC-A049-A6C0-65B2-98C64006934D}"/>
+          </ac:spMkLst>
+        </pc:spChg>
+        <pc:spChg chg="add mod">
+          <ac:chgData name="Fatima Pillosu" userId="a6295d4dc9e22643" providerId="LiveId" clId="{DF154678-E0A5-48FB-B6DF-E48304D50AE0}" dt="2024-01-05T16:30:55.506" v="1899" actId="1076"/>
+          <ac:spMkLst>
+            <pc:docMk/>
+            <pc:sldMk cId="192643564" sldId="257"/>
+            <ac:spMk id="6" creationId="{9F993AA6-FC48-C5BE-28A6-B16AD86CCF70}"/>
+          </ac:spMkLst>
+        </pc:spChg>
+        <pc:spChg chg="add mod">
+          <ac:chgData name="Fatima Pillosu" userId="a6295d4dc9e22643" providerId="LiveId" clId="{DF154678-E0A5-48FB-B6DF-E48304D50AE0}" dt="2024-01-05T16:31:32.291" v="1912" actId="1038"/>
+          <ac:spMkLst>
+            <pc:docMk/>
+            <pc:sldMk cId="192643564" sldId="257"/>
+            <ac:spMk id="7" creationId="{E89358AF-D826-E267-2152-24954B1173F8}"/>
+          </ac:spMkLst>
+        </pc:spChg>
+        <pc:spChg chg="add del mod ord topLvl">
+          <ac:chgData name="Fatima Pillosu" userId="a6295d4dc9e22643" providerId="LiveId" clId="{DF154678-E0A5-48FB-B6DF-E48304D50AE0}" dt="2024-01-05T11:37:57.967" v="1840" actId="21"/>
+          <ac:spMkLst>
+            <pc:docMk/>
+            <pc:sldMk cId="192643564" sldId="257"/>
+            <ac:spMk id="44" creationId="{6631AA2D-F1B6-D7D2-8020-F35CDBFAE7EE}"/>
+          </ac:spMkLst>
+        </pc:spChg>
+        <pc:spChg chg="add del mod ord topLvl">
+          <ac:chgData name="Fatima Pillosu" userId="a6295d4dc9e22643" providerId="LiveId" clId="{DF154678-E0A5-48FB-B6DF-E48304D50AE0}" dt="2024-01-05T11:37:57.967" v="1840" actId="21"/>
+          <ac:spMkLst>
+            <pc:docMk/>
+            <pc:sldMk cId="192643564" sldId="257"/>
+            <ac:spMk id="45" creationId="{97D99E76-1CF2-9D4E-4ADA-7FFADB63C608}"/>
+          </ac:spMkLst>
+        </pc:spChg>
+        <pc:spChg chg="add del mod">
+          <ac:chgData name="Fatima Pillosu" userId="a6295d4dc9e22643" providerId="LiveId" clId="{DF154678-E0A5-48FB-B6DF-E48304D50AE0}" dt="2024-01-05T10:21:52.971" v="315" actId="478"/>
+          <ac:spMkLst>
+            <pc:docMk/>
+            <pc:sldMk cId="192643564" sldId="257"/>
+            <ac:spMk id="46" creationId="{239B7790-3B53-83AF-B1B6-7DD805AAACA5}"/>
+          </ac:spMkLst>
+        </pc:spChg>
+        <pc:spChg chg="add del mod">
+          <ac:chgData name="Fatima Pillosu" userId="a6295d4dc9e22643" providerId="LiveId" clId="{DF154678-E0A5-48FB-B6DF-E48304D50AE0}" dt="2024-01-05T10:21:54.348" v="316" actId="478"/>
+          <ac:spMkLst>
+            <pc:docMk/>
+            <pc:sldMk cId="192643564" sldId="257"/>
+            <ac:spMk id="47" creationId="{DF6277E7-D320-7BC3-4E66-CA759F4CDF3F}"/>
+          </ac:spMkLst>
+        </pc:spChg>
+        <pc:spChg chg="mod">
+          <ac:chgData name="Fatima Pillosu" userId="a6295d4dc9e22643" providerId="LiveId" clId="{DF154678-E0A5-48FB-B6DF-E48304D50AE0}" dt="2024-01-05T10:21:56.812" v="317"/>
+          <ac:spMkLst>
+            <pc:docMk/>
+            <pc:sldMk cId="192643564" sldId="257"/>
+            <ac:spMk id="51" creationId="{04EDB4C2-B9C0-B8EC-9CDB-1BD54F0B59D9}"/>
+          </ac:spMkLst>
+        </pc:spChg>
+        <pc:spChg chg="mod">
+          <ac:chgData name="Fatima Pillosu" userId="a6295d4dc9e22643" providerId="LiveId" clId="{DF154678-E0A5-48FB-B6DF-E48304D50AE0}" dt="2024-01-05T10:23:24.788" v="350" actId="122"/>
+          <ac:spMkLst>
+            <pc:docMk/>
+            <pc:sldMk cId="192643564" sldId="257"/>
+            <ac:spMk id="52" creationId="{2E616B48-74B2-8616-2015-03D893AA955B}"/>
+          </ac:spMkLst>
+        </pc:spChg>
+        <pc:spChg chg="mod">
+          <ac:chgData name="Fatima Pillosu" userId="a6295d4dc9e22643" providerId="LiveId" clId="{DF154678-E0A5-48FB-B6DF-E48304D50AE0}" dt="2024-01-05T10:23:34.023" v="351"/>
+          <ac:spMkLst>
+            <pc:docMk/>
+            <pc:sldMk cId="192643564" sldId="257"/>
+            <ac:spMk id="54" creationId="{2CECEC87-89BB-0C1C-FC05-D863C73D15BE}"/>
+          </ac:spMkLst>
+        </pc:spChg>
+        <pc:spChg chg="mod">
+          <ac:chgData name="Fatima Pillosu" userId="a6295d4dc9e22643" providerId="LiveId" clId="{DF154678-E0A5-48FB-B6DF-E48304D50AE0}" dt="2024-01-05T10:24:19.545" v="373" actId="1035"/>
+          <ac:spMkLst>
+            <pc:docMk/>
+            <pc:sldMk cId="192643564" sldId="257"/>
+            <ac:spMk id="55" creationId="{C9C105A9-EA4E-4354-F875-0F9B0C9D728A}"/>
+          </ac:spMkLst>
+        </pc:spChg>
+        <pc:spChg chg="add del mod">
+          <ac:chgData name="Fatima Pillosu" userId="a6295d4dc9e22643" providerId="LiveId" clId="{DF154678-E0A5-48FB-B6DF-E48304D50AE0}" dt="2024-01-05T11:37:57.967" v="1840" actId="21"/>
+          <ac:spMkLst>
+            <pc:docMk/>
+            <pc:sldMk cId="192643564" sldId="257"/>
+            <ac:spMk id="56" creationId="{038B457A-AFA7-008F-33AB-DF73C444405D}"/>
+          </ac:spMkLst>
+        </pc:spChg>
+        <pc:spChg chg="add del mod">
+          <ac:chgData name="Fatima Pillosu" userId="a6295d4dc9e22643" providerId="LiveId" clId="{DF154678-E0A5-48FB-B6DF-E48304D50AE0}" dt="2024-01-05T11:37:57.967" v="1840" actId="21"/>
+          <ac:spMkLst>
+            <pc:docMk/>
+            <pc:sldMk cId="192643564" sldId="257"/>
+            <ac:spMk id="57" creationId="{6C394826-3CE0-296A-7149-88D48B39E1D8}"/>
+          </ac:spMkLst>
+        </pc:spChg>
+        <pc:spChg chg="add del mod">
+          <ac:chgData name="Fatima Pillosu" userId="a6295d4dc9e22643" providerId="LiveId" clId="{DF154678-E0A5-48FB-B6DF-E48304D50AE0}" dt="2024-01-05T11:37:57.967" v="1840" actId="21"/>
+          <ac:spMkLst>
+            <pc:docMk/>
+            <pc:sldMk cId="192643564" sldId="257"/>
+            <ac:spMk id="58" creationId="{A33B62B1-EF4E-3E49-3CA1-8698E765580E}"/>
+          </ac:spMkLst>
+        </pc:spChg>
+        <pc:spChg chg="add del mod ord">
+          <ac:chgData name="Fatima Pillosu" userId="a6295d4dc9e22643" providerId="LiveId" clId="{DF154678-E0A5-48FB-B6DF-E48304D50AE0}" dt="2024-01-05T11:37:57.967" v="1840" actId="21"/>
+          <ac:spMkLst>
+            <pc:docMk/>
+            <pc:sldMk cId="192643564" sldId="257"/>
+            <ac:spMk id="59" creationId="{783582A6-1929-A287-F855-4450AD295884}"/>
+          </ac:spMkLst>
+        </pc:spChg>
+        <pc:spChg chg="add del mod">
+          <ac:chgData name="Fatima Pillosu" userId="a6295d4dc9e22643" providerId="LiveId" clId="{DF154678-E0A5-48FB-B6DF-E48304D50AE0}" dt="2024-01-05T10:46:42.770" v="814" actId="478"/>
+          <ac:spMkLst>
+            <pc:docMk/>
+            <pc:sldMk cId="192643564" sldId="257"/>
+            <ac:spMk id="60" creationId="{D0D3DFAC-0300-841D-AA1F-0101FD1118DC}"/>
+          </ac:spMkLst>
+        </pc:spChg>
+        <pc:spChg chg="add del mod">
+          <ac:chgData name="Fatima Pillosu" userId="a6295d4dc9e22643" providerId="LiveId" clId="{DF154678-E0A5-48FB-B6DF-E48304D50AE0}" dt="2024-01-05T10:46:44.082" v="815" actId="478"/>
+          <ac:spMkLst>
+            <pc:docMk/>
+            <pc:sldMk cId="192643564" sldId="257"/>
+            <ac:spMk id="61" creationId="{AA71160F-F338-B584-C872-EF9683E4F3C0}"/>
+          </ac:spMkLst>
+        </pc:spChg>
+        <pc:spChg chg="add del mod">
+          <ac:chgData name="Fatima Pillosu" userId="a6295d4dc9e22643" providerId="LiveId" clId="{DF154678-E0A5-48FB-B6DF-E48304D50AE0}" dt="2024-01-05T10:38:49.200" v="691" actId="478"/>
+          <ac:spMkLst>
+            <pc:docMk/>
+            <pc:sldMk cId="192643564" sldId="257"/>
+            <ac:spMk id="62" creationId="{A55A7B80-8DE9-4746-C4DD-4E02CB8A7CB2}"/>
+          </ac:spMkLst>
+        </pc:spChg>
+        <pc:spChg chg="add del mod">
+          <ac:chgData name="Fatima Pillosu" userId="a6295d4dc9e22643" providerId="LiveId" clId="{DF154678-E0A5-48FB-B6DF-E48304D50AE0}" dt="2024-01-05T10:38:49.200" v="691" actId="478"/>
+          <ac:spMkLst>
+            <pc:docMk/>
+            <pc:sldMk cId="192643564" sldId="257"/>
+            <ac:spMk id="63" creationId="{49CC51F2-E285-7673-45E7-A40ADEBB39A7}"/>
+          </ac:spMkLst>
+        </pc:spChg>
+        <pc:spChg chg="add del mod">
+          <ac:chgData name="Fatima Pillosu" userId="a6295d4dc9e22643" providerId="LiveId" clId="{DF154678-E0A5-48FB-B6DF-E48304D50AE0}" dt="2024-01-05T10:38:52.680" v="692" actId="478"/>
+          <ac:spMkLst>
+            <pc:docMk/>
+            <pc:sldMk cId="192643564" sldId="257"/>
+            <ac:spMk id="64" creationId="{933A57C9-493B-EB3E-80CA-871990C6F6DE}"/>
+          </ac:spMkLst>
+        </pc:spChg>
+        <pc:spChg chg="add del mod">
+          <ac:chgData name="Fatima Pillosu" userId="a6295d4dc9e22643" providerId="LiveId" clId="{DF154678-E0A5-48FB-B6DF-E48304D50AE0}" dt="2024-01-05T10:38:52.680" v="692" actId="478"/>
+          <ac:spMkLst>
+            <pc:docMk/>
+            <pc:sldMk cId="192643564" sldId="257"/>
+            <ac:spMk id="65" creationId="{142A1724-E6EF-989A-8B9B-8618B8EA998D}"/>
+          </ac:spMkLst>
+        </pc:spChg>
+        <pc:spChg chg="add del mod">
+          <ac:chgData name="Fatima Pillosu" userId="a6295d4dc9e22643" providerId="LiveId" clId="{DF154678-E0A5-48FB-B6DF-E48304D50AE0}" dt="2024-01-05T10:46:24.103" v="812" actId="478"/>
+          <ac:spMkLst>
+            <pc:docMk/>
+            <pc:sldMk cId="192643564" sldId="257"/>
+            <ac:spMk id="66" creationId="{78B3D4C5-0473-0782-5F78-221631A9B93C}"/>
+          </ac:spMkLst>
+        </pc:spChg>
+        <pc:spChg chg="add del mod ord">
+          <ac:chgData name="Fatima Pillosu" userId="a6295d4dc9e22643" providerId="LiveId" clId="{DF154678-E0A5-48FB-B6DF-E48304D50AE0}" dt="2024-01-05T11:37:57.967" v="1840" actId="21"/>
+          <ac:spMkLst>
+            <pc:docMk/>
+            <pc:sldMk cId="192643564" sldId="257"/>
+            <ac:spMk id="67" creationId="{4E03CDA4-85A8-04C2-1357-972F259FC9C1}"/>
+          </ac:spMkLst>
+        </pc:spChg>
+        <pc:spChg chg="add del mod ord">
+          <ac:chgData name="Fatima Pillosu" userId="a6295d4dc9e22643" providerId="LiveId" clId="{DF154678-E0A5-48FB-B6DF-E48304D50AE0}" dt="2024-01-05T11:37:57.967" v="1840" actId="21"/>
+          <ac:spMkLst>
+            <pc:docMk/>
+            <pc:sldMk cId="192643564" sldId="257"/>
+            <ac:spMk id="68" creationId="{4DBE4AB8-F421-253E-DA66-E67A1584EF12}"/>
+          </ac:spMkLst>
+        </pc:spChg>
+        <pc:spChg chg="add del mod">
+          <ac:chgData name="Fatima Pillosu" userId="a6295d4dc9e22643" providerId="LiveId" clId="{DF154678-E0A5-48FB-B6DF-E48304D50AE0}" dt="2024-01-05T11:37:57.967" v="1840" actId="21"/>
+          <ac:spMkLst>
+            <pc:docMk/>
+            <pc:sldMk cId="192643564" sldId="257"/>
+            <ac:spMk id="69" creationId="{481CC93A-DEAF-69BC-23B7-ECC579C0796B}"/>
+          </ac:spMkLst>
+        </pc:spChg>
+        <pc:spChg chg="add del mod">
+          <ac:chgData name="Fatima Pillosu" userId="a6295d4dc9e22643" providerId="LiveId" clId="{DF154678-E0A5-48FB-B6DF-E48304D50AE0}" dt="2024-01-05T11:37:57.967" v="1840" actId="21"/>
+          <ac:spMkLst>
+            <pc:docMk/>
+            <pc:sldMk cId="192643564" sldId="257"/>
+            <ac:spMk id="70" creationId="{9690F00D-A878-2971-11CE-EE59A9870A86}"/>
+          </ac:spMkLst>
+        </pc:spChg>
+        <pc:spChg chg="add del mod">
+          <ac:chgData name="Fatima Pillosu" userId="a6295d4dc9e22643" providerId="LiveId" clId="{DF154678-E0A5-48FB-B6DF-E48304D50AE0}" dt="2024-01-05T11:37:57.967" v="1840" actId="21"/>
+          <ac:spMkLst>
+            <pc:docMk/>
+            <pc:sldMk cId="192643564" sldId="257"/>
+            <ac:spMk id="71" creationId="{4E94DD15-AC42-1E71-5382-CBD4E12A16B7}"/>
+          </ac:spMkLst>
+        </pc:spChg>
+        <pc:spChg chg="add del mod">
+          <ac:chgData name="Fatima Pillosu" userId="a6295d4dc9e22643" providerId="LiveId" clId="{DF154678-E0A5-48FB-B6DF-E48304D50AE0}" dt="2024-01-05T11:37:57.967" v="1840" actId="21"/>
+          <ac:spMkLst>
+            <pc:docMk/>
+            <pc:sldMk cId="192643564" sldId="257"/>
+            <ac:spMk id="72" creationId="{3D6AD0B1-4855-7306-987C-15B0F661AA2D}"/>
+          </ac:spMkLst>
+        </pc:spChg>
+        <pc:spChg chg="add del mod">
+          <ac:chgData name="Fatima Pillosu" userId="a6295d4dc9e22643" providerId="LiveId" clId="{DF154678-E0A5-48FB-B6DF-E48304D50AE0}" dt="2024-01-05T11:37:57.967" v="1840" actId="21"/>
+          <ac:spMkLst>
+            <pc:docMk/>
+            <pc:sldMk cId="192643564" sldId="257"/>
+            <ac:spMk id="74" creationId="{2DDEB2C2-2B2E-6679-CDC2-C7568B3B2442}"/>
+          </ac:spMkLst>
+        </pc:spChg>
+        <pc:spChg chg="add del mod">
+          <ac:chgData name="Fatima Pillosu" userId="a6295d4dc9e22643" providerId="LiveId" clId="{DF154678-E0A5-48FB-B6DF-E48304D50AE0}" dt="2024-01-05T11:37:57.967" v="1840" actId="21"/>
+          <ac:spMkLst>
+            <pc:docMk/>
+            <pc:sldMk cId="192643564" sldId="257"/>
+            <ac:spMk id="75" creationId="{6599A3E0-0AE6-3C2B-4D17-770582BEB5AF}"/>
+          </ac:spMkLst>
+        </pc:spChg>
+        <pc:spChg chg="add del mod">
+          <ac:chgData name="Fatima Pillosu" userId="a6295d4dc9e22643" providerId="LiveId" clId="{DF154678-E0A5-48FB-B6DF-E48304D50AE0}" dt="2024-01-05T11:37:57.967" v="1840" actId="21"/>
+          <ac:spMkLst>
+            <pc:docMk/>
+            <pc:sldMk cId="192643564" sldId="257"/>
+            <ac:spMk id="77" creationId="{6B90971C-7BC9-B0ED-3146-17CCC73761EF}"/>
+          </ac:spMkLst>
+        </pc:spChg>
+        <pc:spChg chg="add del mod">
+          <ac:chgData name="Fatima Pillosu" userId="a6295d4dc9e22643" providerId="LiveId" clId="{DF154678-E0A5-48FB-B6DF-E48304D50AE0}" dt="2024-01-05T11:37:57.967" v="1840" actId="21"/>
+          <ac:spMkLst>
+            <pc:docMk/>
+            <pc:sldMk cId="192643564" sldId="257"/>
+            <ac:spMk id="78" creationId="{46DC24D7-C635-3B71-9EB5-CFFE703533B4}"/>
+          </ac:spMkLst>
+        </pc:spChg>
+        <pc:spChg chg="add del mod">
+          <ac:chgData name="Fatima Pillosu" userId="a6295d4dc9e22643" providerId="LiveId" clId="{DF154678-E0A5-48FB-B6DF-E48304D50AE0}" dt="2024-01-05T11:37:57.967" v="1840" actId="21"/>
+          <ac:spMkLst>
+            <pc:docMk/>
+            <pc:sldMk cId="192643564" sldId="257"/>
+            <ac:spMk id="80" creationId="{B7D3FD88-14B7-8FF9-7ACD-B4D180A7B9B5}"/>
+          </ac:spMkLst>
+        </pc:spChg>
+        <pc:spChg chg="add del mod">
+          <ac:chgData name="Fatima Pillosu" userId="a6295d4dc9e22643" providerId="LiveId" clId="{DF154678-E0A5-48FB-B6DF-E48304D50AE0}" dt="2024-01-05T11:37:57.967" v="1840" actId="21"/>
+          <ac:spMkLst>
+            <pc:docMk/>
+            <pc:sldMk cId="192643564" sldId="257"/>
+            <ac:spMk id="81" creationId="{FF97223A-E544-7419-260A-4351487C7BAA}"/>
+          </ac:spMkLst>
+        </pc:spChg>
+        <pc:spChg chg="add del mod">
+          <ac:chgData name="Fatima Pillosu" userId="a6295d4dc9e22643" providerId="LiveId" clId="{DF154678-E0A5-48FB-B6DF-E48304D50AE0}" dt="2024-01-05T11:37:57.967" v="1840" actId="21"/>
+          <ac:spMkLst>
+            <pc:docMk/>
+            <pc:sldMk cId="192643564" sldId="257"/>
+            <ac:spMk id="83" creationId="{4545CCAE-23E1-6EAF-A380-02C3B8556CB9}"/>
+          </ac:spMkLst>
+        </pc:spChg>
+        <pc:spChg chg="add del mod">
+          <ac:chgData name="Fatima Pillosu" userId="a6295d4dc9e22643" providerId="LiveId" clId="{DF154678-E0A5-48FB-B6DF-E48304D50AE0}" dt="2024-01-05T11:37:57.967" v="1840" actId="21"/>
+          <ac:spMkLst>
+            <pc:docMk/>
+            <pc:sldMk cId="192643564" sldId="257"/>
+            <ac:spMk id="84" creationId="{4AA654D6-49B8-CD2E-85A1-9424E8E7A10F}"/>
+          </ac:spMkLst>
+        </pc:spChg>
+        <pc:spChg chg="add del mod">
+          <ac:chgData name="Fatima Pillosu" userId="a6295d4dc9e22643" providerId="LiveId" clId="{DF154678-E0A5-48FB-B6DF-E48304D50AE0}" dt="2024-01-05T11:37:57.967" v="1840" actId="21"/>
+          <ac:spMkLst>
+            <pc:docMk/>
+            <pc:sldMk cId="192643564" sldId="257"/>
+            <ac:spMk id="86" creationId="{5077270B-EC10-185D-8F8C-046CD2BA714B}"/>
+          </ac:spMkLst>
+        </pc:spChg>
+        <pc:spChg chg="add del mod">
+          <ac:chgData name="Fatima Pillosu" userId="a6295d4dc9e22643" providerId="LiveId" clId="{DF154678-E0A5-48FB-B6DF-E48304D50AE0}" dt="2024-01-05T11:37:57.967" v="1840" actId="21"/>
+          <ac:spMkLst>
+            <pc:docMk/>
+            <pc:sldMk cId="192643564" sldId="257"/>
+            <ac:spMk id="87" creationId="{9E7A161F-DBEB-0134-60E3-A7FF3F32F240}"/>
+          </ac:spMkLst>
+        </pc:spChg>
+        <pc:spChg chg="add del mod">
+          <ac:chgData name="Fatima Pillosu" userId="a6295d4dc9e22643" providerId="LiveId" clId="{DF154678-E0A5-48FB-B6DF-E48304D50AE0}" dt="2024-01-05T11:37:57.967" v="1840" actId="21"/>
+          <ac:spMkLst>
+            <pc:docMk/>
+            <pc:sldMk cId="192643564" sldId="257"/>
+            <ac:spMk id="88" creationId="{6A2C4898-C3CF-D730-CE2C-526A3609594D}"/>
+          </ac:spMkLst>
+        </pc:spChg>
+        <pc:spChg chg="add del mod">
+          <ac:chgData name="Fatima Pillosu" userId="a6295d4dc9e22643" providerId="LiveId" clId="{DF154678-E0A5-48FB-B6DF-E48304D50AE0}" dt="2024-01-05T11:37:57.967" v="1840" actId="21"/>
+          <ac:spMkLst>
+            <pc:docMk/>
+            <pc:sldMk cId="192643564" sldId="257"/>
+            <ac:spMk id="89" creationId="{F7A1B8F0-24EC-2853-4DBA-9ACD2F585E3A}"/>
+          </ac:spMkLst>
+        </pc:spChg>
+        <pc:spChg chg="add del mod">
+          <ac:chgData name="Fatima Pillosu" userId="a6295d4dc9e22643" providerId="LiveId" clId="{DF154678-E0A5-48FB-B6DF-E48304D50AE0}" dt="2024-01-05T11:37:57.967" v="1840" actId="21"/>
+          <ac:spMkLst>
+            <pc:docMk/>
+            <pc:sldMk cId="192643564" sldId="257"/>
+            <ac:spMk id="91" creationId="{54F93B5A-77EA-26F1-379C-A61FFFAB674F}"/>
+          </ac:spMkLst>
+        </pc:spChg>
+        <pc:spChg chg="add del mod">
+          <ac:chgData name="Fatima Pillosu" userId="a6295d4dc9e22643" providerId="LiveId" clId="{DF154678-E0A5-48FB-B6DF-E48304D50AE0}" dt="2024-01-05T11:37:57.967" v="1840" actId="21"/>
+          <ac:spMkLst>
+            <pc:docMk/>
+            <pc:sldMk cId="192643564" sldId="257"/>
+            <ac:spMk id="92" creationId="{10C6E66E-9779-7490-8C25-6ED47AC9E21F}"/>
+          </ac:spMkLst>
+        </pc:spChg>
+        <pc:spChg chg="add del mod">
+          <ac:chgData name="Fatima Pillosu" userId="a6295d4dc9e22643" providerId="LiveId" clId="{DF154678-E0A5-48FB-B6DF-E48304D50AE0}" dt="2024-01-05T11:37:57.967" v="1840" actId="21"/>
+          <ac:spMkLst>
+            <pc:docMk/>
+            <pc:sldMk cId="192643564" sldId="257"/>
+            <ac:spMk id="94" creationId="{910B98C6-D150-164D-4863-7D6EB950306F}"/>
+          </ac:spMkLst>
+        </pc:spChg>
+        <pc:spChg chg="add del mod">
+          <ac:chgData name="Fatima Pillosu" userId="a6295d4dc9e22643" providerId="LiveId" clId="{DF154678-E0A5-48FB-B6DF-E48304D50AE0}" dt="2024-01-05T11:37:57.967" v="1840" actId="21"/>
+          <ac:spMkLst>
+            <pc:docMk/>
+            <pc:sldMk cId="192643564" sldId="257"/>
+            <ac:spMk id="95" creationId="{CD6F42C0-E093-7311-6C64-02E9C8CE27B0}"/>
+          </ac:spMkLst>
+        </pc:spChg>
+        <pc:spChg chg="add del mod">
+          <ac:chgData name="Fatima Pillosu" userId="a6295d4dc9e22643" providerId="LiveId" clId="{DF154678-E0A5-48FB-B6DF-E48304D50AE0}" dt="2024-01-05T11:37:57.967" v="1840" actId="21"/>
+          <ac:spMkLst>
+            <pc:docMk/>
+            <pc:sldMk cId="192643564" sldId="257"/>
+            <ac:spMk id="96" creationId="{9872F1A0-71AC-B495-3D11-A8E9470CD238}"/>
+          </ac:spMkLst>
+        </pc:spChg>
+        <pc:spChg chg="add del mod">
+          <ac:chgData name="Fatima Pillosu" userId="a6295d4dc9e22643" providerId="LiveId" clId="{DF154678-E0A5-48FB-B6DF-E48304D50AE0}" dt="2024-01-05T11:37:57.967" v="1840" actId="21"/>
+          <ac:spMkLst>
+            <pc:docMk/>
+            <pc:sldMk cId="192643564" sldId="257"/>
+            <ac:spMk id="97" creationId="{D8658FD7-AAAC-2EE6-FDCC-219D71B91DE7}"/>
+          </ac:spMkLst>
+        </pc:spChg>
+        <pc:spChg chg="add mod">
+          <ac:chgData name="Fatima Pillosu" userId="a6295d4dc9e22643" providerId="LiveId" clId="{DF154678-E0A5-48FB-B6DF-E48304D50AE0}" dt="2024-01-05T11:35:16.483" v="1833" actId="20577"/>
+          <ac:spMkLst>
+            <pc:docMk/>
+            <pc:sldMk cId="192643564" sldId="257"/>
+            <ac:spMk id="100" creationId="{8FC79B02-2EC5-F2AD-D432-B4366D02C3AB}"/>
+          </ac:spMkLst>
+        </pc:spChg>
+        <pc:spChg chg="add mod">
+          <ac:chgData name="Fatima Pillosu" userId="a6295d4dc9e22643" providerId="LiveId" clId="{DF154678-E0A5-48FB-B6DF-E48304D50AE0}" dt="2024-01-05T11:21:26.450" v="1399" actId="164"/>
+          <ac:spMkLst>
+            <pc:docMk/>
+            <pc:sldMk cId="192643564" sldId="257"/>
+            <ac:spMk id="101" creationId="{4E867828-B8B0-13D0-2A22-4217AF59CFEE}"/>
+          </ac:spMkLst>
+        </pc:spChg>
+        <pc:spChg chg="add mod">
+          <ac:chgData name="Fatima Pillosu" userId="a6295d4dc9e22643" providerId="LiveId" clId="{DF154678-E0A5-48FB-B6DF-E48304D50AE0}" dt="2024-01-05T11:21:26.450" v="1399" actId="164"/>
+          <ac:spMkLst>
+            <pc:docMk/>
+            <pc:sldMk cId="192643564" sldId="257"/>
+            <ac:spMk id="102" creationId="{0A7A9DB3-8209-7041-FA7D-387B485D673F}"/>
+          </ac:spMkLst>
+        </pc:spChg>
+        <pc:spChg chg="add mod">
+          <ac:chgData name="Fatima Pillosu" userId="a6295d4dc9e22643" providerId="LiveId" clId="{DF154678-E0A5-48FB-B6DF-E48304D50AE0}" dt="2024-01-05T11:21:26.450" v="1399" actId="164"/>
+          <ac:spMkLst>
+            <pc:docMk/>
+            <pc:sldMk cId="192643564" sldId="257"/>
+            <ac:spMk id="103" creationId="{14CE7BBA-52B1-721C-F88B-D160A794EDE1}"/>
+          </ac:spMkLst>
+        </pc:spChg>
+        <pc:spChg chg="add mod">
+          <ac:chgData name="Fatima Pillosu" userId="a6295d4dc9e22643" providerId="LiveId" clId="{DF154678-E0A5-48FB-B6DF-E48304D50AE0}" dt="2024-01-05T11:21:26.450" v="1399" actId="164"/>
+          <ac:spMkLst>
+            <pc:docMk/>
+            <pc:sldMk cId="192643564" sldId="257"/>
+            <ac:spMk id="104" creationId="{E06545F9-4517-A675-43EF-17176DCD7B6C}"/>
+          </ac:spMkLst>
+        </pc:spChg>
+        <pc:spChg chg="add mod">
+          <ac:chgData name="Fatima Pillosu" userId="a6295d4dc9e22643" providerId="LiveId" clId="{DF154678-E0A5-48FB-B6DF-E48304D50AE0}" dt="2024-01-05T11:21:26.450" v="1399" actId="164"/>
+          <ac:spMkLst>
+            <pc:docMk/>
+            <pc:sldMk cId="192643564" sldId="257"/>
+            <ac:spMk id="105" creationId="{DC7EBA29-606A-4DA4-522D-75854280EF81}"/>
+          </ac:spMkLst>
+        </pc:spChg>
+        <pc:spChg chg="add mod ord">
+          <ac:chgData name="Fatima Pillosu" userId="a6295d4dc9e22643" providerId="LiveId" clId="{DF154678-E0A5-48FB-B6DF-E48304D50AE0}" dt="2024-01-05T11:21:26.450" v="1399" actId="164"/>
+          <ac:spMkLst>
+            <pc:docMk/>
+            <pc:sldMk cId="192643564" sldId="257"/>
+            <ac:spMk id="116" creationId="{BB4AC25E-2F85-3599-36EF-389552C8E175}"/>
+          </ac:spMkLst>
+        </pc:spChg>
+        <pc:spChg chg="add mod">
+          <ac:chgData name="Fatima Pillosu" userId="a6295d4dc9e22643" providerId="LiveId" clId="{DF154678-E0A5-48FB-B6DF-E48304D50AE0}" dt="2024-01-05T11:21:19.564" v="1398" actId="164"/>
+          <ac:spMkLst>
+            <pc:docMk/>
+            <pc:sldMk cId="192643564" sldId="257"/>
+            <ac:spMk id="118" creationId="{2E13E690-9AC4-D1C4-0B78-10945DE9DCF1}"/>
+          </ac:spMkLst>
+        </pc:spChg>
+        <pc:spChg chg="add mod">
+          <ac:chgData name="Fatima Pillosu" userId="a6295d4dc9e22643" providerId="LiveId" clId="{DF154678-E0A5-48FB-B6DF-E48304D50AE0}" dt="2024-01-05T11:35:18.116" v="1836" actId="20577"/>
+          <ac:spMkLst>
+            <pc:docMk/>
+            <pc:sldMk cId="192643564" sldId="257"/>
+            <ac:spMk id="120" creationId="{5D1CE063-5BC7-F974-C342-15B0EC34E189}"/>
+          </ac:spMkLst>
+        </pc:spChg>
+        <pc:spChg chg="add mod">
+          <ac:chgData name="Fatima Pillosu" userId="a6295d4dc9e22643" providerId="LiveId" clId="{DF154678-E0A5-48FB-B6DF-E48304D50AE0}" dt="2024-01-05T11:21:19.564" v="1398" actId="164"/>
+          <ac:spMkLst>
+            <pc:docMk/>
+            <pc:sldMk cId="192643564" sldId="257"/>
+            <ac:spMk id="121" creationId="{B81780BF-E378-5701-B54E-6344D3E7D74E}"/>
+          </ac:spMkLst>
+        </pc:spChg>
+        <pc:spChg chg="add mod">
+          <ac:chgData name="Fatima Pillosu" userId="a6295d4dc9e22643" providerId="LiveId" clId="{DF154678-E0A5-48FB-B6DF-E48304D50AE0}" dt="2024-01-05T11:21:19.564" v="1398" actId="164"/>
+          <ac:spMkLst>
+            <pc:docMk/>
+            <pc:sldMk cId="192643564" sldId="257"/>
+            <ac:spMk id="122" creationId="{F1EC211D-81DC-DB9D-F58A-01291CB7E6C6}"/>
+          </ac:spMkLst>
+        </pc:spChg>
+        <pc:spChg chg="add mod">
+          <ac:chgData name="Fatima Pillosu" userId="a6295d4dc9e22643" providerId="LiveId" clId="{DF154678-E0A5-48FB-B6DF-E48304D50AE0}" dt="2024-01-05T11:21:19.564" v="1398" actId="164"/>
+          <ac:spMkLst>
+            <pc:docMk/>
+            <pc:sldMk cId="192643564" sldId="257"/>
+            <ac:spMk id="123" creationId="{A2E22664-C086-7AD2-3440-FA101DB32E59}"/>
+          </ac:spMkLst>
+        </pc:spChg>
+        <pc:spChg chg="add mod">
+          <ac:chgData name="Fatima Pillosu" userId="a6295d4dc9e22643" providerId="LiveId" clId="{DF154678-E0A5-48FB-B6DF-E48304D50AE0}" dt="2024-01-05T11:21:19.564" v="1398" actId="164"/>
+          <ac:spMkLst>
+            <pc:docMk/>
+            <pc:sldMk cId="192643564" sldId="257"/>
+            <ac:spMk id="124" creationId="{5A5661D1-1B76-7D18-E191-D4FFBB9B16D0}"/>
+          </ac:spMkLst>
+        </pc:spChg>
+        <pc:spChg chg="add mod">
+          <ac:chgData name="Fatima Pillosu" userId="a6295d4dc9e22643" providerId="LiveId" clId="{DF154678-E0A5-48FB-B6DF-E48304D50AE0}" dt="2024-01-05T11:21:19.564" v="1398" actId="164"/>
+          <ac:spMkLst>
+            <pc:docMk/>
+            <pc:sldMk cId="192643564" sldId="257"/>
+            <ac:spMk id="125" creationId="{02C5F1BF-7E19-ED03-2778-2F85C8D17060}"/>
+          </ac:spMkLst>
+        </pc:spChg>
+        <pc:spChg chg="add mod topLvl">
+          <ac:chgData name="Fatima Pillosu" userId="a6295d4dc9e22643" providerId="LiveId" clId="{DF154678-E0A5-48FB-B6DF-E48304D50AE0}" dt="2024-01-05T11:22:44.258" v="1409" actId="164"/>
+          <ac:spMkLst>
+            <pc:docMk/>
+            <pc:sldMk cId="192643564" sldId="257"/>
+            <ac:spMk id="126" creationId="{F4CF0E38-DC9E-007A-171A-84C9DAD9CA17}"/>
+          </ac:spMkLst>
+        </pc:spChg>
+        <pc:spChg chg="add mod topLvl">
+          <ac:chgData name="Fatima Pillosu" userId="a6295d4dc9e22643" providerId="LiveId" clId="{DF154678-E0A5-48FB-B6DF-E48304D50AE0}" dt="2024-01-05T11:35:14.128" v="1830" actId="20577"/>
+          <ac:spMkLst>
+            <pc:docMk/>
+            <pc:sldMk cId="192643564" sldId="257"/>
+            <ac:spMk id="128" creationId="{1B4A0759-6354-0BC2-D8DC-3E4436E91C5B}"/>
+          </ac:spMkLst>
+        </pc:spChg>
+        <pc:spChg chg="add mod topLvl">
+          <ac:chgData name="Fatima Pillosu" userId="a6295d4dc9e22643" providerId="LiveId" clId="{DF154678-E0A5-48FB-B6DF-E48304D50AE0}" dt="2024-01-05T11:22:44.258" v="1409" actId="164"/>
+          <ac:spMkLst>
+            <pc:docMk/>
+            <pc:sldMk cId="192643564" sldId="257"/>
+            <ac:spMk id="129" creationId="{C9CD9198-45F2-D665-BE5C-F426CDDCCC90}"/>
+          </ac:spMkLst>
+        </pc:spChg>
+        <pc:spChg chg="add mod topLvl">
+          <ac:chgData name="Fatima Pillosu" userId="a6295d4dc9e22643" providerId="LiveId" clId="{DF154678-E0A5-48FB-B6DF-E48304D50AE0}" dt="2024-01-05T11:22:44.258" v="1409" actId="164"/>
+          <ac:spMkLst>
+            <pc:docMk/>
+            <pc:sldMk cId="192643564" sldId="257"/>
+            <ac:spMk id="130" creationId="{BC5F84EB-CDC6-C0C7-3CBC-42B4EE979C90}"/>
+          </ac:spMkLst>
+        </pc:spChg>
+        <pc:spChg chg="add mod ord">
+          <ac:chgData name="Fatima Pillosu" userId="a6295d4dc9e22643" providerId="LiveId" clId="{DF154678-E0A5-48FB-B6DF-E48304D50AE0}" dt="2024-01-05T11:22:44.258" v="1409" actId="164"/>
+          <ac:spMkLst>
+            <pc:docMk/>
+            <pc:sldMk cId="192643564" sldId="257"/>
+            <ac:spMk id="131" creationId="{645C2559-B1FE-5E49-9EB2-E5B3F4DB10B3}"/>
+          </ac:spMkLst>
+        </pc:spChg>
+        <pc:spChg chg="add mod ord">
+          <ac:chgData name="Fatima Pillosu" userId="a6295d4dc9e22643" providerId="LiveId" clId="{DF154678-E0A5-48FB-B6DF-E48304D50AE0}" dt="2024-01-05T11:22:44.258" v="1409" actId="164"/>
+          <ac:spMkLst>
+            <pc:docMk/>
+            <pc:sldMk cId="192643564" sldId="257"/>
+            <ac:spMk id="132" creationId="{0A37C412-F424-D303-35BF-D80F86BE2BAF}"/>
+          </ac:spMkLst>
+        </pc:spChg>
+        <pc:spChg chg="add mod ord">
+          <ac:chgData name="Fatima Pillosu" userId="a6295d4dc9e22643" providerId="LiveId" clId="{DF154678-E0A5-48FB-B6DF-E48304D50AE0}" dt="2024-01-05T11:22:44.258" v="1409" actId="164"/>
+          <ac:spMkLst>
+            <pc:docMk/>
+            <pc:sldMk cId="192643564" sldId="257"/>
+            <ac:spMk id="133" creationId="{AF6AC928-C1F1-5640-EA73-DE8E195B5F3D}"/>
+          </ac:spMkLst>
+        </pc:spChg>
+        <pc:spChg chg="add del mod">
+          <ac:chgData name="Fatima Pillosu" userId="a6295d4dc9e22643" providerId="LiveId" clId="{DF154678-E0A5-48FB-B6DF-E48304D50AE0}" dt="2024-01-05T11:25:26.234" v="1589" actId="478"/>
+          <ac:spMkLst>
+            <pc:docMk/>
+            <pc:sldMk cId="192643564" sldId="257"/>
+            <ac:spMk id="138" creationId="{2FA2019A-6D6B-A146-0F69-E3ADB1DC31E4}"/>
+          </ac:spMkLst>
+        </pc:spChg>
+        <pc:spChg chg="add del mod">
+          <ac:chgData name="Fatima Pillosu" userId="a6295d4dc9e22643" providerId="LiveId" clId="{DF154678-E0A5-48FB-B6DF-E48304D50AE0}" dt="2024-01-05T11:37:57.967" v="1840" actId="21"/>
+          <ac:spMkLst>
+            <pc:docMk/>
+            <pc:sldMk cId="192643564" sldId="257"/>
+            <ac:spMk id="142" creationId="{1E23CFB7-D984-E816-DC69-7B95FFD6DC83}"/>
+          </ac:spMkLst>
+        </pc:spChg>
+        <pc:spChg chg="add del mod">
+          <ac:chgData name="Fatima Pillosu" userId="a6295d4dc9e22643" providerId="LiveId" clId="{DF154678-E0A5-48FB-B6DF-E48304D50AE0}" dt="2024-01-05T11:37:57.967" v="1840" actId="21"/>
+          <ac:spMkLst>
+            <pc:docMk/>
+            <pc:sldMk cId="192643564" sldId="257"/>
+            <ac:spMk id="143" creationId="{2E4BCFAD-DBD4-70AE-568A-1708A85C35B0}"/>
+          </ac:spMkLst>
+        </pc:spChg>
+        <pc:spChg chg="add del mod">
+          <ac:chgData name="Fatima Pillosu" userId="a6295d4dc9e22643" providerId="LiveId" clId="{DF154678-E0A5-48FB-B6DF-E48304D50AE0}" dt="2024-01-05T11:37:57.967" v="1840" actId="21"/>
+          <ac:spMkLst>
+            <pc:docMk/>
+            <pc:sldMk cId="192643564" sldId="257"/>
+            <ac:spMk id="144" creationId="{AE1F51EA-250C-EB47-AEEA-C6C84CF1409B}"/>
+          </ac:spMkLst>
+        </pc:spChg>
+        <pc:spChg chg="add del mod">
+          <ac:chgData name="Fatima Pillosu" userId="a6295d4dc9e22643" providerId="LiveId" clId="{DF154678-E0A5-48FB-B6DF-E48304D50AE0}" dt="2024-01-05T11:37:57.967" v="1840" actId="21"/>
+          <ac:spMkLst>
+            <pc:docMk/>
+            <pc:sldMk cId="192643564" sldId="257"/>
+            <ac:spMk id="145" creationId="{56F2863E-48F0-CE4A-7013-1EAE0FEDB733}"/>
+          </ac:spMkLst>
+        </pc:spChg>
+        <pc:spChg chg="add del mod">
+          <ac:chgData name="Fatima Pillosu" userId="a6295d4dc9e22643" providerId="LiveId" clId="{DF154678-E0A5-48FB-B6DF-E48304D50AE0}" dt="2024-01-05T11:37:57.967" v="1840" actId="21"/>
+          <ac:spMkLst>
+            <pc:docMk/>
+            <pc:sldMk cId="192643564" sldId="257"/>
+            <ac:spMk id="146" creationId="{A759F98B-0B42-497C-21A2-DEC82232FE90}"/>
+          </ac:spMkLst>
+        </pc:spChg>
+        <pc:spChg chg="add del mod">
+          <ac:chgData name="Fatima Pillosu" userId="a6295d4dc9e22643" providerId="LiveId" clId="{DF154678-E0A5-48FB-B6DF-E48304D50AE0}" dt="2024-01-05T11:37:57.967" v="1840" actId="21"/>
+          <ac:spMkLst>
+            <pc:docMk/>
+            <pc:sldMk cId="192643564" sldId="257"/>
+            <ac:spMk id="147" creationId="{1886266A-7FF4-F79D-AD10-77753CB20782}"/>
+          </ac:spMkLst>
+        </pc:spChg>
+        <pc:spChg chg="add del mod">
+          <ac:chgData name="Fatima Pillosu" userId="a6295d4dc9e22643" providerId="LiveId" clId="{DF154678-E0A5-48FB-B6DF-E48304D50AE0}" dt="2024-01-05T11:37:57.967" v="1840" actId="21"/>
+          <ac:spMkLst>
+            <pc:docMk/>
+            <pc:sldMk cId="192643564" sldId="257"/>
+            <ac:spMk id="148" creationId="{8B65A49C-20AA-81A3-D8D8-920736B750CB}"/>
+          </ac:spMkLst>
+        </pc:spChg>
+        <pc:spChg chg="add del mod">
+          <ac:chgData name="Fatima Pillosu" userId="a6295d4dc9e22643" providerId="LiveId" clId="{DF154678-E0A5-48FB-B6DF-E48304D50AE0}" dt="2024-01-05T11:25:38.157" v="1593" actId="478"/>
+          <ac:spMkLst>
+            <pc:docMk/>
+            <pc:sldMk cId="192643564" sldId="257"/>
+            <ac:spMk id="152" creationId="{58CDD951-E799-EABF-40F2-A48B857E5FB5}"/>
+          </ac:spMkLst>
+        </pc:spChg>
+        <pc:spChg chg="add del mod">
+          <ac:chgData name="Fatima Pillosu" userId="a6295d4dc9e22643" providerId="LiveId" clId="{DF154678-E0A5-48FB-B6DF-E48304D50AE0}" dt="2024-01-05T11:25:37.606" v="1592" actId="478"/>
+          <ac:spMkLst>
+            <pc:docMk/>
+            <pc:sldMk cId="192643564" sldId="257"/>
+            <ac:spMk id="153" creationId="{BDE61584-A4A3-B3F8-D4D0-D1F3212A7E31}"/>
+          </ac:spMkLst>
+        </pc:spChg>
+        <pc:spChg chg="add del mod">
+          <ac:chgData name="Fatima Pillosu" userId="a6295d4dc9e22643" providerId="LiveId" clId="{DF154678-E0A5-48FB-B6DF-E48304D50AE0}" dt="2024-01-05T11:25:37.053" v="1591" actId="478"/>
+          <ac:spMkLst>
+            <pc:docMk/>
+            <pc:sldMk cId="192643564" sldId="257"/>
+            <ac:spMk id="154" creationId="{3FE9C289-9B11-7EF4-1EDE-215EE81DA1AD}"/>
+          </ac:spMkLst>
+        </pc:spChg>
+        <pc:spChg chg="add del mod">
+          <ac:chgData name="Fatima Pillosu" userId="a6295d4dc9e22643" providerId="LiveId" clId="{DF154678-E0A5-48FB-B6DF-E48304D50AE0}" dt="2024-01-05T11:25:35.957" v="1590" actId="478"/>
+          <ac:spMkLst>
+            <pc:docMk/>
+            <pc:sldMk cId="192643564" sldId="257"/>
+            <ac:spMk id="155" creationId="{6580875F-5821-9A89-CB09-35006ACDC089}"/>
+          </ac:spMkLst>
+        </pc:spChg>
+        <pc:spChg chg="add del mod">
+          <ac:chgData name="Fatima Pillosu" userId="a6295d4dc9e22643" providerId="LiveId" clId="{DF154678-E0A5-48FB-B6DF-E48304D50AE0}" dt="2024-01-05T11:37:57.967" v="1840" actId="21"/>
+          <ac:spMkLst>
+            <pc:docMk/>
+            <pc:sldMk cId="192643564" sldId="257"/>
+            <ac:spMk id="156" creationId="{E4059B78-D471-1891-E678-FBCDA9F5B601}"/>
+          </ac:spMkLst>
+        </pc:spChg>
+        <pc:spChg chg="add del mod">
+          <ac:chgData name="Fatima Pillosu" userId="a6295d4dc9e22643" providerId="LiveId" clId="{DF154678-E0A5-48FB-B6DF-E48304D50AE0}" dt="2024-01-05T11:37:57.967" v="1840" actId="21"/>
+          <ac:spMkLst>
+            <pc:docMk/>
+            <pc:sldMk cId="192643564" sldId="257"/>
+            <ac:spMk id="157" creationId="{FE0B7188-CF96-0D6E-8DE5-6725B7C8625A}"/>
+          </ac:spMkLst>
+        </pc:spChg>
+        <pc:spChg chg="add del mod">
+          <ac:chgData name="Fatima Pillosu" userId="a6295d4dc9e22643" providerId="LiveId" clId="{DF154678-E0A5-48FB-B6DF-E48304D50AE0}" dt="2024-01-05T11:37:57.967" v="1840" actId="21"/>
+          <ac:spMkLst>
+            <pc:docMk/>
+            <pc:sldMk cId="192643564" sldId="257"/>
+            <ac:spMk id="158" creationId="{F0A6FE84-866F-E70B-457A-0DB17127320B}"/>
+          </ac:spMkLst>
+        </pc:spChg>
+        <pc:spChg chg="add del mod">
+          <ac:chgData name="Fatima Pillosu" userId="a6295d4dc9e22643" providerId="LiveId" clId="{DF154678-E0A5-48FB-B6DF-E48304D50AE0}" dt="2024-01-05T11:37:57.967" v="1840" actId="21"/>
+          <ac:spMkLst>
+            <pc:docMk/>
+            <pc:sldMk cId="192643564" sldId="257"/>
+            <ac:spMk id="159" creationId="{37AA3E38-E01C-0269-8FC7-D14F2C65EDC2}"/>
+          </ac:spMkLst>
+        </pc:spChg>
+        <pc:spChg chg="add del mod">
+          <ac:chgData name="Fatima Pillosu" userId="a6295d4dc9e22643" providerId="LiveId" clId="{DF154678-E0A5-48FB-B6DF-E48304D50AE0}" dt="2024-01-05T11:37:57.967" v="1840" actId="21"/>
+          <ac:spMkLst>
+            <pc:docMk/>
+            <pc:sldMk cId="192643564" sldId="257"/>
+            <ac:spMk id="163" creationId="{A998A084-2C68-002C-A70B-B540E8DF451C}"/>
+          </ac:spMkLst>
+        </pc:spChg>
+        <pc:spChg chg="add del mod">
+          <ac:chgData name="Fatima Pillosu" userId="a6295d4dc9e22643" providerId="LiveId" clId="{DF154678-E0A5-48FB-B6DF-E48304D50AE0}" dt="2024-01-05T11:37:57.967" v="1840" actId="21"/>
+          <ac:spMkLst>
+            <pc:docMk/>
+            <pc:sldMk cId="192643564" sldId="257"/>
+            <ac:spMk id="164" creationId="{7E57D3BF-6B9D-7877-4E11-F5EF56439F27}"/>
+          </ac:spMkLst>
+        </pc:spChg>
+        <pc:spChg chg="add del mod">
+          <ac:chgData name="Fatima Pillosu" userId="a6295d4dc9e22643" providerId="LiveId" clId="{DF154678-E0A5-48FB-B6DF-E48304D50AE0}" dt="2024-01-05T11:37:57.967" v="1840" actId="21"/>
+          <ac:spMkLst>
+            <pc:docMk/>
+            <pc:sldMk cId="192643564" sldId="257"/>
+            <ac:spMk id="165" creationId="{78F9817C-949E-C027-6461-3D3E423FEAC9}"/>
+          </ac:spMkLst>
+        </pc:spChg>
+        <pc:spChg chg="add del mod">
+          <ac:chgData name="Fatima Pillosu" userId="a6295d4dc9e22643" providerId="LiveId" clId="{DF154678-E0A5-48FB-B6DF-E48304D50AE0}" dt="2024-01-05T11:28:48.857" v="1682" actId="478"/>
+          <ac:spMkLst>
+            <pc:docMk/>
+            <pc:sldMk cId="192643564" sldId="257"/>
+            <ac:spMk id="166" creationId="{43A4F907-5281-8DA0-AE83-914E6236348A}"/>
+          </ac:spMkLst>
+        </pc:spChg>
+        <pc:spChg chg="add del mod">
+          <ac:chgData name="Fatima Pillosu" userId="a6295d4dc9e22643" providerId="LiveId" clId="{DF154678-E0A5-48FB-B6DF-E48304D50AE0}" dt="2024-01-05T11:28:50.651" v="1683" actId="478"/>
+          <ac:spMkLst>
+            <pc:docMk/>
+            <pc:sldMk cId="192643564" sldId="257"/>
+            <ac:spMk id="167" creationId="{C67B4373-708B-2128-CD2E-0DF90CE57B42}"/>
+          </ac:spMkLst>
+        </pc:spChg>
+        <pc:spChg chg="add del mod">
+          <ac:chgData name="Fatima Pillosu" userId="a6295d4dc9e22643" providerId="LiveId" clId="{DF154678-E0A5-48FB-B6DF-E48304D50AE0}" dt="2024-01-05T11:28:51.620" v="1684" actId="478"/>
+          <ac:spMkLst>
+            <pc:docMk/>
+            <pc:sldMk cId="192643564" sldId="257"/>
+            <ac:spMk id="168" creationId="{1D60805F-1502-7B83-BC98-DDCE12BCE75F}"/>
+          </ac:spMkLst>
+        </pc:spChg>
+        <pc:spChg chg="add del mod">
+          <ac:chgData name="Fatima Pillosu" userId="a6295d4dc9e22643" providerId="LiveId" clId="{DF154678-E0A5-48FB-B6DF-E48304D50AE0}" dt="2024-01-05T11:37:57.967" v="1840" actId="21"/>
+          <ac:spMkLst>
+            <pc:docMk/>
+            <pc:sldMk cId="192643564" sldId="257"/>
+            <ac:spMk id="172" creationId="{8A1CA8FF-6B5E-7FE0-A1E2-4CE2082BB8F7}"/>
+          </ac:spMkLst>
+        </pc:spChg>
+        <pc:spChg chg="add del mod">
+          <ac:chgData name="Fatima Pillosu" userId="a6295d4dc9e22643" providerId="LiveId" clId="{DF154678-E0A5-48FB-B6DF-E48304D50AE0}" dt="2024-01-05T11:37:57.967" v="1840" actId="21"/>
+          <ac:spMkLst>
+            <pc:docMk/>
+            <pc:sldMk cId="192643564" sldId="257"/>
+            <ac:spMk id="173" creationId="{DCF99731-DE4C-E64C-06F0-FCE198F2B8B7}"/>
+          </ac:spMkLst>
+        </pc:spChg>
+        <pc:spChg chg="add del mod">
+          <ac:chgData name="Fatima Pillosu" userId="a6295d4dc9e22643" providerId="LiveId" clId="{DF154678-E0A5-48FB-B6DF-E48304D50AE0}" dt="2024-01-05T11:37:57.967" v="1840" actId="21"/>
+          <ac:spMkLst>
+            <pc:docMk/>
+            <pc:sldMk cId="192643564" sldId="257"/>
+            <ac:spMk id="174" creationId="{33A9332C-4E40-6004-2A9E-BDA29A3038A4}"/>
+          </ac:spMkLst>
+        </pc:spChg>
+        <pc:spChg chg="add del mod">
+          <ac:chgData name="Fatima Pillosu" userId="a6295d4dc9e22643" providerId="LiveId" clId="{DF154678-E0A5-48FB-B6DF-E48304D50AE0}" dt="2024-01-05T11:37:57.967" v="1840" actId="21"/>
+          <ac:spMkLst>
+            <pc:docMk/>
+            <pc:sldMk cId="192643564" sldId="257"/>
+            <ac:spMk id="175" creationId="{5EB34E9F-0CA2-C7D2-B25B-3CA24B907BB1}"/>
+          </ac:spMkLst>
+        </pc:spChg>
+        <pc:spChg chg="add del mod">
+          <ac:chgData name="Fatima Pillosu" userId="a6295d4dc9e22643" providerId="LiveId" clId="{DF154678-E0A5-48FB-B6DF-E48304D50AE0}" dt="2024-01-05T11:37:57.967" v="1840" actId="21"/>
+          <ac:spMkLst>
+            <pc:docMk/>
+            <pc:sldMk cId="192643564" sldId="257"/>
+            <ac:spMk id="176" creationId="{495108F5-2C89-3F3B-943E-1EF5A4CE103A}"/>
+          </ac:spMkLst>
+        </pc:spChg>
+        <pc:spChg chg="add del mod">
+          <ac:chgData name="Fatima Pillosu" userId="a6295d4dc9e22643" providerId="LiveId" clId="{DF154678-E0A5-48FB-B6DF-E48304D50AE0}" dt="2024-01-05T11:37:57.967" v="1840" actId="21"/>
+          <ac:spMkLst>
+            <pc:docMk/>
+            <pc:sldMk cId="192643564" sldId="257"/>
+            <ac:spMk id="177" creationId="{7C8E6B09-F702-0C55-EBD9-9C1054164E29}"/>
+          </ac:spMkLst>
+        </pc:spChg>
+        <pc:spChg chg="add del mod">
+          <ac:chgData name="Fatima Pillosu" userId="a6295d4dc9e22643" providerId="LiveId" clId="{DF154678-E0A5-48FB-B6DF-E48304D50AE0}" dt="2024-01-05T11:37:57.967" v="1840" actId="21"/>
+          <ac:spMkLst>
+            <pc:docMk/>
+            <pc:sldMk cId="192643564" sldId="257"/>
+            <ac:spMk id="178" creationId="{4A6C44A8-AE81-A092-FDDC-0D358986F0D9}"/>
+          </ac:spMkLst>
+        </pc:spChg>
+        <pc:spChg chg="add del mod">
+          <ac:chgData name="Fatima Pillosu" userId="a6295d4dc9e22643" providerId="LiveId" clId="{DF154678-E0A5-48FB-B6DF-E48304D50AE0}" dt="2024-01-05T11:37:57.967" v="1840" actId="21"/>
+          <ac:spMkLst>
+            <pc:docMk/>
+            <pc:sldMk cId="192643564" sldId="257"/>
+            <ac:spMk id="179" creationId="{13CFC2C1-4D4E-3F4B-A05D-A286923B67F4}"/>
+          </ac:spMkLst>
+        </pc:spChg>
+        <pc:spChg chg="add del mod">
+          <ac:chgData name="Fatima Pillosu" userId="a6295d4dc9e22643" providerId="LiveId" clId="{DF154678-E0A5-48FB-B6DF-E48304D50AE0}" dt="2024-01-05T11:37:57.967" v="1840" actId="21"/>
+          <ac:spMkLst>
+            <pc:docMk/>
+            <pc:sldMk cId="192643564" sldId="257"/>
+            <ac:spMk id="180" creationId="{8961F394-6644-272B-F5C2-B5823E8263A6}"/>
+          </ac:spMkLst>
+        </pc:spChg>
+        <pc:spChg chg="add del mod">
+          <ac:chgData name="Fatima Pillosu" userId="a6295d4dc9e22643" providerId="LiveId" clId="{DF154678-E0A5-48FB-B6DF-E48304D50AE0}" dt="2024-01-05T11:37:57.967" v="1840" actId="21"/>
+          <ac:spMkLst>
+            <pc:docMk/>
+            <pc:sldMk cId="192643564" sldId="257"/>
+            <ac:spMk id="181" creationId="{71241154-4F40-9EA9-2D4A-1A45F17113FF}"/>
+          </ac:spMkLst>
+        </pc:spChg>
+        <pc:spChg chg="add del mod">
+          <ac:chgData name="Fatima Pillosu" userId="a6295d4dc9e22643" providerId="LiveId" clId="{DF154678-E0A5-48FB-B6DF-E48304D50AE0}" dt="2024-01-05T11:37:57.967" v="1840" actId="21"/>
+          <ac:spMkLst>
+            <pc:docMk/>
+            <pc:sldMk cId="192643564" sldId="257"/>
+            <ac:spMk id="182" creationId="{FCE06EAF-64FF-4EB3-4C5C-260A11999F1F}"/>
+          </ac:spMkLst>
+        </pc:spChg>
+        <pc:spChg chg="add del mod">
+          <ac:chgData name="Fatima Pillosu" userId="a6295d4dc9e22643" providerId="LiveId" clId="{DF154678-E0A5-48FB-B6DF-E48304D50AE0}" dt="2024-01-05T11:37:57.967" v="1840" actId="21"/>
+          <ac:spMkLst>
+            <pc:docMk/>
+            <pc:sldMk cId="192643564" sldId="257"/>
+            <ac:spMk id="183" creationId="{053650AA-6677-6902-A06D-032D5B25371F}"/>
+          </ac:spMkLst>
+        </pc:spChg>
+        <pc:spChg chg="add del mod">
+          <ac:chgData name="Fatima Pillosu" userId="a6295d4dc9e22643" providerId="LiveId" clId="{DF154678-E0A5-48FB-B6DF-E48304D50AE0}" dt="2024-01-05T11:37:56.645" v="1839" actId="478"/>
+          <ac:spMkLst>
+            <pc:docMk/>
+            <pc:sldMk cId="192643564" sldId="257"/>
+            <ac:spMk id="184" creationId="{EC4825EA-A01E-C6B1-7624-E95E358E376D}"/>
+          </ac:spMkLst>
+        </pc:spChg>
+        <pc:spChg chg="add mod">
+          <ac:chgData name="Fatima Pillosu" userId="a6295d4dc9e22643" providerId="LiveId" clId="{DF154678-E0A5-48FB-B6DF-E48304D50AE0}" dt="2024-01-05T11:48:22.923" v="1863" actId="20577"/>
+          <ac:spMkLst>
+            <pc:docMk/>
+            <pc:sldMk cId="192643564" sldId="257"/>
+            <ac:spMk id="185" creationId="{476F2D46-97BC-0FAF-A37B-72A4EBBD4323}"/>
+          </ac:spMkLst>
+        </pc:spChg>
+        <pc:spChg chg="add mod">
+          <ac:chgData name="Fatima Pillosu" userId="a6295d4dc9e22643" providerId="LiveId" clId="{DF154678-E0A5-48FB-B6DF-E48304D50AE0}" dt="2024-01-05T11:48:27.350" v="1869" actId="20577"/>
+          <ac:spMkLst>
+            <pc:docMk/>
+            <pc:sldMk cId="192643564" sldId="257"/>
+            <ac:spMk id="186" creationId="{3D646FA3-2B64-9454-F9D9-F0D701ABC49E}"/>
+          </ac:spMkLst>
+        </pc:spChg>
+        <pc:spChg chg="add mod">
+          <ac:chgData name="Fatima Pillosu" userId="a6295d4dc9e22643" providerId="LiveId" clId="{DF154678-E0A5-48FB-B6DF-E48304D50AE0}" dt="2024-01-05T11:48:34.854" v="1877" actId="20577"/>
+          <ac:spMkLst>
+            <pc:docMk/>
+            <pc:sldMk cId="192643564" sldId="257"/>
+            <ac:spMk id="187" creationId="{EA0FED63-233F-4A52-B9BD-15B25EF1A5DC}"/>
+          </ac:spMkLst>
+        </pc:spChg>
+        <pc:spChg chg="add mod">
+          <ac:chgData name="Fatima Pillosu" userId="a6295d4dc9e22643" providerId="LiveId" clId="{DF154678-E0A5-48FB-B6DF-E48304D50AE0}" dt="2024-01-05T11:38:15.496" v="1854" actId="1035"/>
+          <ac:spMkLst>
+            <pc:docMk/>
+            <pc:sldMk cId="192643564" sldId="257"/>
+            <ac:spMk id="188" creationId="{A8BB8588-912D-7429-00AF-903DFC92D15C}"/>
+          </ac:spMkLst>
+        </pc:spChg>
+        <pc:spChg chg="add mod">
+          <ac:chgData name="Fatima Pillosu" userId="a6295d4dc9e22643" providerId="LiveId" clId="{DF154678-E0A5-48FB-B6DF-E48304D50AE0}" dt="2024-01-05T11:38:15.496" v="1854" actId="1035"/>
+          <ac:spMkLst>
+            <pc:docMk/>
+            <pc:sldMk cId="192643564" sldId="257"/>
+            <ac:spMk id="189" creationId="{0A994775-5B90-8ACF-9DA7-E5393215AB04}"/>
+          </ac:spMkLst>
+        </pc:spChg>
+        <pc:spChg chg="add mod">
+          <ac:chgData name="Fatima Pillosu" userId="a6295d4dc9e22643" providerId="LiveId" clId="{DF154678-E0A5-48FB-B6DF-E48304D50AE0}" dt="2024-01-05T11:38:15.496" v="1854" actId="1035"/>
+          <ac:spMkLst>
+            <pc:docMk/>
+            <pc:sldMk cId="192643564" sldId="257"/>
+            <ac:spMk id="190" creationId="{83BE4493-1086-8D9E-285D-FD84E166AD29}"/>
+          </ac:spMkLst>
+        </pc:spChg>
+        <pc:spChg chg="add mod">
+          <ac:chgData name="Fatima Pillosu" userId="a6295d4dc9e22643" providerId="LiveId" clId="{DF154678-E0A5-48FB-B6DF-E48304D50AE0}" dt="2024-01-05T11:38:15.496" v="1854" actId="1035"/>
+          <ac:spMkLst>
+            <pc:docMk/>
+            <pc:sldMk cId="192643564" sldId="257"/>
+            <ac:spMk id="191" creationId="{DEB6D9BC-A2CD-B29C-7FA9-E4043D74E99E}"/>
+          </ac:spMkLst>
+        </pc:spChg>
+        <pc:spChg chg="add mod">
+          <ac:chgData name="Fatima Pillosu" userId="a6295d4dc9e22643" providerId="LiveId" clId="{DF154678-E0A5-48FB-B6DF-E48304D50AE0}" dt="2024-01-05T11:38:15.496" v="1854" actId="1035"/>
+          <ac:spMkLst>
+            <pc:docMk/>
+            <pc:sldMk cId="192643564" sldId="257"/>
+            <ac:spMk id="192" creationId="{7A8C4094-96C0-2762-CCFE-C37E329C7D05}"/>
+          </ac:spMkLst>
+        </pc:spChg>
+        <pc:spChg chg="add mod">
+          <ac:chgData name="Fatima Pillosu" userId="a6295d4dc9e22643" providerId="LiveId" clId="{DF154678-E0A5-48FB-B6DF-E48304D50AE0}" dt="2024-01-05T11:38:15.496" v="1854" actId="1035"/>
+          <ac:spMkLst>
+            <pc:docMk/>
+            <pc:sldMk cId="192643564" sldId="257"/>
+            <ac:spMk id="193" creationId="{3569CBCE-34DC-9BB7-9CBF-0E3E357A2A41}"/>
+          </ac:spMkLst>
+        </pc:spChg>
+        <pc:spChg chg="add mod">
+          <ac:chgData name="Fatima Pillosu" userId="a6295d4dc9e22643" providerId="LiveId" clId="{DF154678-E0A5-48FB-B6DF-E48304D50AE0}" dt="2024-01-05T11:38:15.496" v="1854" actId="1035"/>
+          <ac:spMkLst>
+            <pc:docMk/>
+            <pc:sldMk cId="192643564" sldId="257"/>
+            <ac:spMk id="194" creationId="{7CBCD3C1-48A8-D287-C038-E5A7C55EBE45}"/>
+          </ac:spMkLst>
+        </pc:spChg>
+        <pc:spChg chg="add mod">
+          <ac:chgData name="Fatima Pillosu" userId="a6295d4dc9e22643" providerId="LiveId" clId="{DF154678-E0A5-48FB-B6DF-E48304D50AE0}" dt="2024-01-05T11:38:15.496" v="1854" actId="1035"/>
+          <ac:spMkLst>
+            <pc:docMk/>
+            <pc:sldMk cId="192643564" sldId="257"/>
+            <ac:spMk id="197" creationId="{63E413E0-979C-125E-B10D-5A74282B6FC4}"/>
+          </ac:spMkLst>
+        </pc:spChg>
+        <pc:spChg chg="add mod">
+          <ac:chgData name="Fatima Pillosu" userId="a6295d4dc9e22643" providerId="LiveId" clId="{DF154678-E0A5-48FB-B6DF-E48304D50AE0}" dt="2024-01-05T11:38:15.496" v="1854" actId="1035"/>
+          <ac:spMkLst>
+            <pc:docMk/>
+            <pc:sldMk cId="192643564" sldId="257"/>
+            <ac:spMk id="198" creationId="{64CA9145-F81B-201C-C75F-6C4F4406B860}"/>
+          </ac:spMkLst>
+        </pc:spChg>
+        <pc:spChg chg="add mod">
+          <ac:chgData name="Fatima Pillosu" userId="a6295d4dc9e22643" providerId="LiveId" clId="{DF154678-E0A5-48FB-B6DF-E48304D50AE0}" dt="2024-01-05T11:38:15.496" v="1854" actId="1035"/>
+          <ac:spMkLst>
+            <pc:docMk/>
+            <pc:sldMk cId="192643564" sldId="257"/>
+            <ac:spMk id="199" creationId="{375101BE-42F8-9352-0E01-D18AD6596111}"/>
+          </ac:spMkLst>
+        </pc:spChg>
+        <pc:spChg chg="add mod">
+          <ac:chgData name="Fatima Pillosu" userId="a6295d4dc9e22643" providerId="LiveId" clId="{DF154678-E0A5-48FB-B6DF-E48304D50AE0}" dt="2024-01-05T11:38:15.496" v="1854" actId="1035"/>
+          <ac:spMkLst>
+            <pc:docMk/>
+            <pc:sldMk cId="192643564" sldId="257"/>
+            <ac:spMk id="200" creationId="{23877BE8-0081-FA38-F460-AC7E6E7608C6}"/>
+          </ac:spMkLst>
+        </pc:spChg>
+        <pc:spChg chg="add mod">
+          <ac:chgData name="Fatima Pillosu" userId="a6295d4dc9e22643" providerId="LiveId" clId="{DF154678-E0A5-48FB-B6DF-E48304D50AE0}" dt="2024-01-05T11:38:15.496" v="1854" actId="1035"/>
+          <ac:spMkLst>
+            <pc:docMk/>
+            <pc:sldMk cId="192643564" sldId="257"/>
+            <ac:spMk id="203" creationId="{ABF0154C-03A0-D305-9619-3B10F1D57FFB}"/>
+          </ac:spMkLst>
+        </pc:spChg>
+        <pc:spChg chg="add mod">
+          <ac:chgData name="Fatima Pillosu" userId="a6295d4dc9e22643" providerId="LiveId" clId="{DF154678-E0A5-48FB-B6DF-E48304D50AE0}" dt="2024-01-05T11:38:15.496" v="1854" actId="1035"/>
+          <ac:spMkLst>
+            <pc:docMk/>
+            <pc:sldMk cId="192643564" sldId="257"/>
+            <ac:spMk id="204" creationId="{843F8FFD-B73A-14EF-0785-A7730EDD2928}"/>
+          </ac:spMkLst>
+        </pc:spChg>
+        <pc:spChg chg="add mod">
+          <ac:chgData name="Fatima Pillosu" userId="a6295d4dc9e22643" providerId="LiveId" clId="{DF154678-E0A5-48FB-B6DF-E48304D50AE0}" dt="2024-01-05T11:38:15.496" v="1854" actId="1035"/>
+          <ac:spMkLst>
+            <pc:docMk/>
+            <pc:sldMk cId="192643564" sldId="257"/>
+            <ac:spMk id="205" creationId="{C02F5BCA-92EA-E91D-F322-AD2AA67CFD06}"/>
+          </ac:spMkLst>
+        </pc:spChg>
+        <pc:spChg chg="add mod">
+          <ac:chgData name="Fatima Pillosu" userId="a6295d4dc9e22643" providerId="LiveId" clId="{DF154678-E0A5-48FB-B6DF-E48304D50AE0}" dt="2024-01-05T11:38:15.496" v="1854" actId="1035"/>
+          <ac:spMkLst>
+            <pc:docMk/>
+            <pc:sldMk cId="192643564" sldId="257"/>
+            <ac:spMk id="206" creationId="{5325269D-2A2C-7CF3-C5EF-6820CB4BCD6C}"/>
+          </ac:spMkLst>
+        </pc:spChg>
+        <pc:spChg chg="add mod">
+          <ac:chgData name="Fatima Pillosu" userId="a6295d4dc9e22643" providerId="LiveId" clId="{DF154678-E0A5-48FB-B6DF-E48304D50AE0}" dt="2024-01-05T11:38:15.496" v="1854" actId="1035"/>
+          <ac:spMkLst>
+            <pc:docMk/>
+            <pc:sldMk cId="192643564" sldId="257"/>
+            <ac:spMk id="209" creationId="{675BD15A-BF62-D272-C205-EAE2704CE4AE}"/>
+          </ac:spMkLst>
+        </pc:spChg>
+        <pc:spChg chg="add mod">
+          <ac:chgData name="Fatima Pillosu" userId="a6295d4dc9e22643" providerId="LiveId" clId="{DF154678-E0A5-48FB-B6DF-E48304D50AE0}" dt="2024-01-05T11:38:15.496" v="1854" actId="1035"/>
+          <ac:spMkLst>
+            <pc:docMk/>
+            <pc:sldMk cId="192643564" sldId="257"/>
+            <ac:spMk id="210" creationId="{5450C1D6-5761-1A37-9215-024E3073F3EA}"/>
+          </ac:spMkLst>
+        </pc:spChg>
+        <pc:spChg chg="add mod">
+          <ac:chgData name="Fatima Pillosu" userId="a6295d4dc9e22643" providerId="LiveId" clId="{DF154678-E0A5-48FB-B6DF-E48304D50AE0}" dt="2024-01-05T11:38:15.496" v="1854" actId="1035"/>
+          <ac:spMkLst>
+            <pc:docMk/>
+            <pc:sldMk cId="192643564" sldId="257"/>
+            <ac:spMk id="212" creationId="{B34B06F2-3F1E-54B4-07FB-0E22FD55916B}"/>
+          </ac:spMkLst>
+        </pc:spChg>
+        <pc:spChg chg="add mod">
+          <ac:chgData name="Fatima Pillosu" userId="a6295d4dc9e22643" providerId="LiveId" clId="{DF154678-E0A5-48FB-B6DF-E48304D50AE0}" dt="2024-01-05T11:38:15.496" v="1854" actId="1035"/>
+          <ac:spMkLst>
+            <pc:docMk/>
+            <pc:sldMk cId="192643564" sldId="257"/>
+            <ac:spMk id="213" creationId="{8CC857E4-BEA4-7F91-4ED3-2A53A781E6AD}"/>
+          </ac:spMkLst>
+        </pc:spChg>
+        <pc:spChg chg="add mod">
+          <ac:chgData name="Fatima Pillosu" userId="a6295d4dc9e22643" providerId="LiveId" clId="{DF154678-E0A5-48FB-B6DF-E48304D50AE0}" dt="2024-01-05T11:38:15.496" v="1854" actId="1035"/>
+          <ac:spMkLst>
+            <pc:docMk/>
+            <pc:sldMk cId="192643564" sldId="257"/>
+            <ac:spMk id="214" creationId="{F63868D5-7090-8901-D973-7FC1292CE7FD}"/>
+          </ac:spMkLst>
+        </pc:spChg>
+        <pc:spChg chg="add mod">
+          <ac:chgData name="Fatima Pillosu" userId="a6295d4dc9e22643" providerId="LiveId" clId="{DF154678-E0A5-48FB-B6DF-E48304D50AE0}" dt="2024-01-05T11:38:15.496" v="1854" actId="1035"/>
+          <ac:spMkLst>
+            <pc:docMk/>
+            <pc:sldMk cId="192643564" sldId="257"/>
+            <ac:spMk id="215" creationId="{70F95732-F166-67F3-CC24-682B7032D4CF}"/>
+          </ac:spMkLst>
+        </pc:spChg>
+        <pc:spChg chg="add mod">
+          <ac:chgData name="Fatima Pillosu" userId="a6295d4dc9e22643" providerId="LiveId" clId="{DF154678-E0A5-48FB-B6DF-E48304D50AE0}" dt="2024-01-05T11:38:15.496" v="1854" actId="1035"/>
+          <ac:spMkLst>
+            <pc:docMk/>
+            <pc:sldMk cId="192643564" sldId="257"/>
+            <ac:spMk id="218" creationId="{66A702BD-FC0B-F578-3CE7-03C3E48EB2B7}"/>
+          </ac:spMkLst>
+        </pc:spChg>
+        <pc:spChg chg="add mod">
+          <ac:chgData name="Fatima Pillosu" userId="a6295d4dc9e22643" providerId="LiveId" clId="{DF154678-E0A5-48FB-B6DF-E48304D50AE0}" dt="2024-01-05T11:38:15.496" v="1854" actId="1035"/>
+          <ac:spMkLst>
+            <pc:docMk/>
+            <pc:sldMk cId="192643564" sldId="257"/>
+            <ac:spMk id="219" creationId="{D4BD549D-CB23-4290-0518-AE55A54F6F00}"/>
+          </ac:spMkLst>
+        </pc:spChg>
+        <pc:spChg chg="add mod">
+          <ac:chgData name="Fatima Pillosu" userId="a6295d4dc9e22643" providerId="LiveId" clId="{DF154678-E0A5-48FB-B6DF-E48304D50AE0}" dt="2024-01-05T11:38:15.496" v="1854" actId="1035"/>
+          <ac:spMkLst>
+            <pc:docMk/>
+            <pc:sldMk cId="192643564" sldId="257"/>
+            <ac:spMk id="220" creationId="{A257CCC5-1848-C7C6-1F24-C224F24D20E6}"/>
+          </ac:spMkLst>
+        </pc:spChg>
+        <pc:spChg chg="add mod">
+          <ac:chgData name="Fatima Pillosu" userId="a6295d4dc9e22643" providerId="LiveId" clId="{DF154678-E0A5-48FB-B6DF-E48304D50AE0}" dt="2024-01-05T11:38:15.496" v="1854" actId="1035"/>
+          <ac:spMkLst>
+            <pc:docMk/>
+            <pc:sldMk cId="192643564" sldId="257"/>
+            <ac:spMk id="221" creationId="{7FC5BAD8-7BB6-68FB-16C0-211C6C6479F5}"/>
+          </ac:spMkLst>
+        </pc:spChg>
+        <pc:spChg chg="add mod">
+          <ac:chgData name="Fatima Pillosu" userId="a6295d4dc9e22643" providerId="LiveId" clId="{DF154678-E0A5-48FB-B6DF-E48304D50AE0}" dt="2024-01-05T11:38:15.496" v="1854" actId="1035"/>
+          <ac:spMkLst>
+            <pc:docMk/>
+            <pc:sldMk cId="192643564" sldId="257"/>
+            <ac:spMk id="222" creationId="{160E09E1-78CE-07D5-069A-FDD2B9C3257C}"/>
+          </ac:spMkLst>
+        </pc:spChg>
+        <pc:spChg chg="add mod">
+          <ac:chgData name="Fatima Pillosu" userId="a6295d4dc9e22643" providerId="LiveId" clId="{DF154678-E0A5-48FB-B6DF-E48304D50AE0}" dt="2024-01-05T11:38:15.496" v="1854" actId="1035"/>
+          <ac:spMkLst>
+            <pc:docMk/>
+            <pc:sldMk cId="192643564" sldId="257"/>
+            <ac:spMk id="223" creationId="{154E8FAF-E796-5550-1A73-047B2D91A457}"/>
+          </ac:spMkLst>
+        </pc:spChg>
+        <pc:spChg chg="mod">
+          <ac:chgData name="Fatima Pillosu" userId="a6295d4dc9e22643" providerId="LiveId" clId="{DF154678-E0A5-48FB-B6DF-E48304D50AE0}" dt="2024-01-05T11:38:08.067" v="1841"/>
+          <ac:spMkLst>
+            <pc:docMk/>
+            <pc:sldMk cId="192643564" sldId="257"/>
+            <ac:spMk id="225" creationId="{A62955CD-84AE-5D2F-C381-CF2C53AD213E}"/>
+          </ac:spMkLst>
+        </pc:spChg>
+        <pc:spChg chg="mod">
+          <ac:chgData name="Fatima Pillosu" userId="a6295d4dc9e22643" providerId="LiveId" clId="{DF154678-E0A5-48FB-B6DF-E48304D50AE0}" dt="2024-01-05T11:38:08.067" v="1841"/>
+          <ac:spMkLst>
+            <pc:docMk/>
+            <pc:sldMk cId="192643564" sldId="257"/>
+            <ac:spMk id="226" creationId="{C89F101B-A49D-37BD-A13B-3E9A93861287}"/>
+          </ac:spMkLst>
+        </pc:spChg>
+        <pc:spChg chg="mod">
+          <ac:chgData name="Fatima Pillosu" userId="a6295d4dc9e22643" providerId="LiveId" clId="{DF154678-E0A5-48FB-B6DF-E48304D50AE0}" dt="2024-01-05T11:38:08.067" v="1841"/>
+          <ac:spMkLst>
+            <pc:docMk/>
+            <pc:sldMk cId="192643564" sldId="257"/>
+            <ac:spMk id="227" creationId="{2FE6BB42-12D3-6DE8-C1A4-3F3B04C76BE4}"/>
+          </ac:spMkLst>
+        </pc:spChg>
+        <pc:spChg chg="mod">
+          <ac:chgData name="Fatima Pillosu" userId="a6295d4dc9e22643" providerId="LiveId" clId="{DF154678-E0A5-48FB-B6DF-E48304D50AE0}" dt="2024-01-05T11:38:08.067" v="1841"/>
+          <ac:spMkLst>
+            <pc:docMk/>
+            <pc:sldMk cId="192643564" sldId="257"/>
+            <ac:spMk id="228" creationId="{EE529CA0-06AF-0217-12E4-D12759B9F61B}"/>
+          </ac:spMkLst>
+        </pc:spChg>
+        <pc:spChg chg="mod">
+          <ac:chgData name="Fatima Pillosu" userId="a6295d4dc9e22643" providerId="LiveId" clId="{DF154678-E0A5-48FB-B6DF-E48304D50AE0}" dt="2024-01-05T11:38:08.067" v="1841"/>
+          <ac:spMkLst>
+            <pc:docMk/>
+            <pc:sldMk cId="192643564" sldId="257"/>
+            <ac:spMk id="229" creationId="{1761EC1F-C173-C3A6-64DF-CE4D5A2BD353}"/>
+          </ac:spMkLst>
+        </pc:spChg>
+        <pc:spChg chg="mod">
+          <ac:chgData name="Fatima Pillosu" userId="a6295d4dc9e22643" providerId="LiveId" clId="{DF154678-E0A5-48FB-B6DF-E48304D50AE0}" dt="2024-01-05T11:38:08.067" v="1841"/>
+          <ac:spMkLst>
+            <pc:docMk/>
+            <pc:sldMk cId="192643564" sldId="257"/>
+            <ac:spMk id="230" creationId="{BC57B549-CF3C-2389-ABAF-10C3A58C2ABC}"/>
+          </ac:spMkLst>
+        </pc:spChg>
+        <pc:spChg chg="mod">
+          <ac:chgData name="Fatima Pillosu" userId="a6295d4dc9e22643" providerId="LiveId" clId="{DF154678-E0A5-48FB-B6DF-E48304D50AE0}" dt="2024-01-05T11:38:08.067" v="1841"/>
+          <ac:spMkLst>
+            <pc:docMk/>
+            <pc:sldMk cId="192643564" sldId="257"/>
+            <ac:spMk id="231" creationId="{16245896-5973-1A5F-40DC-A2FFD0FC04B0}"/>
+          </ac:spMkLst>
+        </pc:spChg>
+        <pc:spChg chg="mod">
+          <ac:chgData name="Fatima Pillosu" userId="a6295d4dc9e22643" providerId="LiveId" clId="{DF154678-E0A5-48FB-B6DF-E48304D50AE0}" dt="2024-01-05T11:38:08.067" v="1841"/>
+          <ac:spMkLst>
+            <pc:docMk/>
+            <pc:sldMk cId="192643564" sldId="257"/>
+            <ac:spMk id="234" creationId="{F8515F88-C8C2-20EB-2331-C3D2D6992D60}"/>
+          </ac:spMkLst>
+        </pc:spChg>
+        <pc:spChg chg="mod">
+          <ac:chgData name="Fatima Pillosu" userId="a6295d4dc9e22643" providerId="LiveId" clId="{DF154678-E0A5-48FB-B6DF-E48304D50AE0}" dt="2024-01-05T11:38:08.067" v="1841"/>
+          <ac:spMkLst>
+            <pc:docMk/>
+            <pc:sldMk cId="192643564" sldId="257"/>
+            <ac:spMk id="235" creationId="{D23149FC-4FB8-C62C-1EEE-705075E5E860}"/>
+          </ac:spMkLst>
+        </pc:spChg>
+        <pc:spChg chg="mod">
+          <ac:chgData name="Fatima Pillosu" userId="a6295d4dc9e22643" providerId="LiveId" clId="{DF154678-E0A5-48FB-B6DF-E48304D50AE0}" dt="2024-01-05T11:38:08.067" v="1841"/>
+          <ac:spMkLst>
+            <pc:docMk/>
+            <pc:sldMk cId="192643564" sldId="257"/>
+            <ac:spMk id="236" creationId="{0395CC86-03E8-AF01-96EB-AD70EC68B759}"/>
+          </ac:spMkLst>
+        </pc:spChg>
+        <pc:spChg chg="mod">
+          <ac:chgData name="Fatima Pillosu" userId="a6295d4dc9e22643" providerId="LiveId" clId="{DF154678-E0A5-48FB-B6DF-E48304D50AE0}" dt="2024-01-05T11:38:08.067" v="1841"/>
+          <ac:spMkLst>
+            <pc:docMk/>
+            <pc:sldMk cId="192643564" sldId="257"/>
+            <ac:spMk id="237" creationId="{729A548E-22FF-3C4B-4D95-6C3AD28AF55F}"/>
+          </ac:spMkLst>
+        </pc:spChg>
+        <pc:spChg chg="mod">
+          <ac:chgData name="Fatima Pillosu" userId="a6295d4dc9e22643" providerId="LiveId" clId="{DF154678-E0A5-48FB-B6DF-E48304D50AE0}" dt="2024-01-05T11:38:08.067" v="1841"/>
+          <ac:spMkLst>
+            <pc:docMk/>
+            <pc:sldMk cId="192643564" sldId="257"/>
+            <ac:spMk id="238" creationId="{0FD2DA47-6662-CD9C-40E0-FF5AEF52BC33}"/>
+          </ac:spMkLst>
+        </pc:spChg>
+        <pc:spChg chg="mod">
+          <ac:chgData name="Fatima Pillosu" userId="a6295d4dc9e22643" providerId="LiveId" clId="{DF154678-E0A5-48FB-B6DF-E48304D50AE0}" dt="2024-01-05T11:38:08.067" v="1841"/>
+          <ac:spMkLst>
+            <pc:docMk/>
+            <pc:sldMk cId="192643564" sldId="257"/>
+            <ac:spMk id="239" creationId="{F39D564F-06E1-486E-38CA-2D738F76DE62}"/>
+          </ac:spMkLst>
+        </pc:spChg>
+        <pc:spChg chg="mod">
+          <ac:chgData name="Fatima Pillosu" userId="a6295d4dc9e22643" providerId="LiveId" clId="{DF154678-E0A5-48FB-B6DF-E48304D50AE0}" dt="2024-01-05T11:38:08.067" v="1841"/>
+          <ac:spMkLst>
+            <pc:docMk/>
+            <pc:sldMk cId="192643564" sldId="257"/>
+            <ac:spMk id="240" creationId="{A38AF662-B00C-9776-E074-A31F2B534E17}"/>
+          </ac:spMkLst>
+        </pc:spChg>
+        <pc:spChg chg="mod">
+          <ac:chgData name="Fatima Pillosu" userId="a6295d4dc9e22643" providerId="LiveId" clId="{DF154678-E0A5-48FB-B6DF-E48304D50AE0}" dt="2024-01-05T11:38:08.067" v="1841"/>
+          <ac:spMkLst>
+            <pc:docMk/>
+            <pc:sldMk cId="192643564" sldId="257"/>
+            <ac:spMk id="243" creationId="{9887F7F9-0CE4-A6A3-5344-AB421FF32AB1}"/>
+          </ac:spMkLst>
+        </pc:spChg>
+        <pc:spChg chg="mod">
+          <ac:chgData name="Fatima Pillosu" userId="a6295d4dc9e22643" providerId="LiveId" clId="{DF154678-E0A5-48FB-B6DF-E48304D50AE0}" dt="2024-01-05T11:38:08.067" v="1841"/>
+          <ac:spMkLst>
+            <pc:docMk/>
+            <pc:sldMk cId="192643564" sldId="257"/>
+            <ac:spMk id="244" creationId="{3186A9C8-BB57-8F3C-6033-4FF301983EDE}"/>
+          </ac:spMkLst>
+        </pc:spChg>
+        <pc:spChg chg="mod">
+          <ac:chgData name="Fatima Pillosu" userId="a6295d4dc9e22643" providerId="LiveId" clId="{DF154678-E0A5-48FB-B6DF-E48304D50AE0}" dt="2024-01-05T11:38:08.067" v="1841"/>
+          <ac:spMkLst>
+            <pc:docMk/>
+            <pc:sldMk cId="192643564" sldId="257"/>
+            <ac:spMk id="245" creationId="{116D1961-5F24-EDAE-7082-2AEBD5B6B326}"/>
+          </ac:spMkLst>
+        </pc:spChg>
+        <pc:spChg chg="mod">
+          <ac:chgData name="Fatima Pillosu" userId="a6295d4dc9e22643" providerId="LiveId" clId="{DF154678-E0A5-48FB-B6DF-E48304D50AE0}" dt="2024-01-05T11:38:08.067" v="1841"/>
+          <ac:spMkLst>
+            <pc:docMk/>
+            <pc:sldMk cId="192643564" sldId="257"/>
+            <ac:spMk id="246" creationId="{03CC2041-C83D-3140-A3E5-C7FC4AA804DF}"/>
+          </ac:spMkLst>
+        </pc:spChg>
+        <pc:spChg chg="mod">
+          <ac:chgData name="Fatima Pillosu" userId="a6295d4dc9e22643" providerId="LiveId" clId="{DF154678-E0A5-48FB-B6DF-E48304D50AE0}" dt="2024-01-05T11:38:08.067" v="1841"/>
+          <ac:spMkLst>
+            <pc:docMk/>
+            <pc:sldMk cId="192643564" sldId="257"/>
+            <ac:spMk id="248" creationId="{2AC2E27F-8C6B-40F0-DEF8-3821238782D4}"/>
+          </ac:spMkLst>
+        </pc:spChg>
+        <pc:spChg chg="mod">
+          <ac:chgData name="Fatima Pillosu" userId="a6295d4dc9e22643" providerId="LiveId" clId="{DF154678-E0A5-48FB-B6DF-E48304D50AE0}" dt="2024-01-05T11:38:08.067" v="1841"/>
+          <ac:spMkLst>
+            <pc:docMk/>
+            <pc:sldMk cId="192643564" sldId="257"/>
+            <ac:spMk id="249" creationId="{89D7225B-2D78-B3A2-AE8A-3249A3ECE1A5}"/>
+          </ac:spMkLst>
+        </pc:spChg>
+        <pc:spChg chg="mod">
+          <ac:chgData name="Fatima Pillosu" userId="a6295d4dc9e22643" providerId="LiveId" clId="{DF154678-E0A5-48FB-B6DF-E48304D50AE0}" dt="2024-01-05T11:38:08.067" v="1841"/>
+          <ac:spMkLst>
+            <pc:docMk/>
+            <pc:sldMk cId="192643564" sldId="257"/>
+            <ac:spMk id="250" creationId="{AA464995-1B6D-BC69-138B-1ABD37217937}"/>
+          </ac:spMkLst>
+        </pc:spChg>
+        <pc:spChg chg="add mod">
+          <ac:chgData name="Fatima Pillosu" userId="a6295d4dc9e22643" providerId="LiveId" clId="{DF154678-E0A5-48FB-B6DF-E48304D50AE0}" dt="2024-01-05T11:38:15.496" v="1854" actId="1035"/>
+          <ac:spMkLst>
+            <pc:docMk/>
+            <pc:sldMk cId="192643564" sldId="257"/>
+            <ac:spMk id="254" creationId="{02A59D98-35E7-DDA8-038C-2BC287EF423F}"/>
+          </ac:spMkLst>
+        </pc:spChg>
+        <pc:spChg chg="add mod">
+          <ac:chgData name="Fatima Pillosu" userId="a6295d4dc9e22643" providerId="LiveId" clId="{DF154678-E0A5-48FB-B6DF-E48304D50AE0}" dt="2024-01-05T11:38:15.496" v="1854" actId="1035"/>
+          <ac:spMkLst>
+            <pc:docMk/>
+            <pc:sldMk cId="192643564" sldId="257"/>
+            <ac:spMk id="255" creationId="{EC39C410-7E1D-C186-A2FF-24FFA5CE11CF}"/>
+          </ac:spMkLst>
+        </pc:spChg>
+        <pc:spChg chg="add mod">
+          <ac:chgData name="Fatima Pillosu" userId="a6295d4dc9e22643" providerId="LiveId" clId="{DF154678-E0A5-48FB-B6DF-E48304D50AE0}" dt="2024-01-05T11:38:15.496" v="1854" actId="1035"/>
+          <ac:spMkLst>
+            <pc:docMk/>
+            <pc:sldMk cId="192643564" sldId="257"/>
+            <ac:spMk id="256" creationId="{9761CDFA-46AF-951F-EB6D-A1C35EBDD0E5}"/>
+          </ac:spMkLst>
+        </pc:spChg>
+        <pc:spChg chg="add mod">
+          <ac:chgData name="Fatima Pillosu" userId="a6295d4dc9e22643" providerId="LiveId" clId="{DF154678-E0A5-48FB-B6DF-E48304D50AE0}" dt="2024-01-05T11:38:15.496" v="1854" actId="1035"/>
+          <ac:spMkLst>
+            <pc:docMk/>
+            <pc:sldMk cId="192643564" sldId="257"/>
+            <ac:spMk id="257" creationId="{E9406154-3A64-1A87-8528-7FFD2E5442FC}"/>
+          </ac:spMkLst>
+        </pc:spChg>
+        <pc:spChg chg="add mod">
+          <ac:chgData name="Fatima Pillosu" userId="a6295d4dc9e22643" providerId="LiveId" clId="{DF154678-E0A5-48FB-B6DF-E48304D50AE0}" dt="2024-01-05T11:38:15.496" v="1854" actId="1035"/>
+          <ac:spMkLst>
+            <pc:docMk/>
+            <pc:sldMk cId="192643564" sldId="257"/>
+            <ac:spMk id="258" creationId="{831FAA6E-3B96-CF02-956D-42F1C2F62B12}"/>
+          </ac:spMkLst>
+        </pc:spChg>
+        <pc:spChg chg="add mod">
+          <ac:chgData name="Fatima Pillosu" userId="a6295d4dc9e22643" providerId="LiveId" clId="{DF154678-E0A5-48FB-B6DF-E48304D50AE0}" dt="2024-01-05T11:38:15.496" v="1854" actId="1035"/>
+          <ac:spMkLst>
+            <pc:docMk/>
+            <pc:sldMk cId="192643564" sldId="257"/>
+            <ac:spMk id="259" creationId="{3AA369CF-4A6F-DB35-70C5-3D26531A3FDC}"/>
+          </ac:spMkLst>
+        </pc:spChg>
+        <pc:spChg chg="add mod">
+          <ac:chgData name="Fatima Pillosu" userId="a6295d4dc9e22643" providerId="LiveId" clId="{DF154678-E0A5-48FB-B6DF-E48304D50AE0}" dt="2024-01-05T11:38:15.496" v="1854" actId="1035"/>
+          <ac:spMkLst>
+            <pc:docMk/>
+            <pc:sldMk cId="192643564" sldId="257"/>
+            <ac:spMk id="260" creationId="{2ABD101E-5757-2325-9AB7-DCB7785F946E}"/>
+          </ac:spMkLst>
+        </pc:spChg>
+        <pc:spChg chg="add mod">
+          <ac:chgData name="Fatima Pillosu" userId="a6295d4dc9e22643" providerId="LiveId" clId="{DF154678-E0A5-48FB-B6DF-E48304D50AE0}" dt="2024-01-05T11:38:15.496" v="1854" actId="1035"/>
+          <ac:spMkLst>
+            <pc:docMk/>
+            <pc:sldMk cId="192643564" sldId="257"/>
+            <ac:spMk id="264" creationId="{7958EC43-97CF-76F2-E57A-41D32AAE86CF}"/>
+          </ac:spMkLst>
+        </pc:spChg>
+        <pc:spChg chg="add mod">
+          <ac:chgData name="Fatima Pillosu" userId="a6295d4dc9e22643" providerId="LiveId" clId="{DF154678-E0A5-48FB-B6DF-E48304D50AE0}" dt="2024-01-05T11:38:15.496" v="1854" actId="1035"/>
+          <ac:spMkLst>
+            <pc:docMk/>
+            <pc:sldMk cId="192643564" sldId="257"/>
+            <ac:spMk id="265" creationId="{6990A213-584D-BAD8-B9A9-680845C4B6D1}"/>
+          </ac:spMkLst>
+        </pc:spChg>
+        <pc:spChg chg="add mod">
+          <ac:chgData name="Fatima Pillosu" userId="a6295d4dc9e22643" providerId="LiveId" clId="{DF154678-E0A5-48FB-B6DF-E48304D50AE0}" dt="2024-01-05T11:38:15.496" v="1854" actId="1035"/>
+          <ac:spMkLst>
+            <pc:docMk/>
+            <pc:sldMk cId="192643564" sldId="257"/>
+            <ac:spMk id="266" creationId="{F8343261-3445-FE0C-70FD-2B368C1822BA}"/>
+          </ac:spMkLst>
+        </pc:spChg>
+        <pc:spChg chg="add mod">
+          <ac:chgData name="Fatima Pillosu" userId="a6295d4dc9e22643" providerId="LiveId" clId="{DF154678-E0A5-48FB-B6DF-E48304D50AE0}" dt="2024-01-05T11:38:15.496" v="1854" actId="1035"/>
+          <ac:spMkLst>
+            <pc:docMk/>
+            <pc:sldMk cId="192643564" sldId="257"/>
+            <ac:spMk id="267" creationId="{C7BF0CB9-4DBD-49AC-5F27-AA92E0B11CB7}"/>
+          </ac:spMkLst>
+        </pc:spChg>
+        <pc:spChg chg="add mod">
+          <ac:chgData name="Fatima Pillosu" userId="a6295d4dc9e22643" providerId="LiveId" clId="{DF154678-E0A5-48FB-B6DF-E48304D50AE0}" dt="2024-01-05T11:40:15.525" v="1857" actId="1035"/>
+          <ac:spMkLst>
+            <pc:docMk/>
+            <pc:sldMk cId="192643564" sldId="257"/>
+            <ac:spMk id="271" creationId="{A114D6B2-AFF9-4914-A69D-7C7B0C00BD30}"/>
+          </ac:spMkLst>
+        </pc:spChg>
+        <pc:spChg chg="add mod">
+          <ac:chgData name="Fatima Pillosu" userId="a6295d4dc9e22643" providerId="LiveId" clId="{DF154678-E0A5-48FB-B6DF-E48304D50AE0}" dt="2024-01-05T11:40:15.525" v="1857" actId="1035"/>
+          <ac:spMkLst>
+            <pc:docMk/>
+            <pc:sldMk cId="192643564" sldId="257"/>
+            <ac:spMk id="272" creationId="{585CCB82-0476-B48A-B13E-47824A65A923}"/>
+          </ac:spMkLst>
+        </pc:spChg>
+        <pc:spChg chg="add mod">
+          <ac:chgData name="Fatima Pillosu" userId="a6295d4dc9e22643" providerId="LiveId" clId="{DF154678-E0A5-48FB-B6DF-E48304D50AE0}" dt="2024-01-05T11:40:15.525" v="1857" actId="1035"/>
+          <ac:spMkLst>
+            <pc:docMk/>
+            <pc:sldMk cId="192643564" sldId="257"/>
+            <ac:spMk id="273" creationId="{8FE23A4E-6018-EE53-1C4C-FD08C3C7FDED}"/>
+          </ac:spMkLst>
+        </pc:spChg>
+        <pc:spChg chg="add mod">
+          <ac:chgData name="Fatima Pillosu" userId="a6295d4dc9e22643" providerId="LiveId" clId="{DF154678-E0A5-48FB-B6DF-E48304D50AE0}" dt="2024-01-05T11:40:15.525" v="1857" actId="1035"/>
+          <ac:spMkLst>
+            <pc:docMk/>
+            <pc:sldMk cId="192643564" sldId="257"/>
+            <ac:spMk id="277" creationId="{4DF5A047-CACF-A4CF-ACB1-44FE310D355E}"/>
+          </ac:spMkLst>
+        </pc:spChg>
+        <pc:spChg chg="add mod">
+          <ac:chgData name="Fatima Pillosu" userId="a6295d4dc9e22643" providerId="LiveId" clId="{DF154678-E0A5-48FB-B6DF-E48304D50AE0}" dt="2024-01-05T11:40:15.525" v="1857" actId="1035"/>
+          <ac:spMkLst>
+            <pc:docMk/>
+            <pc:sldMk cId="192643564" sldId="257"/>
+            <ac:spMk id="278" creationId="{7937B569-8B6D-867A-2333-E157E587E49E}"/>
+          </ac:spMkLst>
+        </pc:spChg>
+        <pc:spChg chg="add mod">
+          <ac:chgData name="Fatima Pillosu" userId="a6295d4dc9e22643" providerId="LiveId" clId="{DF154678-E0A5-48FB-B6DF-E48304D50AE0}" dt="2024-01-05T11:40:15.525" v="1857" actId="1035"/>
+          <ac:spMkLst>
+            <pc:docMk/>
+            <pc:sldMk cId="192643564" sldId="257"/>
+            <ac:spMk id="279" creationId="{5EA8562A-BBCB-DE7E-241A-37CCF706192C}"/>
+          </ac:spMkLst>
+        </pc:spChg>
+        <pc:spChg chg="add mod">
+          <ac:chgData name="Fatima Pillosu" userId="a6295d4dc9e22643" providerId="LiveId" clId="{DF154678-E0A5-48FB-B6DF-E48304D50AE0}" dt="2024-01-05T11:38:15.496" v="1854" actId="1035"/>
+          <ac:spMkLst>
+            <pc:docMk/>
+            <pc:sldMk cId="192643564" sldId="257"/>
+            <ac:spMk id="280" creationId="{2E855CF7-BB26-A47F-4573-282659B57714}"/>
+          </ac:spMkLst>
+        </pc:spChg>
+        <pc:spChg chg="add mod">
+          <ac:chgData name="Fatima Pillosu" userId="a6295d4dc9e22643" providerId="LiveId" clId="{DF154678-E0A5-48FB-B6DF-E48304D50AE0}" dt="2024-01-05T11:38:15.496" v="1854" actId="1035"/>
+          <ac:spMkLst>
+            <pc:docMk/>
+            <pc:sldMk cId="192643564" sldId="257"/>
+            <ac:spMk id="281" creationId="{C5D757B8-277A-8A36-7C85-2C23DBA0FFAB}"/>
+          </ac:spMkLst>
+        </pc:spChg>
+        <pc:spChg chg="add mod">
+          <ac:chgData name="Fatima Pillosu" userId="a6295d4dc9e22643" providerId="LiveId" clId="{DF154678-E0A5-48FB-B6DF-E48304D50AE0}" dt="2024-01-05T11:38:15.496" v="1854" actId="1035"/>
+          <ac:spMkLst>
+            <pc:docMk/>
+            <pc:sldMk cId="192643564" sldId="257"/>
+            <ac:spMk id="282" creationId="{BFB402AD-D8D6-CD40-1362-CB20DA701775}"/>
+          </ac:spMkLst>
+        </pc:spChg>
+        <pc:spChg chg="add mod">
+          <ac:chgData name="Fatima Pillosu" userId="a6295d4dc9e22643" providerId="LiveId" clId="{DF154678-E0A5-48FB-B6DF-E48304D50AE0}" dt="2024-01-05T11:38:15.496" v="1854" actId="1035"/>
+          <ac:spMkLst>
+            <pc:docMk/>
+            <pc:sldMk cId="192643564" sldId="257"/>
+            <ac:spMk id="283" creationId="{4F15DD92-75C1-8F94-CCD1-BF02204B0439}"/>
+          </ac:spMkLst>
+        </pc:spChg>
+        <pc:spChg chg="add mod">
+          <ac:chgData name="Fatima Pillosu" userId="a6295d4dc9e22643" providerId="LiveId" clId="{DF154678-E0A5-48FB-B6DF-E48304D50AE0}" dt="2024-01-05T11:38:15.496" v="1854" actId="1035"/>
+          <ac:spMkLst>
+            <pc:docMk/>
+            <pc:sldMk cId="192643564" sldId="257"/>
+            <ac:spMk id="284" creationId="{6526A719-2A47-FD32-2BFE-BA78D36E56AF}"/>
+          </ac:spMkLst>
+        </pc:spChg>
+        <pc:spChg chg="add mod">
+          <ac:chgData name="Fatima Pillosu" userId="a6295d4dc9e22643" providerId="LiveId" clId="{DF154678-E0A5-48FB-B6DF-E48304D50AE0}" dt="2024-01-05T11:38:15.496" v="1854" actId="1035"/>
+          <ac:spMkLst>
+            <pc:docMk/>
+            <pc:sldMk cId="192643564" sldId="257"/>
+            <ac:spMk id="285" creationId="{8D7CDCD9-5FCF-DC02-5E61-B568B328DAA2}"/>
+          </ac:spMkLst>
+        </pc:spChg>
+        <pc:spChg chg="add mod">
+          <ac:chgData name="Fatima Pillosu" userId="a6295d4dc9e22643" providerId="LiveId" clId="{DF154678-E0A5-48FB-B6DF-E48304D50AE0}" dt="2024-01-05T11:38:15.496" v="1854" actId="1035"/>
+          <ac:spMkLst>
+            <pc:docMk/>
+            <pc:sldMk cId="192643564" sldId="257"/>
+            <ac:spMk id="286" creationId="{44DC24CA-1F10-7019-97B2-160E0222C27A}"/>
+          </ac:spMkLst>
+        </pc:spChg>
+        <pc:spChg chg="add mod">
+          <ac:chgData name="Fatima Pillosu" userId="a6295d4dc9e22643" providerId="LiveId" clId="{DF154678-E0A5-48FB-B6DF-E48304D50AE0}" dt="2024-01-05T11:38:15.496" v="1854" actId="1035"/>
+          <ac:spMkLst>
+            <pc:docMk/>
+            <pc:sldMk cId="192643564" sldId="257"/>
+            <ac:spMk id="287" creationId="{0B789043-15D1-B2AF-697A-1DBC4FFE58EF}"/>
+          </ac:spMkLst>
+        </pc:spChg>
+        <pc:spChg chg="add mod">
+          <ac:chgData name="Fatima Pillosu" userId="a6295d4dc9e22643" providerId="LiveId" clId="{DF154678-E0A5-48FB-B6DF-E48304D50AE0}" dt="2024-01-05T11:38:15.496" v="1854" actId="1035"/>
+          <ac:spMkLst>
+            <pc:docMk/>
+            <pc:sldMk cId="192643564" sldId="257"/>
+            <ac:spMk id="288" creationId="{D5CB3663-BB2B-520E-BA4D-9439013DA3C3}"/>
+          </ac:spMkLst>
+        </pc:spChg>
+        <pc:grpChg chg="add del mod">
+          <ac:chgData name="Fatima Pillosu" userId="a6295d4dc9e22643" providerId="LiveId" clId="{DF154678-E0A5-48FB-B6DF-E48304D50AE0}" dt="2024-01-05T10:37:03.092" v="665" actId="165"/>
+          <ac:grpSpMkLst>
+            <pc:docMk/>
+            <pc:sldMk cId="192643564" sldId="257"/>
+            <ac:grpSpMk id="49" creationId="{3568E49C-4067-B1DB-8AF9-6CBC36FAD815}"/>
+          </ac:grpSpMkLst>
+        </pc:grpChg>
+        <pc:grpChg chg="add del mod">
+          <ac:chgData name="Fatima Pillosu" userId="a6295d4dc9e22643" providerId="LiveId" clId="{DF154678-E0A5-48FB-B6DF-E48304D50AE0}" dt="2024-01-05T10:36:52.159" v="663" actId="478"/>
+          <ac:grpSpMkLst>
+            <pc:docMk/>
+            <pc:sldMk cId="192643564" sldId="257"/>
+            <ac:grpSpMk id="50" creationId="{B684F330-E6D5-1013-7A4F-711A10A4A19F}"/>
+          </ac:grpSpMkLst>
+        </pc:grpChg>
+        <pc:grpChg chg="add del mod">
+          <ac:chgData name="Fatima Pillosu" userId="a6295d4dc9e22643" providerId="LiveId" clId="{DF154678-E0A5-48FB-B6DF-E48304D50AE0}" dt="2024-01-05T10:36:53.798" v="664" actId="478"/>
+          <ac:grpSpMkLst>
+            <pc:docMk/>
+            <pc:sldMk cId="192643564" sldId="257"/>
+            <ac:grpSpMk id="53" creationId="{50D11147-E6ED-1AB0-822C-44A91D7A6809}"/>
+          </ac:grpSpMkLst>
+        </pc:grpChg>
+        <pc:grpChg chg="add mod">
+          <ac:chgData name="Fatima Pillosu" userId="a6295d4dc9e22643" providerId="LiveId" clId="{DF154678-E0A5-48FB-B6DF-E48304D50AE0}" dt="2024-01-05T11:18:53.594" v="1358" actId="164"/>
+          <ac:grpSpMkLst>
+            <pc:docMk/>
+            <pc:sldMk cId="192643564" sldId="257"/>
+            <ac:grpSpMk id="117" creationId="{7678DFFC-F777-B41F-7BF5-CE481A444B7A}"/>
+          </ac:grpSpMkLst>
+        </pc:grpChg>
+        <pc:grpChg chg="add del mod">
+          <ac:chgData name="Fatima Pillosu" userId="a6295d4dc9e22643" providerId="LiveId" clId="{DF154678-E0A5-48FB-B6DF-E48304D50AE0}" dt="2024-01-05T11:37:57.967" v="1840" actId="21"/>
+          <ac:grpSpMkLst>
+            <pc:docMk/>
+            <pc:sldMk cId="192643564" sldId="257"/>
+            <ac:grpSpMk id="134" creationId="{D8005A4B-E4D8-37DF-0AAB-F2875610124C}"/>
+          </ac:grpSpMkLst>
+        </pc:grpChg>
+        <pc:grpChg chg="add del mod">
+          <ac:chgData name="Fatima Pillosu" userId="a6295d4dc9e22643" providerId="LiveId" clId="{DF154678-E0A5-48FB-B6DF-E48304D50AE0}" dt="2024-01-05T11:37:57.967" v="1840" actId="21"/>
+          <ac:grpSpMkLst>
+            <pc:docMk/>
+            <pc:sldMk cId="192643564" sldId="257"/>
+            <ac:grpSpMk id="135" creationId="{78E69F79-C0EB-7644-27EA-4ACA39974A97}"/>
+          </ac:grpSpMkLst>
+        </pc:grpChg>
+        <pc:grpChg chg="add del mod">
+          <ac:chgData name="Fatima Pillosu" userId="a6295d4dc9e22643" providerId="LiveId" clId="{DF154678-E0A5-48FB-B6DF-E48304D50AE0}" dt="2024-01-05T11:22:35.799" v="1408" actId="165"/>
+          <ac:grpSpMkLst>
+            <pc:docMk/>
+            <pc:sldMk cId="192643564" sldId="257"/>
+            <ac:grpSpMk id="136" creationId="{C54E9B23-CB0F-4BAE-DA46-E98F48EA8C9A}"/>
+          </ac:grpSpMkLst>
+        </pc:grpChg>
+        <pc:grpChg chg="add del mod">
+          <ac:chgData name="Fatima Pillosu" userId="a6295d4dc9e22643" providerId="LiveId" clId="{DF154678-E0A5-48FB-B6DF-E48304D50AE0}" dt="2024-01-05T11:37:57.967" v="1840" actId="21"/>
+          <ac:grpSpMkLst>
+            <pc:docMk/>
+            <pc:sldMk cId="192643564" sldId="257"/>
+            <ac:grpSpMk id="137" creationId="{ABA7351F-6DA4-7D73-0513-C627528BAC1D}"/>
+          </ac:grpSpMkLst>
+        </pc:grpChg>
+        <pc:grpChg chg="add mod">
+          <ac:chgData name="Fatima Pillosu" userId="a6295d4dc9e22643" providerId="LiveId" clId="{DF154678-E0A5-48FB-B6DF-E48304D50AE0}" dt="2024-01-05T11:38:15.496" v="1854" actId="1035"/>
+          <ac:grpSpMkLst>
+            <pc:docMk/>
+            <pc:sldMk cId="192643564" sldId="257"/>
+            <ac:grpSpMk id="224" creationId="{0B82899C-2166-B303-069D-AD45EF52F7AE}"/>
+          </ac:grpSpMkLst>
+        </pc:grpChg>
+        <pc:grpChg chg="add mod">
+          <ac:chgData name="Fatima Pillosu" userId="a6295d4dc9e22643" providerId="LiveId" clId="{DF154678-E0A5-48FB-B6DF-E48304D50AE0}" dt="2024-01-05T11:38:15.496" v="1854" actId="1035"/>
+          <ac:grpSpMkLst>
+            <pc:docMk/>
+            <pc:sldMk cId="192643564" sldId="257"/>
+            <ac:grpSpMk id="233" creationId="{637CD45F-EF25-EFD7-3EF7-6FA30A33738A}"/>
+          </ac:grpSpMkLst>
+        </pc:grpChg>
+        <pc:grpChg chg="add mod">
+          <ac:chgData name="Fatima Pillosu" userId="a6295d4dc9e22643" providerId="LiveId" clId="{DF154678-E0A5-48FB-B6DF-E48304D50AE0}" dt="2024-01-05T11:38:15.496" v="1854" actId="1035"/>
+          <ac:grpSpMkLst>
+            <pc:docMk/>
+            <pc:sldMk cId="192643564" sldId="257"/>
+            <ac:grpSpMk id="242" creationId="{CCE9B9EC-D353-AE51-7608-E4B236FDEDE7}"/>
+          </ac:grpSpMkLst>
+        </pc:grpChg>
+        <pc:picChg chg="add del mod ord modCrop">
+          <ac:chgData name="Fatima Pillosu" userId="a6295d4dc9e22643" providerId="LiveId" clId="{DF154678-E0A5-48FB-B6DF-E48304D50AE0}" dt="2024-01-05T11:20:26.338" v="1388" actId="478"/>
+          <ac:picMkLst>
+            <pc:docMk/>
+            <pc:sldMk cId="192643564" sldId="257"/>
+            <ac:picMk id="3" creationId="{62117DD2-71B8-4D73-629E-462835749398}"/>
+          </ac:picMkLst>
+        </pc:picChg>
+        <pc:picChg chg="add del mod ord modCrop">
+          <ac:chgData name="Fatima Pillosu" userId="a6295d4dc9e22643" providerId="LiveId" clId="{DF154678-E0A5-48FB-B6DF-E48304D50AE0}" dt="2024-01-05T11:37:57.967" v="1840" actId="21"/>
+          <ac:picMkLst>
+            <pc:docMk/>
+            <pc:sldMk cId="192643564" sldId="257"/>
+            <ac:picMk id="5" creationId="{2ECA8F47-ECCF-3DB0-8E85-A018117264C2}"/>
+          </ac:picMkLst>
+        </pc:picChg>
+        <pc:picChg chg="add del mod ord modCrop">
+          <ac:chgData name="Fatima Pillosu" userId="a6295d4dc9e22643" providerId="LiveId" clId="{DF154678-E0A5-48FB-B6DF-E48304D50AE0}" dt="2024-01-05T11:37:57.967" v="1840" actId="21"/>
+          <ac:picMkLst>
+            <pc:docMk/>
+            <pc:sldMk cId="192643564" sldId="257"/>
+            <ac:picMk id="7" creationId="{7EF98847-5906-63D9-4C68-1424DBA3B93A}"/>
+          </ac:picMkLst>
+        </pc:picChg>
+        <pc:picChg chg="add del mod">
+          <ac:chgData name="Fatima Pillosu" userId="a6295d4dc9e22643" providerId="LiveId" clId="{DF154678-E0A5-48FB-B6DF-E48304D50AE0}" dt="2024-01-05T16:47:07.013" v="1915" actId="478"/>
+          <ac:picMkLst>
+            <pc:docMk/>
+            <pc:sldMk cId="192643564" sldId="257"/>
+            <ac:picMk id="8" creationId="{607A5DAE-3ADF-EBB2-9CA4-FBB607A508BD}"/>
+          </ac:picMkLst>
+        </pc:picChg>
+        <pc:picChg chg="add del mod">
+          <ac:chgData name="Fatima Pillosu" userId="a6295d4dc9e22643" providerId="LiveId" clId="{DF154678-E0A5-48FB-B6DF-E48304D50AE0}" dt="2024-01-05T16:50:59.343" v="1918" actId="478"/>
+          <ac:picMkLst>
+            <pc:docMk/>
+            <pc:sldMk cId="192643564" sldId="257"/>
+            <ac:picMk id="9" creationId="{7257C307-9D03-3FF2-6263-663C54AEC990}"/>
+          </ac:picMkLst>
+        </pc:picChg>
+        <pc:picChg chg="add mod ord modCrop">
+          <ac:chgData name="Fatima Pillosu" userId="a6295d4dc9e22643" providerId="LiveId" clId="{DF154678-E0A5-48FB-B6DF-E48304D50AE0}" dt="2024-01-05T11:35:15.443" v="1831" actId="12788"/>
+          <ac:picMkLst>
+            <pc:docMk/>
+            <pc:sldMk cId="192643564" sldId="257"/>
+            <ac:picMk id="9" creationId="{D9B49B72-755D-111B-5B82-86512B856997}"/>
+          </ac:picMkLst>
+        </pc:picChg>
+        <pc:picChg chg="add del mod ord modCrop">
+          <ac:chgData name="Fatima Pillosu" userId="a6295d4dc9e22643" providerId="LiveId" clId="{DF154678-E0A5-48FB-B6DF-E48304D50AE0}" dt="2024-01-05T11:37:57.967" v="1840" actId="21"/>
+          <ac:picMkLst>
+            <pc:docMk/>
+            <pc:sldMk cId="192643564" sldId="257"/>
+            <ac:picMk id="11" creationId="{28EFFEF7-FA90-1945-3D90-4D706AB10C13}"/>
+          </ac:picMkLst>
+        </pc:picChg>
+        <pc:picChg chg="add del mod ord modCrop">
+          <ac:chgData name="Fatima Pillosu" userId="a6295d4dc9e22643" providerId="LiveId" clId="{DF154678-E0A5-48FB-B6DF-E48304D50AE0}" dt="2024-01-05T11:37:57.967" v="1840" actId="21"/>
+          <ac:picMkLst>
+            <pc:docMk/>
+            <pc:sldMk cId="192643564" sldId="257"/>
+            <ac:picMk id="13" creationId="{65A0F205-1DAC-6912-9357-470797BD4307}"/>
+          </ac:picMkLst>
+        </pc:picChg>
+        <pc:picChg chg="add mod ord topLvl modCrop">
+          <ac:chgData name="Fatima Pillosu" userId="a6295d4dc9e22643" providerId="LiveId" clId="{DF154678-E0A5-48FB-B6DF-E48304D50AE0}" dt="2024-01-05T11:35:13.177" v="1828" actId="12788"/>
+          <ac:picMkLst>
+            <pc:docMk/>
+            <pc:sldMk cId="192643564" sldId="257"/>
+            <ac:picMk id="15" creationId="{4F93C5C5-CCFA-C61A-CB1A-76889736D57A}"/>
+          </ac:picMkLst>
+        </pc:picChg>
+        <pc:picChg chg="add del mod ord modCrop">
+          <ac:chgData name="Fatima Pillosu" userId="a6295d4dc9e22643" providerId="LiveId" clId="{DF154678-E0A5-48FB-B6DF-E48304D50AE0}" dt="2024-01-05T11:37:57.967" v="1840" actId="21"/>
+          <ac:picMkLst>
+            <pc:docMk/>
+            <pc:sldMk cId="192643564" sldId="257"/>
+            <ac:picMk id="17" creationId="{FED61EDE-88EE-074E-204F-E8B8AB77476C}"/>
+          </ac:picMkLst>
+        </pc:picChg>
+        <pc:picChg chg="add del mod ord modCrop">
+          <ac:chgData name="Fatima Pillosu" userId="a6295d4dc9e22643" providerId="LiveId" clId="{DF154678-E0A5-48FB-B6DF-E48304D50AE0}" dt="2024-01-05T11:37:57.967" v="1840" actId="21"/>
+          <ac:picMkLst>
+            <pc:docMk/>
+            <pc:sldMk cId="192643564" sldId="257"/>
+            <ac:picMk id="19" creationId="{4A17935A-8ED3-23EE-80FD-E312AD32D6A6}"/>
+          </ac:picMkLst>
+        </pc:picChg>
+        <pc:picChg chg="add del mod">
+          <ac:chgData name="Fatima Pillosu" userId="a6295d4dc9e22643" providerId="LiveId" clId="{DF154678-E0A5-48FB-B6DF-E48304D50AE0}" dt="2024-01-05T10:08:38.059" v="109" actId="21"/>
+          <ac:picMkLst>
+            <pc:docMk/>
+            <pc:sldMk cId="192643564" sldId="257"/>
+            <ac:picMk id="21" creationId="{3E415BCD-E0F8-301F-4090-524B23A29876}"/>
+          </ac:picMkLst>
+        </pc:picChg>
+        <pc:picChg chg="add del mod">
+          <ac:chgData name="Fatima Pillosu" userId="a6295d4dc9e22643" providerId="LiveId" clId="{DF154678-E0A5-48FB-B6DF-E48304D50AE0}" dt="2024-01-05T10:08:38.059" v="109" actId="21"/>
+          <ac:picMkLst>
+            <pc:docMk/>
+            <pc:sldMk cId="192643564" sldId="257"/>
+            <ac:picMk id="23" creationId="{3B90FB12-3964-C5FD-C83C-431FE3F5DF27}"/>
+          </ac:picMkLst>
+        </pc:picChg>
+        <pc:picChg chg="del mod">
+          <ac:chgData name="Fatima Pillosu" userId="a6295d4dc9e22643" providerId="LiveId" clId="{DF154678-E0A5-48FB-B6DF-E48304D50AE0}" dt="2024-01-05T09:58:33.924" v="8" actId="478"/>
+          <ac:picMkLst>
+            <pc:docMk/>
+            <pc:sldMk cId="192643564" sldId="257"/>
+            <ac:picMk id="25" creationId="{24B5162B-8957-2D91-13AA-E4CE0470EB3F}"/>
+          </ac:picMkLst>
+        </pc:picChg>
+        <pc:picChg chg="del mod">
+          <ac:chgData name="Fatima Pillosu" userId="a6295d4dc9e22643" providerId="LiveId" clId="{DF154678-E0A5-48FB-B6DF-E48304D50AE0}" dt="2024-01-05T09:58:33.924" v="8" actId="478"/>
+          <ac:picMkLst>
+            <pc:docMk/>
+            <pc:sldMk cId="192643564" sldId="257"/>
+            <ac:picMk id="26" creationId="{DDBEA4C0-9020-3169-C0DE-3943C9DB2DE8}"/>
+          </ac:picMkLst>
+        </pc:picChg>
+        <pc:picChg chg="del mod">
+          <ac:chgData name="Fatima Pillosu" userId="a6295d4dc9e22643" providerId="LiveId" clId="{DF154678-E0A5-48FB-B6DF-E48304D50AE0}" dt="2024-01-05T09:58:33.924" v="8" actId="478"/>
+          <ac:picMkLst>
+            <pc:docMk/>
+            <pc:sldMk cId="192643564" sldId="257"/>
+            <ac:picMk id="27" creationId="{33F889E1-8276-2EFA-AF82-C30456ACA6E9}"/>
+          </ac:picMkLst>
+        </pc:picChg>
+        <pc:picChg chg="del mod">
+          <ac:chgData name="Fatima Pillosu" userId="a6295d4dc9e22643" providerId="LiveId" clId="{DF154678-E0A5-48FB-B6DF-E48304D50AE0}" dt="2024-01-05T09:58:33.924" v="8" actId="478"/>
+          <ac:picMkLst>
+            <pc:docMk/>
+            <pc:sldMk cId="192643564" sldId="257"/>
+            <ac:picMk id="28" creationId="{2C00F4AB-600A-112C-8D7A-101D8309836D}"/>
+          </ac:picMkLst>
+        </pc:picChg>
+        <pc:picChg chg="del mod">
+          <ac:chgData name="Fatima Pillosu" userId="a6295d4dc9e22643" providerId="LiveId" clId="{DF154678-E0A5-48FB-B6DF-E48304D50AE0}" dt="2024-01-05T09:58:33.924" v="8" actId="478"/>
+          <ac:picMkLst>
+            <pc:docMk/>
+            <pc:sldMk cId="192643564" sldId="257"/>
+            <ac:picMk id="29" creationId="{593ED3A5-6E68-D071-BF31-C928C57F371F}"/>
+          </ac:picMkLst>
+        </pc:picChg>
+        <pc:picChg chg="del mod">
+          <ac:chgData name="Fatima Pillosu" userId="a6295d4dc9e22643" providerId="LiveId" clId="{DF154678-E0A5-48FB-B6DF-E48304D50AE0}" dt="2024-01-05T09:58:33.924" v="8" actId="478"/>
+          <ac:picMkLst>
+            <pc:docMk/>
+            <pc:sldMk cId="192643564" sldId="257"/>
+            <ac:picMk id="30" creationId="{58D80146-B54C-5255-4F9E-9F0ABB2E35B4}"/>
+          </ac:picMkLst>
+        </pc:picChg>
+        <pc:picChg chg="del mod">
+          <ac:chgData name="Fatima Pillosu" userId="a6295d4dc9e22643" providerId="LiveId" clId="{DF154678-E0A5-48FB-B6DF-E48304D50AE0}" dt="2024-01-05T09:58:33.924" v="8" actId="478"/>
+          <ac:picMkLst>
+            <pc:docMk/>
+            <pc:sldMk cId="192643564" sldId="257"/>
+            <ac:picMk id="31" creationId="{59E3AC2E-52F5-06D7-58C2-0EBEA951FF97}"/>
+          </ac:picMkLst>
+        </pc:picChg>
+        <pc:picChg chg="del mod">
+          <ac:chgData name="Fatima Pillosu" userId="a6295d4dc9e22643" providerId="LiveId" clId="{DF154678-E0A5-48FB-B6DF-E48304D50AE0}" dt="2024-01-05T09:58:33.924" v="8" actId="478"/>
+          <ac:picMkLst>
+            <pc:docMk/>
+            <pc:sldMk cId="192643564" sldId="257"/>
+            <ac:picMk id="32" creationId="{7C93DE29-DFDA-FEB1-35F9-949F1B96A088}"/>
+          </ac:picMkLst>
+        </pc:picChg>
+        <pc:picChg chg="del mod">
+          <ac:chgData name="Fatima Pillosu" userId="a6295d4dc9e22643" providerId="LiveId" clId="{DF154678-E0A5-48FB-B6DF-E48304D50AE0}" dt="2024-01-05T09:58:33.924" v="8" actId="478"/>
+          <ac:picMkLst>
+            <pc:docMk/>
+            <pc:sldMk cId="192643564" sldId="257"/>
+            <ac:picMk id="33" creationId="{25DB5ABF-B9AF-8184-7561-1D24D75FA25F}"/>
+          </ac:picMkLst>
+        </pc:picChg>
+        <pc:picChg chg="del mod">
+          <ac:chgData name="Fatima Pillosu" userId="a6295d4dc9e22643" providerId="LiveId" clId="{DF154678-E0A5-48FB-B6DF-E48304D50AE0}" dt="2024-01-05T09:58:33.924" v="8" actId="478"/>
+          <ac:picMkLst>
+            <pc:docMk/>
+            <pc:sldMk cId="192643564" sldId="257"/>
+            <ac:picMk id="34" creationId="{EE74CC1C-0815-4BB5-9D3F-AB935466BFDB}"/>
+          </ac:picMkLst>
+        </pc:picChg>
+        <pc:picChg chg="del mod">
+          <ac:chgData name="Fatima Pillosu" userId="a6295d4dc9e22643" providerId="LiveId" clId="{DF154678-E0A5-48FB-B6DF-E48304D50AE0}" dt="2024-01-05T09:58:33.924" v="8" actId="478"/>
+          <ac:picMkLst>
+            <pc:docMk/>
+            <pc:sldMk cId="192643564" sldId="257"/>
+            <ac:picMk id="35" creationId="{BA9776A5-79BC-0E9F-897A-D97A92531643}"/>
+          </ac:picMkLst>
+        </pc:picChg>
+        <pc:picChg chg="del mod">
+          <ac:chgData name="Fatima Pillosu" userId="a6295d4dc9e22643" providerId="LiveId" clId="{DF154678-E0A5-48FB-B6DF-E48304D50AE0}" dt="2024-01-05T09:58:33.924" v="8" actId="478"/>
+          <ac:picMkLst>
+            <pc:docMk/>
+            <pc:sldMk cId="192643564" sldId="257"/>
+            <ac:picMk id="36" creationId="{7D7683DF-BFCD-E9E5-7BDD-6ED44A4CE9B1}"/>
+          </ac:picMkLst>
+        </pc:picChg>
+        <pc:picChg chg="add del mod">
+          <ac:chgData name="Fatima Pillosu" userId="a6295d4dc9e22643" providerId="LiveId" clId="{DF154678-E0A5-48FB-B6DF-E48304D50AE0}" dt="2024-01-05T10:08:38.059" v="109" actId="21"/>
+          <ac:picMkLst>
+            <pc:docMk/>
+            <pc:sldMk cId="192643564" sldId="257"/>
+            <ac:picMk id="37" creationId="{974496B6-C7CB-8588-4DBF-276D9AE39C4A}"/>
+          </ac:picMkLst>
+        </pc:picChg>
+        <pc:picChg chg="add del mod ord modCrop">
+          <ac:chgData name="Fatima Pillosu" userId="a6295d4dc9e22643" providerId="LiveId" clId="{DF154678-E0A5-48FB-B6DF-E48304D50AE0}" dt="2024-01-05T11:37:57.967" v="1840" actId="21"/>
+          <ac:picMkLst>
+            <pc:docMk/>
+            <pc:sldMk cId="192643564" sldId="257"/>
+            <ac:picMk id="38" creationId="{826C072F-964D-36CF-13AF-874F7B24E9C8}"/>
+          </ac:picMkLst>
+        </pc:picChg>
+        <pc:picChg chg="add del mod ord modCrop">
+          <ac:chgData name="Fatima Pillosu" userId="a6295d4dc9e22643" providerId="LiveId" clId="{DF154678-E0A5-48FB-B6DF-E48304D50AE0}" dt="2024-01-05T11:37:57.967" v="1840" actId="21"/>
+          <ac:picMkLst>
+            <pc:docMk/>
+            <pc:sldMk cId="192643564" sldId="257"/>
+            <ac:picMk id="39" creationId="{21CEE9FB-5FDE-BAA3-8875-BA975815E081}"/>
+          </ac:picMkLst>
+        </pc:picChg>
+        <pc:picChg chg="add del mod ord modCrop">
+          <ac:chgData name="Fatima Pillosu" userId="a6295d4dc9e22643" providerId="LiveId" clId="{DF154678-E0A5-48FB-B6DF-E48304D50AE0}" dt="2024-01-05T11:37:57.967" v="1840" actId="21"/>
+          <ac:picMkLst>
+            <pc:docMk/>
+            <pc:sldMk cId="192643564" sldId="257"/>
+            <ac:picMk id="40" creationId="{0339F29A-4FA8-67AC-664E-07E8BC1AD948}"/>
+          </ac:picMkLst>
+        </pc:picChg>
+        <pc:picChg chg="add del mod">
+          <ac:chgData name="Fatima Pillosu" userId="a6295d4dc9e22643" providerId="LiveId" clId="{DF154678-E0A5-48FB-B6DF-E48304D50AE0}" dt="2024-01-05T10:12:54.493" v="152" actId="21"/>
+          <ac:picMkLst>
+            <pc:docMk/>
+            <pc:sldMk cId="192643564" sldId="257"/>
+            <ac:picMk id="41" creationId="{BA6E845D-3478-693A-9C7D-09F4F550444F}"/>
+          </ac:picMkLst>
+        </pc:picChg>
+        <pc:picChg chg="add del mod">
+          <ac:chgData name="Fatima Pillosu" userId="a6295d4dc9e22643" providerId="LiveId" clId="{DF154678-E0A5-48FB-B6DF-E48304D50AE0}" dt="2024-01-05T10:12:54.493" v="152" actId="21"/>
+          <ac:picMkLst>
+            <pc:docMk/>
+            <pc:sldMk cId="192643564" sldId="257"/>
+            <ac:picMk id="42" creationId="{492B2044-6B24-43C4-00AD-A85C064B0188}"/>
+          </ac:picMkLst>
+        </pc:picChg>
+        <pc:picChg chg="add del mod">
+          <ac:chgData name="Fatima Pillosu" userId="a6295d4dc9e22643" providerId="LiveId" clId="{DF154678-E0A5-48FB-B6DF-E48304D50AE0}" dt="2024-01-05T10:12:54.493" v="152" actId="21"/>
+          <ac:picMkLst>
+            <pc:docMk/>
+            <pc:sldMk cId="192643564" sldId="257"/>
+            <ac:picMk id="43" creationId="{32815608-78D2-93BC-6E0C-1D20FF3F37D0}"/>
+          </ac:picMkLst>
+        </pc:picChg>
+        <pc:picChg chg="add del mod">
+          <ac:chgData name="Fatima Pillosu" userId="a6295d4dc9e22643" providerId="LiveId" clId="{DF154678-E0A5-48FB-B6DF-E48304D50AE0}" dt="2024-01-05T10:22:00.413" v="319" actId="478"/>
+          <ac:picMkLst>
+            <pc:docMk/>
+            <pc:sldMk cId="192643564" sldId="257"/>
+            <ac:picMk id="48" creationId="{97D23F02-086E-7FF5-ECF4-8A1400FE2581}"/>
+          </ac:picMkLst>
+        </pc:picChg>
+        <pc:picChg chg="add del mod">
+          <ac:chgData name="Fatima Pillosu" userId="a6295d4dc9e22643" providerId="LiveId" clId="{DF154678-E0A5-48FB-B6DF-E48304D50AE0}" dt="2024-01-05T10:52:30.905" v="948" actId="478"/>
+          <ac:picMkLst>
+            <pc:docMk/>
+            <pc:sldMk cId="192643564" sldId="257"/>
+            <ac:picMk id="73" creationId="{D6FF5614-938A-67A5-37FE-71D08903027A}"/>
+          </ac:picMkLst>
+        </pc:picChg>
+        <pc:picChg chg="add del mod">
+          <ac:chgData name="Fatima Pillosu" userId="a6295d4dc9e22643" providerId="LiveId" clId="{DF154678-E0A5-48FB-B6DF-E48304D50AE0}" dt="2024-01-05T10:52:30.344" v="947" actId="478"/>
+          <ac:picMkLst>
+            <pc:docMk/>
+            <pc:sldMk cId="192643564" sldId="257"/>
+            <ac:picMk id="76" creationId="{65871C53-A35A-0091-D8CA-B92CC60793F8}"/>
+          </ac:picMkLst>
+        </pc:picChg>
+        <pc:picChg chg="add del mod">
+          <ac:chgData name="Fatima Pillosu" userId="a6295d4dc9e22643" providerId="LiveId" clId="{DF154678-E0A5-48FB-B6DF-E48304D50AE0}" dt="2024-01-05T10:53:56.922" v="957" actId="478"/>
+          <ac:picMkLst>
+            <pc:docMk/>
+            <pc:sldMk cId="192643564" sldId="257"/>
+            <ac:picMk id="79" creationId="{46A2B5A2-263F-3AC2-178D-315434D16DDC}"/>
+          </ac:picMkLst>
+        </pc:picChg>
+        <pc:picChg chg="add del mod">
+          <ac:chgData name="Fatima Pillosu" userId="a6295d4dc9e22643" providerId="LiveId" clId="{DF154678-E0A5-48FB-B6DF-E48304D50AE0}" dt="2024-01-05T10:55:57.082" v="996" actId="478"/>
+          <ac:picMkLst>
+            <pc:docMk/>
+            <pc:sldMk cId="192643564" sldId="257"/>
+            <ac:picMk id="82" creationId="{31F91926-5F10-D342-919E-5F25BB2BF81B}"/>
+          </ac:picMkLst>
+        </pc:picChg>
+        <pc:picChg chg="add del mod">
+          <ac:chgData name="Fatima Pillosu" userId="a6295d4dc9e22643" providerId="LiveId" clId="{DF154678-E0A5-48FB-B6DF-E48304D50AE0}" dt="2024-01-05T10:55:56.503" v="995" actId="478"/>
+          <ac:picMkLst>
+            <pc:docMk/>
+            <pc:sldMk cId="192643564" sldId="257"/>
+            <ac:picMk id="85" creationId="{611A44A6-D70F-DA36-7A49-CD4CF8E1C6F9}"/>
+          </ac:picMkLst>
+        </pc:picChg>
+        <pc:picChg chg="add del mod">
+          <ac:chgData name="Fatima Pillosu" userId="a6295d4dc9e22643" providerId="LiveId" clId="{DF154678-E0A5-48FB-B6DF-E48304D50AE0}" dt="2024-01-05T11:01:25.205" v="1074" actId="478"/>
+          <ac:picMkLst>
+            <pc:docMk/>
+            <pc:sldMk cId="192643564" sldId="257"/>
+            <ac:picMk id="90" creationId="{B30AD75E-E56B-4A73-7BCF-10F0C9A395D8}"/>
+          </ac:picMkLst>
+        </pc:picChg>
+        <pc:picChg chg="add del mod">
+          <ac:chgData name="Fatima Pillosu" userId="a6295d4dc9e22643" providerId="LiveId" clId="{DF154678-E0A5-48FB-B6DF-E48304D50AE0}" dt="2024-01-05T11:01:24.668" v="1073" actId="478"/>
+          <ac:picMkLst>
+            <pc:docMk/>
+            <pc:sldMk cId="192643564" sldId="257"/>
+            <ac:picMk id="93" creationId="{D1BA34D0-F895-277C-C80B-4E832CFBCEE4}"/>
+          </ac:picMkLst>
+        </pc:picChg>
+        <pc:picChg chg="add del mod">
+          <ac:chgData name="Fatima Pillosu" userId="a6295d4dc9e22643" providerId="LiveId" clId="{DF154678-E0A5-48FB-B6DF-E48304D50AE0}" dt="2024-01-05T11:04:50.528" v="1110" actId="478"/>
+          <ac:picMkLst>
+            <pc:docMk/>
+            <pc:sldMk cId="192643564" sldId="257"/>
+            <ac:picMk id="98" creationId="{CCA85939-D33D-745F-AA2D-53C430AF9220}"/>
+          </ac:picMkLst>
+        </pc:picChg>
+        <pc:picChg chg="add del mod">
+          <ac:chgData name="Fatima Pillosu" userId="a6295d4dc9e22643" providerId="LiveId" clId="{DF154678-E0A5-48FB-B6DF-E48304D50AE0}" dt="2024-01-05T11:05:37.723" v="1134" actId="478"/>
+          <ac:picMkLst>
+            <pc:docMk/>
+            <pc:sldMk cId="192643564" sldId="257"/>
+            <ac:picMk id="99" creationId="{DEBF53E1-63B2-1F77-BFC3-C2C78B391E74}"/>
+          </ac:picMkLst>
+        </pc:picChg>
+        <pc:picChg chg="add mod ord">
+          <ac:chgData name="Fatima Pillosu" userId="a6295d4dc9e22643" providerId="LiveId" clId="{DF154678-E0A5-48FB-B6DF-E48304D50AE0}" dt="2024-01-05T11:35:16.972" v="1834" actId="12788"/>
+          <ac:picMkLst>
+            <pc:docMk/>
+            <pc:sldMk cId="192643564" sldId="257"/>
+            <ac:picMk id="119" creationId="{7A039652-FB8C-DCD3-4E39-DA746B9BFF5E}"/>
+          </ac:picMkLst>
+        </pc:picChg>
+        <pc:picChg chg="add del mod">
+          <ac:chgData name="Fatima Pillosu" userId="a6295d4dc9e22643" providerId="LiveId" clId="{DF154678-E0A5-48FB-B6DF-E48304D50AE0}" dt="2024-01-05T11:20:49.993" v="1393" actId="478"/>
+          <ac:picMkLst>
+            <pc:docMk/>
+            <pc:sldMk cId="192643564" sldId="257"/>
+            <ac:picMk id="127" creationId="{5783FF88-94C7-F162-7E6E-8D807256DEB7}"/>
+          </ac:picMkLst>
+        </pc:picChg>
+        <pc:picChg chg="add mod">
+          <ac:chgData name="Fatima Pillosu" userId="a6295d4dc9e22643" providerId="LiveId" clId="{DF154678-E0A5-48FB-B6DF-E48304D50AE0}" dt="2024-01-05T11:38:15.496" v="1854" actId="1035"/>
+          <ac:picMkLst>
+            <pc:docMk/>
+            <pc:sldMk cId="192643564" sldId="257"/>
+            <ac:picMk id="195" creationId="{19F4C657-66BE-CC6B-3635-47EE1BB2B01F}"/>
+          </ac:picMkLst>
+        </pc:picChg>
+        <pc:picChg chg="add mod">
+          <ac:chgData name="Fatima Pillosu" userId="a6295d4dc9e22643" providerId="LiveId" clId="{DF154678-E0A5-48FB-B6DF-E48304D50AE0}" dt="2024-01-05T11:38:15.496" v="1854" actId="1035"/>
+          <ac:picMkLst>
+            <pc:docMk/>
+            <pc:sldMk cId="192643564" sldId="257"/>
+            <ac:picMk id="196" creationId="{B4FACC91-6B9A-1B04-D8F3-BA57C8AB37C4}"/>
+          </ac:picMkLst>
+        </pc:picChg>
+        <pc:picChg chg="add mod">
+          <ac:chgData name="Fatima Pillosu" userId="a6295d4dc9e22643" providerId="LiveId" clId="{DF154678-E0A5-48FB-B6DF-E48304D50AE0}" dt="2024-01-05T11:38:15.496" v="1854" actId="1035"/>
+          <ac:picMkLst>
+            <pc:docMk/>
+            <pc:sldMk cId="192643564" sldId="257"/>
+            <ac:picMk id="201" creationId="{BFB7DE10-941B-0E44-92CA-5DEEADA2ADE0}"/>
+          </ac:picMkLst>
+        </pc:picChg>
+        <pc:picChg chg="add mod">
+          <ac:chgData name="Fatima Pillosu" userId="a6295d4dc9e22643" providerId="LiveId" clId="{DF154678-E0A5-48FB-B6DF-E48304D50AE0}" dt="2024-01-05T11:38:15.496" v="1854" actId="1035"/>
+          <ac:picMkLst>
+            <pc:docMk/>
+            <pc:sldMk cId="192643564" sldId="257"/>
+            <ac:picMk id="202" creationId="{DCAAF8EB-1DB7-8A2C-D556-79DEE4C33907}"/>
+          </ac:picMkLst>
+        </pc:picChg>
+        <pc:picChg chg="add mod">
+          <ac:chgData name="Fatima Pillosu" userId="a6295d4dc9e22643" providerId="LiveId" clId="{DF154678-E0A5-48FB-B6DF-E48304D50AE0}" dt="2024-01-05T11:38:15.496" v="1854" actId="1035"/>
+          <ac:picMkLst>
+            <pc:docMk/>
+            <pc:sldMk cId="192643564" sldId="257"/>
+            <ac:picMk id="207" creationId="{136C6B42-364F-22A9-4538-A06B71837C40}"/>
+          </ac:picMkLst>
+        </pc:picChg>
+        <pc:picChg chg="add mod">
+          <ac:chgData name="Fatima Pillosu" userId="a6295d4dc9e22643" providerId="LiveId" clId="{DF154678-E0A5-48FB-B6DF-E48304D50AE0}" dt="2024-01-05T11:38:15.496" v="1854" actId="1035"/>
+          <ac:picMkLst>
+            <pc:docMk/>
+            <pc:sldMk cId="192643564" sldId="257"/>
+            <ac:picMk id="208" creationId="{3AC485D8-4676-50AA-ACEE-E3BD88D84D8E}"/>
+          </ac:picMkLst>
+        </pc:picChg>
+        <pc:picChg chg="add mod">
+          <ac:chgData name="Fatima Pillosu" userId="a6295d4dc9e22643" providerId="LiveId" clId="{DF154678-E0A5-48FB-B6DF-E48304D50AE0}" dt="2024-01-05T11:38:15.496" v="1854" actId="1035"/>
+          <ac:picMkLst>
+            <pc:docMk/>
+            <pc:sldMk cId="192643564" sldId="257"/>
+            <ac:picMk id="211" creationId="{39F44D30-9F57-E5F7-4AF5-F502E90D200A}"/>
+          </ac:picMkLst>
+        </pc:picChg>
+        <pc:picChg chg="add mod">
+          <ac:chgData name="Fatima Pillosu" userId="a6295d4dc9e22643" providerId="LiveId" clId="{DF154678-E0A5-48FB-B6DF-E48304D50AE0}" dt="2024-01-05T11:38:15.496" v="1854" actId="1035"/>
+          <ac:picMkLst>
+            <pc:docMk/>
+            <pc:sldMk cId="192643564" sldId="257"/>
+            <ac:picMk id="216" creationId="{767ABE3C-4777-C73C-D7CB-C2769EFCA15C}"/>
+          </ac:picMkLst>
+        </pc:picChg>
+        <pc:picChg chg="add mod">
+          <ac:chgData name="Fatima Pillosu" userId="a6295d4dc9e22643" providerId="LiveId" clId="{DF154678-E0A5-48FB-B6DF-E48304D50AE0}" dt="2024-01-05T11:38:15.496" v="1854" actId="1035"/>
+          <ac:picMkLst>
+            <pc:docMk/>
+            <pc:sldMk cId="192643564" sldId="257"/>
+            <ac:picMk id="217" creationId="{1352DA7F-C5D5-1BA6-3B73-D878170931C6}"/>
+          </ac:picMkLst>
+        </pc:picChg>
+        <pc:picChg chg="mod">
+          <ac:chgData name="Fatima Pillosu" userId="a6295d4dc9e22643" providerId="LiveId" clId="{DF154678-E0A5-48FB-B6DF-E48304D50AE0}" dt="2024-01-05T11:38:08.067" v="1841"/>
+          <ac:picMkLst>
+            <pc:docMk/>
+            <pc:sldMk cId="192643564" sldId="257"/>
+            <ac:picMk id="232" creationId="{846B5BB5-2541-657F-C4C3-3E3C9941E97B}"/>
+          </ac:picMkLst>
+        </pc:picChg>
+        <pc:picChg chg="mod">
+          <ac:chgData name="Fatima Pillosu" userId="a6295d4dc9e22643" providerId="LiveId" clId="{DF154678-E0A5-48FB-B6DF-E48304D50AE0}" dt="2024-01-05T11:38:08.067" v="1841"/>
+          <ac:picMkLst>
+            <pc:docMk/>
+            <pc:sldMk cId="192643564" sldId="257"/>
+            <ac:picMk id="241" creationId="{84B22CE6-C81F-A3E9-9303-9B686B0E9BE4}"/>
+          </ac:picMkLst>
+        </pc:picChg>
+        <pc:picChg chg="mod">
+          <ac:chgData name="Fatima Pillosu" userId="a6295d4dc9e22643" providerId="LiveId" clId="{DF154678-E0A5-48FB-B6DF-E48304D50AE0}" dt="2024-01-05T11:38:08.067" v="1841"/>
+          <ac:picMkLst>
+            <pc:docMk/>
+            <pc:sldMk cId="192643564" sldId="257"/>
+            <ac:picMk id="247" creationId="{494434EB-B244-0573-44F7-3FB7D4737E53}"/>
+          </ac:picMkLst>
+        </pc:picChg>
+        <pc:cxnChg chg="add del mod">
+          <ac:chgData name="Fatima Pillosu" userId="a6295d4dc9e22643" providerId="LiveId" clId="{DF154678-E0A5-48FB-B6DF-E48304D50AE0}" dt="2024-01-05T11:19:23.660" v="1364" actId="478"/>
+          <ac:cxnSpMkLst>
+            <pc:docMk/>
+            <pc:sldMk cId="192643564" sldId="257"/>
+            <ac:cxnSpMk id="107" creationId="{72082887-CCCF-7C9A-742F-741861A23DE7}"/>
+          </ac:cxnSpMkLst>
+        </pc:cxnChg>
+        <pc:cxnChg chg="add del mod">
+          <ac:chgData name="Fatima Pillosu" userId="a6295d4dc9e22643" providerId="LiveId" clId="{DF154678-E0A5-48FB-B6DF-E48304D50AE0}" dt="2024-01-05T11:19:22.471" v="1363" actId="478"/>
+          <ac:cxnSpMkLst>
+            <pc:docMk/>
+            <pc:sldMk cId="192643564" sldId="257"/>
+            <ac:cxnSpMk id="112" creationId="{4D766256-A5C5-7E2B-EFD7-2BB03E8C49D1}"/>
+          </ac:cxnSpMkLst>
+        </pc:cxnChg>
+        <pc:cxnChg chg="add del mod">
+          <ac:chgData name="Fatima Pillosu" userId="a6295d4dc9e22643" providerId="LiveId" clId="{DF154678-E0A5-48FB-B6DF-E48304D50AE0}" dt="2024-01-05T11:37:57.967" v="1840" actId="21"/>
+          <ac:cxnSpMkLst>
+            <pc:docMk/>
+            <pc:sldMk cId="192643564" sldId="257"/>
+            <ac:cxnSpMk id="139" creationId="{DF13AD84-0971-242C-D4EF-A55CF195D3DC}"/>
+          </ac:cxnSpMkLst>
+        </pc:cxnChg>
+        <pc:cxnChg chg="add del mod">
+          <ac:chgData name="Fatima Pillosu" userId="a6295d4dc9e22643" providerId="LiveId" clId="{DF154678-E0A5-48FB-B6DF-E48304D50AE0}" dt="2024-01-05T11:37:57.967" v="1840" actId="21"/>
+          <ac:cxnSpMkLst>
+            <pc:docMk/>
+            <pc:sldMk cId="192643564" sldId="257"/>
+            <ac:cxnSpMk id="140" creationId="{25208F98-779E-EE12-BFF6-015308CBA82C}"/>
+          </ac:cxnSpMkLst>
+        </pc:cxnChg>
+        <pc:cxnChg chg="add del mod">
+          <ac:chgData name="Fatima Pillosu" userId="a6295d4dc9e22643" providerId="LiveId" clId="{DF154678-E0A5-48FB-B6DF-E48304D50AE0}" dt="2024-01-05T11:37:57.967" v="1840" actId="21"/>
+          <ac:cxnSpMkLst>
+            <pc:docMk/>
+            <pc:sldMk cId="192643564" sldId="257"/>
+            <ac:cxnSpMk id="141" creationId="{7DAB2A87-6790-7FA6-B192-8E7D752DA04D}"/>
+          </ac:cxnSpMkLst>
+        </pc:cxnChg>
+        <pc:cxnChg chg="add del mod">
+          <ac:chgData name="Fatima Pillosu" userId="a6295d4dc9e22643" providerId="LiveId" clId="{DF154678-E0A5-48FB-B6DF-E48304D50AE0}" dt="2024-01-05T11:37:57.967" v="1840" actId="21"/>
+          <ac:cxnSpMkLst>
+            <pc:docMk/>
+            <pc:sldMk cId="192643564" sldId="257"/>
+            <ac:cxnSpMk id="149" creationId="{83D3C57F-0338-E290-0A8A-039BA6169B6B}"/>
+          </ac:cxnSpMkLst>
+        </pc:cxnChg>
+        <pc:cxnChg chg="add del mod">
+          <ac:chgData name="Fatima Pillosu" userId="a6295d4dc9e22643" providerId="LiveId" clId="{DF154678-E0A5-48FB-B6DF-E48304D50AE0}" dt="2024-01-05T11:37:57.967" v="1840" actId="21"/>
+          <ac:cxnSpMkLst>
+            <pc:docMk/>
+            <pc:sldMk cId="192643564" sldId="257"/>
+            <ac:cxnSpMk id="150" creationId="{E2D5D870-4C5E-01F7-86C2-C0B1A97E138C}"/>
+          </ac:cxnSpMkLst>
+        </pc:cxnChg>
+        <pc:cxnChg chg="add del mod">
+          <ac:chgData name="Fatima Pillosu" userId="a6295d4dc9e22643" providerId="LiveId" clId="{DF154678-E0A5-48FB-B6DF-E48304D50AE0}" dt="2024-01-05T11:37:57.967" v="1840" actId="21"/>
+          <ac:cxnSpMkLst>
+            <pc:docMk/>
+            <pc:sldMk cId="192643564" sldId="257"/>
+            <ac:cxnSpMk id="151" creationId="{5930F112-0D3E-FFD0-79D0-DA8DDEFA795B}"/>
+          </ac:cxnSpMkLst>
+        </pc:cxnChg>
+        <pc:cxnChg chg="add del mod">
+          <ac:chgData name="Fatima Pillosu" userId="a6295d4dc9e22643" providerId="LiveId" clId="{DF154678-E0A5-48FB-B6DF-E48304D50AE0}" dt="2024-01-05T11:37:57.967" v="1840" actId="21"/>
+          <ac:cxnSpMkLst>
+            <pc:docMk/>
+            <pc:sldMk cId="192643564" sldId="257"/>
+            <ac:cxnSpMk id="160" creationId="{AD44FD92-42FD-0B16-4A33-E7DCE8C400B4}"/>
+          </ac:cxnSpMkLst>
+        </pc:cxnChg>
+        <pc:cxnChg chg="add del mod">
+          <ac:chgData name="Fatima Pillosu" userId="a6295d4dc9e22643" providerId="LiveId" clId="{DF154678-E0A5-48FB-B6DF-E48304D50AE0}" dt="2024-01-05T11:37:57.967" v="1840" actId="21"/>
+          <ac:cxnSpMkLst>
+            <pc:docMk/>
+            <pc:sldMk cId="192643564" sldId="257"/>
+            <ac:cxnSpMk id="161" creationId="{0EC203FF-31B2-539E-DFB3-7A12061F39A2}"/>
+          </ac:cxnSpMkLst>
+        </pc:cxnChg>
+        <pc:cxnChg chg="add del mod">
+          <ac:chgData name="Fatima Pillosu" userId="a6295d4dc9e22643" providerId="LiveId" clId="{DF154678-E0A5-48FB-B6DF-E48304D50AE0}" dt="2024-01-05T11:37:57.967" v="1840" actId="21"/>
+          <ac:cxnSpMkLst>
+            <pc:docMk/>
+            <pc:sldMk cId="192643564" sldId="257"/>
+            <ac:cxnSpMk id="162" creationId="{221C8746-A174-D919-07BF-C075B1DB1D00}"/>
+          </ac:cxnSpMkLst>
+        </pc:cxnChg>
+        <pc:cxnChg chg="add del mod">
+          <ac:chgData name="Fatima Pillosu" userId="a6295d4dc9e22643" providerId="LiveId" clId="{DF154678-E0A5-48FB-B6DF-E48304D50AE0}" dt="2024-01-05T11:37:57.967" v="1840" actId="21"/>
+          <ac:cxnSpMkLst>
+            <pc:docMk/>
+            <pc:sldMk cId="192643564" sldId="257"/>
+            <ac:cxnSpMk id="169" creationId="{CFBE0C9D-57BB-792B-6F56-0561C1A7323C}"/>
+          </ac:cxnSpMkLst>
+        </pc:cxnChg>
+        <pc:cxnChg chg="add del mod">
+          <ac:chgData name="Fatima Pillosu" userId="a6295d4dc9e22643" providerId="LiveId" clId="{DF154678-E0A5-48FB-B6DF-E48304D50AE0}" dt="2024-01-05T11:37:57.967" v="1840" actId="21"/>
+          <ac:cxnSpMkLst>
+            <pc:docMk/>
+            <pc:sldMk cId="192643564" sldId="257"/>
+            <ac:cxnSpMk id="170" creationId="{771C24E5-E581-9A96-61D1-4DF86898BE62}"/>
+          </ac:cxnSpMkLst>
+        </pc:cxnChg>
+        <pc:cxnChg chg="add del mod">
+          <ac:chgData name="Fatima Pillosu" userId="a6295d4dc9e22643" providerId="LiveId" clId="{DF154678-E0A5-48FB-B6DF-E48304D50AE0}" dt="2024-01-05T11:37:57.967" v="1840" actId="21"/>
+          <ac:cxnSpMkLst>
+            <pc:docMk/>
+            <pc:sldMk cId="192643564" sldId="257"/>
+            <ac:cxnSpMk id="171" creationId="{8DADE824-01DD-35B4-BF84-F3272C55634F}"/>
+          </ac:cxnSpMkLst>
+        </pc:cxnChg>
+        <pc:cxnChg chg="add mod">
+          <ac:chgData name="Fatima Pillosu" userId="a6295d4dc9e22643" providerId="LiveId" clId="{DF154678-E0A5-48FB-B6DF-E48304D50AE0}" dt="2024-01-05T11:38:15.496" v="1854" actId="1035"/>
+          <ac:cxnSpMkLst>
+            <pc:docMk/>
+            <pc:sldMk cId="192643564" sldId="257"/>
+            <ac:cxnSpMk id="251" creationId="{D535433B-F86E-3CFA-9D25-E088BCF1FD51}"/>
+          </ac:cxnSpMkLst>
+        </pc:cxnChg>
+        <pc:cxnChg chg="add mod">
+          <ac:chgData name="Fatima Pillosu" userId="a6295d4dc9e22643" providerId="LiveId" clId="{DF154678-E0A5-48FB-B6DF-E48304D50AE0}" dt="2024-01-05T11:38:15.496" v="1854" actId="1035"/>
+          <ac:cxnSpMkLst>
+            <pc:docMk/>
+            <pc:sldMk cId="192643564" sldId="257"/>
+            <ac:cxnSpMk id="252" creationId="{75AAECC4-5406-83A1-5BD2-C05F69937919}"/>
+          </ac:cxnSpMkLst>
+        </pc:cxnChg>
+        <pc:cxnChg chg="add mod">
+          <ac:chgData name="Fatima Pillosu" userId="a6295d4dc9e22643" providerId="LiveId" clId="{DF154678-E0A5-48FB-B6DF-E48304D50AE0}" dt="2024-01-05T11:38:15.496" v="1854" actId="1035"/>
+          <ac:cxnSpMkLst>
+            <pc:docMk/>
+            <pc:sldMk cId="192643564" sldId="257"/>
+            <ac:cxnSpMk id="253" creationId="{80FA816B-B356-1054-E1C6-C728C3CD94FC}"/>
+          </ac:cxnSpMkLst>
+        </pc:cxnChg>
+        <pc:cxnChg chg="add mod">
+          <ac:chgData name="Fatima Pillosu" userId="a6295d4dc9e22643" providerId="LiveId" clId="{DF154678-E0A5-48FB-B6DF-E48304D50AE0}" dt="2024-01-05T11:38:15.496" v="1854" actId="1035"/>
+          <ac:cxnSpMkLst>
+            <pc:docMk/>
+            <pc:sldMk cId="192643564" sldId="257"/>
+            <ac:cxnSpMk id="261" creationId="{83A5348E-8EA8-B160-D404-BE9BC24F77DB}"/>
+          </ac:cxnSpMkLst>
+        </pc:cxnChg>
+        <pc:cxnChg chg="add mod">
+          <ac:chgData name="Fatima Pillosu" userId="a6295d4dc9e22643" providerId="LiveId" clId="{DF154678-E0A5-48FB-B6DF-E48304D50AE0}" dt="2024-01-05T11:38:15.496" v="1854" actId="1035"/>
+          <ac:cxnSpMkLst>
+            <pc:docMk/>
+            <pc:sldMk cId="192643564" sldId="257"/>
+            <ac:cxnSpMk id="262" creationId="{BD8982E4-2312-04CD-4FD6-7B980EAFA0AD}"/>
+          </ac:cxnSpMkLst>
+        </pc:cxnChg>
+        <pc:cxnChg chg="add mod">
+          <ac:chgData name="Fatima Pillosu" userId="a6295d4dc9e22643" providerId="LiveId" clId="{DF154678-E0A5-48FB-B6DF-E48304D50AE0}" dt="2024-01-05T11:38:15.496" v="1854" actId="1035"/>
+          <ac:cxnSpMkLst>
+            <pc:docMk/>
+            <pc:sldMk cId="192643564" sldId="257"/>
+            <ac:cxnSpMk id="263" creationId="{9F053BC8-9078-2425-5CA2-B8EF10FEF03B}"/>
+          </ac:cxnSpMkLst>
+        </pc:cxnChg>
+        <pc:cxnChg chg="add mod">
+          <ac:chgData name="Fatima Pillosu" userId="a6295d4dc9e22643" providerId="LiveId" clId="{DF154678-E0A5-48FB-B6DF-E48304D50AE0}" dt="2024-01-05T11:40:15.525" v="1857" actId="1035"/>
+          <ac:cxnSpMkLst>
+            <pc:docMk/>
+            <pc:sldMk cId="192643564" sldId="257"/>
+            <ac:cxnSpMk id="268" creationId="{ED6DD149-763A-8A19-E5D7-3A319D4DC12E}"/>
+          </ac:cxnSpMkLst>
+        </pc:cxnChg>
+        <pc:cxnChg chg="add mod">
+          <ac:chgData name="Fatima Pillosu" userId="a6295d4dc9e22643" providerId="LiveId" clId="{DF154678-E0A5-48FB-B6DF-E48304D50AE0}" dt="2024-01-05T11:40:15.525" v="1857" actId="1035"/>
+          <ac:cxnSpMkLst>
+            <pc:docMk/>
+            <pc:sldMk cId="192643564" sldId="257"/>
+            <ac:cxnSpMk id="269" creationId="{4D13FD63-AF66-8FB6-0EF2-4F1775F97769}"/>
+          </ac:cxnSpMkLst>
+        </pc:cxnChg>
+        <pc:cxnChg chg="add mod">
+          <ac:chgData name="Fatima Pillosu" userId="a6295d4dc9e22643" providerId="LiveId" clId="{DF154678-E0A5-48FB-B6DF-E48304D50AE0}" dt="2024-01-05T11:40:15.525" v="1857" actId="1035"/>
+          <ac:cxnSpMkLst>
+            <pc:docMk/>
+            <pc:sldMk cId="192643564" sldId="257"/>
+            <ac:cxnSpMk id="270" creationId="{B10D432A-AFC4-AC37-C3E0-D797B5781CB7}"/>
+          </ac:cxnSpMkLst>
+        </pc:cxnChg>
+        <pc:cxnChg chg="add mod">
+          <ac:chgData name="Fatima Pillosu" userId="a6295d4dc9e22643" providerId="LiveId" clId="{DF154678-E0A5-48FB-B6DF-E48304D50AE0}" dt="2024-01-05T11:40:15.525" v="1857" actId="1035"/>
+          <ac:cxnSpMkLst>
+            <pc:docMk/>
+            <pc:sldMk cId="192643564" sldId="257"/>
+            <ac:cxnSpMk id="274" creationId="{FD7B5E91-A324-B32D-F8F5-CE5DA449558C}"/>
+          </ac:cxnSpMkLst>
+        </pc:cxnChg>
+        <pc:cxnChg chg="add mod">
+          <ac:chgData name="Fatima Pillosu" userId="a6295d4dc9e22643" providerId="LiveId" clId="{DF154678-E0A5-48FB-B6DF-E48304D50AE0}" dt="2024-01-05T11:40:15.525" v="1857" actId="1035"/>
+          <ac:cxnSpMkLst>
+            <pc:docMk/>
+            <pc:sldMk cId="192643564" sldId="257"/>
+            <ac:cxnSpMk id="275" creationId="{B3B92516-08F5-365A-937C-3C493B97F70D}"/>
+          </ac:cxnSpMkLst>
+        </pc:cxnChg>
+        <pc:cxnChg chg="add mod">
+          <ac:chgData name="Fatima Pillosu" userId="a6295d4dc9e22643" providerId="LiveId" clId="{DF154678-E0A5-48FB-B6DF-E48304D50AE0}" dt="2024-01-05T11:40:15.525" v="1857" actId="1035"/>
+          <ac:cxnSpMkLst>
+            <pc:docMk/>
+            <pc:sldMk cId="192643564" sldId="257"/>
+            <ac:cxnSpMk id="276" creationId="{653A8805-AC2E-4189-3353-4636CA146630}"/>
+          </ac:cxnSpMkLst>
+        </pc:cxnChg>
+      </pc:sldChg>
+      <pc:sldChg chg="addSp delSp modSp new del mod">
+        <pc:chgData name="Fatima Pillosu" userId="a6295d4dc9e22643" providerId="LiveId" clId="{DF154678-E0A5-48FB-B6DF-E48304D50AE0}" dt="2024-01-05T10:51:36.510" v="934" actId="2696"/>
+        <pc:sldMkLst>
+          <pc:docMk/>
+          <pc:sldMk cId="336586564" sldId="258"/>
+        </pc:sldMkLst>
+        <pc:spChg chg="del">
+          <ac:chgData name="Fatima Pillosu" userId="a6295d4dc9e22643" providerId="LiveId" clId="{DF154678-E0A5-48FB-B6DF-E48304D50AE0}" dt="2024-01-05T10:08:42.242" v="111" actId="478"/>
+          <ac:spMkLst>
+            <pc:docMk/>
+            <pc:sldMk cId="336586564" sldId="258"/>
+            <ac:spMk id="2" creationId="{D3BEB560-1E5E-3318-3938-DAF890057A67}"/>
+          </ac:spMkLst>
+        </pc:spChg>
+        <pc:spChg chg="del">
+          <ac:chgData name="Fatima Pillosu" userId="a6295d4dc9e22643" providerId="LiveId" clId="{DF154678-E0A5-48FB-B6DF-E48304D50AE0}" dt="2024-01-05T10:08:43.979" v="112" actId="478"/>
+          <ac:spMkLst>
+            <pc:docMk/>
+            <pc:sldMk cId="336586564" sldId="258"/>
+            <ac:spMk id="3" creationId="{2ADFE8D1-A415-395E-59E7-79D6761F94AA}"/>
+          </ac:spMkLst>
+        </pc:spChg>
+        <pc:picChg chg="add del mod modCrop">
+          <ac:chgData name="Fatima Pillosu" userId="a6295d4dc9e22643" providerId="LiveId" clId="{DF154678-E0A5-48FB-B6DF-E48304D50AE0}" dt="2024-01-05T10:09:55.343" v="128" actId="21"/>
+          <ac:picMkLst>
+            <pc:docMk/>
+            <pc:sldMk cId="336586564" sldId="258"/>
+            <ac:picMk id="4" creationId="{DAB84AF9-34F6-3C7E-2E15-2D4474C50E75}"/>
+          </ac:picMkLst>
+        </pc:picChg>
+        <pc:picChg chg="add del mod modCrop">
+          <ac:chgData name="Fatima Pillosu" userId="a6295d4dc9e22643" providerId="LiveId" clId="{DF154678-E0A5-48FB-B6DF-E48304D50AE0}" dt="2024-01-05T10:09:55.343" v="128" actId="21"/>
+          <ac:picMkLst>
+            <pc:docMk/>
+            <pc:sldMk cId="336586564" sldId="258"/>
+            <ac:picMk id="5" creationId="{83672885-4613-D9F9-C4B5-52DB7BB6A353}"/>
+          </ac:picMkLst>
+        </pc:picChg>
+        <pc:picChg chg="add del mod modCrop">
+          <ac:chgData name="Fatima Pillosu" userId="a6295d4dc9e22643" providerId="LiveId" clId="{DF154678-E0A5-48FB-B6DF-E48304D50AE0}" dt="2024-01-05T10:09:55.343" v="128" actId="21"/>
+          <ac:picMkLst>
+            <pc:docMk/>
+            <pc:sldMk cId="336586564" sldId="258"/>
+            <ac:picMk id="6" creationId="{D95A0495-B40F-F239-D17C-A76CC39AA117}"/>
+          </ac:picMkLst>
+        </pc:picChg>
+        <pc:picChg chg="add del mod">
+          <ac:chgData name="Fatima Pillosu" userId="a6295d4dc9e22643" providerId="LiveId" clId="{DF154678-E0A5-48FB-B6DF-E48304D50AE0}" dt="2024-01-05T10:13:41.382" v="161" actId="478"/>
+          <ac:picMkLst>
+            <pc:docMk/>
+            <pc:sldMk cId="336586564" sldId="258"/>
+            <ac:picMk id="7" creationId="{F6BA881A-9AC5-21C9-34EC-260B81DB315B}"/>
+          </ac:picMkLst>
+        </pc:picChg>
+        <pc:picChg chg="add del mod">
+          <ac:chgData name="Fatima Pillosu" userId="a6295d4dc9e22643" providerId="LiveId" clId="{DF154678-E0A5-48FB-B6DF-E48304D50AE0}" dt="2024-01-05T10:13:40.783" v="160" actId="478"/>
+          <ac:picMkLst>
+            <pc:docMk/>
+            <pc:sldMk cId="336586564" sldId="258"/>
+            <ac:picMk id="8" creationId="{120506DC-FA8B-95FA-15A2-D7A9FE4584D3}"/>
+          </ac:picMkLst>
+        </pc:picChg>
+        <pc:picChg chg="add del mod modCrop">
+          <ac:chgData name="Fatima Pillosu" userId="a6295d4dc9e22643" providerId="LiveId" clId="{DF154678-E0A5-48FB-B6DF-E48304D50AE0}" dt="2024-01-05T10:13:40.111" v="159" actId="478"/>
+          <ac:picMkLst>
+            <pc:docMk/>
+            <pc:sldMk cId="336586564" sldId="258"/>
+            <ac:picMk id="9" creationId="{D47B5982-9DCC-7DD0-E613-6CD1A1AE7F94}"/>
+          </ac:picMkLst>
+        </pc:picChg>
+      </pc:sldChg>
+    </pc:docChg>
+  </pc:docChgLst>
   <pc:docChgLst>
     <pc:chgData name="Fatima Pillosu" userId="a6295d4dc9e22643" providerId="LiveId" clId="{7F8EC0BD-3197-4221-A0D0-BDDD66987831}"/>
     <pc:docChg chg="custSel modSld">
@@ -625,8 +2912,8 @@
         </p:nvSpPr>
         <p:spPr>
           <a:xfrm>
-            <a:off x="514350" y="1172506"/>
-            <a:ext cx="5829300" cy="2494268"/>
+            <a:off x="514350" y="1178222"/>
+            <a:ext cx="5829300" cy="2506427"/>
           </a:xfrm>
         </p:spPr>
         <p:txBody>
@@ -657,8 +2944,8 @@
         </p:nvSpPr>
         <p:spPr>
           <a:xfrm>
-            <a:off x="857250" y="3762963"/>
-            <a:ext cx="5143500" cy="1729735"/>
+            <a:off x="857250" y="3781306"/>
+            <a:ext cx="5143500" cy="1738167"/>
           </a:xfrm>
         </p:spPr>
         <p:txBody>
@@ -727,7 +3014,7 @@
           <a:p>
             <a:fld id="{0848591D-C236-4355-B393-0D10ED842594}" type="datetimeFigureOut">
               <a:rPr lang="en-GB" smtClean="0"/>
-              <a:t>21/12/2023</a:t>
+              <a:t>05/01/2024</a:t>
             </a:fld>
             <a:endParaRPr lang="en-GB"/>
           </a:p>
@@ -778,7 +3065,7 @@
     </p:spTree>
     <p:extLst>
       <p:ext uri="{BB962C8B-B14F-4D97-AF65-F5344CB8AC3E}">
-        <p14:creationId xmlns:p14="http://schemas.microsoft.com/office/powerpoint/2010/main" val="3512616817"/>
+        <p14:creationId xmlns:p14="http://schemas.microsoft.com/office/powerpoint/2010/main" val="419453106"/>
       </p:ext>
     </p:extLst>
   </p:cSld>
@@ -897,7 +3184,7 @@
           <a:p>
             <a:fld id="{0848591D-C236-4355-B393-0D10ED842594}" type="datetimeFigureOut">
               <a:rPr lang="en-GB" smtClean="0"/>
-              <a:t>21/12/2023</a:t>
+              <a:t>05/01/2024</a:t>
             </a:fld>
             <a:endParaRPr lang="en-GB"/>
           </a:p>
@@ -948,7 +3235,7 @@
     </p:spTree>
     <p:extLst>
       <p:ext uri="{BB962C8B-B14F-4D97-AF65-F5344CB8AC3E}">
-        <p14:creationId xmlns:p14="http://schemas.microsoft.com/office/powerpoint/2010/main" val="3955515498"/>
+        <p14:creationId xmlns:p14="http://schemas.microsoft.com/office/powerpoint/2010/main" val="1071742734"/>
       </p:ext>
     </p:extLst>
   </p:cSld>
@@ -987,8 +3274,8 @@
         </p:nvSpPr>
         <p:spPr>
           <a:xfrm>
-            <a:off x="4907757" y="381437"/>
-            <a:ext cx="1478756" cy="6071488"/>
+            <a:off x="4907757" y="383297"/>
+            <a:ext cx="1478756" cy="6101085"/>
           </a:xfrm>
         </p:spPr>
         <p:txBody>
@@ -1015,8 +3302,8 @@
         </p:nvSpPr>
         <p:spPr>
           <a:xfrm>
-            <a:off x="471488" y="381437"/>
-            <a:ext cx="4350544" cy="6071488"/>
+            <a:off x="471488" y="383297"/>
+            <a:ext cx="4350544" cy="6101085"/>
           </a:xfrm>
         </p:spPr>
         <p:txBody>
@@ -1077,7 +3364,7 @@
           <a:p>
             <a:fld id="{0848591D-C236-4355-B393-0D10ED842594}" type="datetimeFigureOut">
               <a:rPr lang="en-GB" smtClean="0"/>
-              <a:t>21/12/2023</a:t>
+              <a:t>05/01/2024</a:t>
             </a:fld>
             <a:endParaRPr lang="en-GB"/>
           </a:p>
@@ -1128,7 +3415,7 @@
     </p:spTree>
     <p:extLst>
       <p:ext uri="{BB962C8B-B14F-4D97-AF65-F5344CB8AC3E}">
-        <p14:creationId xmlns:p14="http://schemas.microsoft.com/office/powerpoint/2010/main" val="3278779959"/>
+        <p14:creationId xmlns:p14="http://schemas.microsoft.com/office/powerpoint/2010/main" val="555693280"/>
       </p:ext>
     </p:extLst>
   </p:cSld>
@@ -1247,7 +3534,7 @@
           <a:p>
             <a:fld id="{0848591D-C236-4355-B393-0D10ED842594}" type="datetimeFigureOut">
               <a:rPr lang="en-GB" smtClean="0"/>
-              <a:t>21/12/2023</a:t>
+              <a:t>05/01/2024</a:t>
             </a:fld>
             <a:endParaRPr lang="en-GB"/>
           </a:p>
@@ -1298,7 +3585,7 @@
     </p:spTree>
     <p:extLst>
       <p:ext uri="{BB962C8B-B14F-4D97-AF65-F5344CB8AC3E}">
-        <p14:creationId xmlns:p14="http://schemas.microsoft.com/office/powerpoint/2010/main" val="1579100312"/>
+        <p14:creationId xmlns:p14="http://schemas.microsoft.com/office/powerpoint/2010/main" val="3308549921"/>
       </p:ext>
     </p:extLst>
   </p:cSld>
@@ -1337,8 +3624,8 @@
         </p:nvSpPr>
         <p:spPr>
           <a:xfrm>
-            <a:off x="467916" y="1786124"/>
-            <a:ext cx="5915025" cy="2980186"/>
+            <a:off x="467916" y="1794831"/>
+            <a:ext cx="5915025" cy="2994714"/>
           </a:xfrm>
         </p:spPr>
         <p:txBody>
@@ -1369,8 +3656,8 @@
         </p:nvSpPr>
         <p:spPr>
           <a:xfrm>
-            <a:off x="467916" y="4794504"/>
-            <a:ext cx="5915025" cy="1567209"/>
+            <a:off x="467916" y="4817876"/>
+            <a:ext cx="5915025" cy="1574849"/>
           </a:xfrm>
         </p:spPr>
         <p:txBody>
@@ -1491,7 +3778,7 @@
           <a:p>
             <a:fld id="{0848591D-C236-4355-B393-0D10ED842594}" type="datetimeFigureOut">
               <a:rPr lang="en-GB" smtClean="0"/>
-              <a:t>21/12/2023</a:t>
+              <a:t>05/01/2024</a:t>
             </a:fld>
             <a:endParaRPr lang="en-GB"/>
           </a:p>
@@ -1542,7 +3829,7 @@
     </p:spTree>
     <p:extLst>
       <p:ext uri="{BB962C8B-B14F-4D97-AF65-F5344CB8AC3E}">
-        <p14:creationId xmlns:p14="http://schemas.microsoft.com/office/powerpoint/2010/main" val="1528381297"/>
+        <p14:creationId xmlns:p14="http://schemas.microsoft.com/office/powerpoint/2010/main" val="2501824371"/>
       </p:ext>
     </p:extLst>
   </p:cSld>
@@ -1604,8 +3891,8 @@
         </p:nvSpPr>
         <p:spPr>
           <a:xfrm>
-            <a:off x="471488" y="1907187"/>
-            <a:ext cx="2914650" cy="4545738"/>
+            <a:off x="471488" y="1916484"/>
+            <a:ext cx="2914650" cy="4567898"/>
           </a:xfrm>
         </p:spPr>
         <p:txBody>
@@ -1661,8 +3948,8 @@
         </p:nvSpPr>
         <p:spPr>
           <a:xfrm>
-            <a:off x="3471863" y="1907187"/>
-            <a:ext cx="2914650" cy="4545738"/>
+            <a:off x="3471863" y="1916484"/>
+            <a:ext cx="2914650" cy="4567898"/>
           </a:xfrm>
         </p:spPr>
         <p:txBody>
@@ -1723,7 +4010,7 @@
           <a:p>
             <a:fld id="{0848591D-C236-4355-B393-0D10ED842594}" type="datetimeFigureOut">
               <a:rPr lang="en-GB" smtClean="0"/>
-              <a:t>21/12/2023</a:t>
+              <a:t>05/01/2024</a:t>
             </a:fld>
             <a:endParaRPr lang="en-GB"/>
           </a:p>
@@ -1774,7 +4061,7 @@
     </p:spTree>
     <p:extLst>
       <p:ext uri="{BB962C8B-B14F-4D97-AF65-F5344CB8AC3E}">
-        <p14:creationId xmlns:p14="http://schemas.microsoft.com/office/powerpoint/2010/main" val="1879678905"/>
+        <p14:creationId xmlns:p14="http://schemas.microsoft.com/office/powerpoint/2010/main" val="993508104"/>
       </p:ext>
     </p:extLst>
   </p:cSld>
@@ -1813,8 +4100,8 @@
         </p:nvSpPr>
         <p:spPr>
           <a:xfrm>
-            <a:off x="472381" y="381439"/>
-            <a:ext cx="5915025" cy="1384784"/>
+            <a:off x="472381" y="383299"/>
+            <a:ext cx="5915025" cy="1391534"/>
           </a:xfrm>
         </p:spPr>
         <p:txBody>
@@ -1841,8 +4128,8 @@
         </p:nvSpPr>
         <p:spPr>
           <a:xfrm>
-            <a:off x="472381" y="1756271"/>
-            <a:ext cx="2901255" cy="860721"/>
+            <a:off x="472381" y="1764832"/>
+            <a:ext cx="2901255" cy="864917"/>
           </a:xfrm>
         </p:spPr>
         <p:txBody>
@@ -1906,8 +4193,8 @@
         </p:nvSpPr>
         <p:spPr>
           <a:xfrm>
-            <a:off x="472381" y="2616992"/>
-            <a:ext cx="2901255" cy="3849201"/>
+            <a:off x="472381" y="2629749"/>
+            <a:ext cx="2901255" cy="3867965"/>
           </a:xfrm>
         </p:spPr>
         <p:txBody>
@@ -1963,8 +4250,8 @@
         </p:nvSpPr>
         <p:spPr>
           <a:xfrm>
-            <a:off x="3471863" y="1756271"/>
-            <a:ext cx="2915543" cy="860721"/>
+            <a:off x="3471863" y="1764832"/>
+            <a:ext cx="2915543" cy="864917"/>
           </a:xfrm>
         </p:spPr>
         <p:txBody>
@@ -2028,8 +4315,8 @@
         </p:nvSpPr>
         <p:spPr>
           <a:xfrm>
-            <a:off x="3471863" y="2616992"/>
-            <a:ext cx="2915543" cy="3849201"/>
+            <a:off x="3471863" y="2629749"/>
+            <a:ext cx="2915543" cy="3867965"/>
           </a:xfrm>
         </p:spPr>
         <p:txBody>
@@ -2090,7 +4377,7 @@
           <a:p>
             <a:fld id="{0848591D-C236-4355-B393-0D10ED842594}" type="datetimeFigureOut">
               <a:rPr lang="en-GB" smtClean="0"/>
-              <a:t>21/12/2023</a:t>
+              <a:t>05/01/2024</a:t>
             </a:fld>
             <a:endParaRPr lang="en-GB"/>
           </a:p>
@@ -2141,7 +4428,7 @@
     </p:spTree>
     <p:extLst>
       <p:ext uri="{BB962C8B-B14F-4D97-AF65-F5344CB8AC3E}">
-        <p14:creationId xmlns:p14="http://schemas.microsoft.com/office/powerpoint/2010/main" val="1952780447"/>
+        <p14:creationId xmlns:p14="http://schemas.microsoft.com/office/powerpoint/2010/main" val="3966464024"/>
       </p:ext>
     </p:extLst>
   </p:cSld>
@@ -2208,7 +4495,7 @@
           <a:p>
             <a:fld id="{0848591D-C236-4355-B393-0D10ED842594}" type="datetimeFigureOut">
               <a:rPr lang="en-GB" smtClean="0"/>
-              <a:t>21/12/2023</a:t>
+              <a:t>05/01/2024</a:t>
             </a:fld>
             <a:endParaRPr lang="en-GB"/>
           </a:p>
@@ -2259,7 +4546,7 @@
     </p:spTree>
     <p:extLst>
       <p:ext uri="{BB962C8B-B14F-4D97-AF65-F5344CB8AC3E}">
-        <p14:creationId xmlns:p14="http://schemas.microsoft.com/office/powerpoint/2010/main" val="1300126073"/>
+        <p14:creationId xmlns:p14="http://schemas.microsoft.com/office/powerpoint/2010/main" val="517970575"/>
       </p:ext>
     </p:extLst>
   </p:cSld>
@@ -2303,7 +4590,7 @@
           <a:p>
             <a:fld id="{0848591D-C236-4355-B393-0D10ED842594}" type="datetimeFigureOut">
               <a:rPr lang="en-GB" smtClean="0"/>
-              <a:t>21/12/2023</a:t>
+              <a:t>05/01/2024</a:t>
             </a:fld>
             <a:endParaRPr lang="en-GB"/>
           </a:p>
@@ -2354,7 +4641,7 @@
     </p:spTree>
     <p:extLst>
       <p:ext uri="{BB962C8B-B14F-4D97-AF65-F5344CB8AC3E}">
-        <p14:creationId xmlns:p14="http://schemas.microsoft.com/office/powerpoint/2010/main" val="895562243"/>
+        <p14:creationId xmlns:p14="http://schemas.microsoft.com/office/powerpoint/2010/main" val="3838916089"/>
       </p:ext>
     </p:extLst>
   </p:cSld>
@@ -2393,8 +4680,8 @@
         </p:nvSpPr>
         <p:spPr>
           <a:xfrm>
-            <a:off x="472381" y="477626"/>
-            <a:ext cx="2211884" cy="1671691"/>
+            <a:off x="472381" y="479954"/>
+            <a:ext cx="2211884" cy="1679840"/>
           </a:xfrm>
         </p:spPr>
         <p:txBody>
@@ -2425,8 +4712,8 @@
         </p:nvSpPr>
         <p:spPr>
           <a:xfrm>
-            <a:off x="2915543" y="1031541"/>
-            <a:ext cx="3471863" cy="5091359"/>
+            <a:off x="2915543" y="1036570"/>
+            <a:ext cx="3471863" cy="5116178"/>
           </a:xfrm>
         </p:spPr>
         <p:txBody>
@@ -2510,8 +4797,8 @@
         </p:nvSpPr>
         <p:spPr>
           <a:xfrm>
-            <a:off x="472381" y="2149316"/>
-            <a:ext cx="2211884" cy="3981875"/>
+            <a:off x="472381" y="2159794"/>
+            <a:ext cx="2211884" cy="4001285"/>
           </a:xfrm>
         </p:spPr>
         <p:txBody>
@@ -2580,7 +4867,7 @@
           <a:p>
             <a:fld id="{0848591D-C236-4355-B393-0D10ED842594}" type="datetimeFigureOut">
               <a:rPr lang="en-GB" smtClean="0"/>
-              <a:t>21/12/2023</a:t>
+              <a:t>05/01/2024</a:t>
             </a:fld>
             <a:endParaRPr lang="en-GB"/>
           </a:p>
@@ -2631,7 +4918,7 @@
     </p:spTree>
     <p:extLst>
       <p:ext uri="{BB962C8B-B14F-4D97-AF65-F5344CB8AC3E}">
-        <p14:creationId xmlns:p14="http://schemas.microsoft.com/office/powerpoint/2010/main" val="1415092750"/>
+        <p14:creationId xmlns:p14="http://schemas.microsoft.com/office/powerpoint/2010/main" val="609922594"/>
       </p:ext>
     </p:extLst>
   </p:cSld>
@@ -2670,8 +4957,8 @@
         </p:nvSpPr>
         <p:spPr>
           <a:xfrm>
-            <a:off x="472381" y="477626"/>
-            <a:ext cx="2211884" cy="1671691"/>
+            <a:off x="472381" y="479954"/>
+            <a:ext cx="2211884" cy="1679840"/>
           </a:xfrm>
         </p:spPr>
         <p:txBody>
@@ -2702,8 +4989,8 @@
         </p:nvSpPr>
         <p:spPr>
           <a:xfrm>
-            <a:off x="2915543" y="1031541"/>
-            <a:ext cx="3471863" cy="5091359"/>
+            <a:off x="2915543" y="1036570"/>
+            <a:ext cx="3471863" cy="5116178"/>
           </a:xfrm>
         </p:spPr>
         <p:txBody>
@@ -2767,8 +5054,8 @@
         </p:nvSpPr>
         <p:spPr>
           <a:xfrm>
-            <a:off x="472381" y="2149316"/>
-            <a:ext cx="2211884" cy="3981875"/>
+            <a:off x="472381" y="2159794"/>
+            <a:ext cx="2211884" cy="4001285"/>
           </a:xfrm>
         </p:spPr>
         <p:txBody>
@@ -2837,7 +5124,7 @@
           <a:p>
             <a:fld id="{0848591D-C236-4355-B393-0D10ED842594}" type="datetimeFigureOut">
               <a:rPr lang="en-GB" smtClean="0"/>
-              <a:t>21/12/2023</a:t>
+              <a:t>05/01/2024</a:t>
             </a:fld>
             <a:endParaRPr lang="en-GB"/>
           </a:p>
@@ -2888,7 +5175,7 @@
     </p:spTree>
     <p:extLst>
       <p:ext uri="{BB962C8B-B14F-4D97-AF65-F5344CB8AC3E}">
-        <p14:creationId xmlns:p14="http://schemas.microsoft.com/office/powerpoint/2010/main" val="352198147"/>
+        <p14:creationId xmlns:p14="http://schemas.microsoft.com/office/powerpoint/2010/main" val="4129006753"/>
       </p:ext>
     </p:extLst>
   </p:cSld>
@@ -2932,8 +5219,8 @@
         </p:nvSpPr>
         <p:spPr>
           <a:xfrm>
-            <a:off x="471488" y="381439"/>
-            <a:ext cx="5915025" cy="1384784"/>
+            <a:off x="471488" y="383299"/>
+            <a:ext cx="5915025" cy="1391534"/>
           </a:xfrm>
           <a:prstGeom prst="rect">
             <a:avLst/>
@@ -2965,8 +5252,8 @@
         </p:nvSpPr>
         <p:spPr>
           <a:xfrm>
-            <a:off x="471488" y="1907187"/>
-            <a:ext cx="5915025" cy="4545738"/>
+            <a:off x="471488" y="1916484"/>
+            <a:ext cx="5915025" cy="4567898"/>
           </a:xfrm>
           <a:prstGeom prst="rect">
             <a:avLst/>
@@ -3027,8 +5314,8 @@
         </p:nvSpPr>
         <p:spPr>
           <a:xfrm>
-            <a:off x="471488" y="6640328"/>
-            <a:ext cx="1543050" cy="381437"/>
+            <a:off x="471488" y="6672698"/>
+            <a:ext cx="1543050" cy="383297"/>
           </a:xfrm>
           <a:prstGeom prst="rect">
             <a:avLst/>
@@ -3050,7 +5337,7 @@
           <a:p>
             <a:fld id="{0848591D-C236-4355-B393-0D10ED842594}" type="datetimeFigureOut">
               <a:rPr lang="en-GB" smtClean="0"/>
-              <a:t>21/12/2023</a:t>
+              <a:t>05/01/2024</a:t>
             </a:fld>
             <a:endParaRPr lang="en-GB"/>
           </a:p>
@@ -3068,8 +5355,8 @@
         </p:nvSpPr>
         <p:spPr>
           <a:xfrm>
-            <a:off x="2271713" y="6640328"/>
-            <a:ext cx="2314575" cy="381437"/>
+            <a:off x="2271713" y="6672698"/>
+            <a:ext cx="2314575" cy="383297"/>
           </a:xfrm>
           <a:prstGeom prst="rect">
             <a:avLst/>
@@ -3105,8 +5392,8 @@
         </p:nvSpPr>
         <p:spPr>
           <a:xfrm>
-            <a:off x="4843463" y="6640328"/>
-            <a:ext cx="1543050" cy="381437"/>
+            <a:off x="4843463" y="6672698"/>
+            <a:ext cx="1543050" cy="383297"/>
           </a:xfrm>
           <a:prstGeom prst="rect">
             <a:avLst/>
@@ -3137,23 +5424,23 @@
     </p:spTree>
     <p:extLst>
       <p:ext uri="{BB962C8B-B14F-4D97-AF65-F5344CB8AC3E}">
-        <p14:creationId xmlns:p14="http://schemas.microsoft.com/office/powerpoint/2010/main" val="1034338883"/>
+        <p14:creationId xmlns:p14="http://schemas.microsoft.com/office/powerpoint/2010/main" val="1258050776"/>
       </p:ext>
     </p:extLst>
   </p:cSld>
   <p:clrMap bg1="lt1" tx1="dk1" bg2="lt2" tx2="dk2" accent1="accent1" accent2="accent2" accent3="accent3" accent4="accent4" accent5="accent5" accent6="accent6" hlink="hlink" folHlink="folHlink"/>
   <p:sldLayoutIdLst>
-    <p:sldLayoutId id="2147483709" r:id="rId1"/>
-    <p:sldLayoutId id="2147483710" r:id="rId2"/>
-    <p:sldLayoutId id="2147483711" r:id="rId3"/>
-    <p:sldLayoutId id="2147483712" r:id="rId4"/>
-    <p:sldLayoutId id="2147483713" r:id="rId5"/>
-    <p:sldLayoutId id="2147483714" r:id="rId6"/>
-    <p:sldLayoutId id="2147483715" r:id="rId7"/>
-    <p:sldLayoutId id="2147483716" r:id="rId8"/>
-    <p:sldLayoutId id="2147483717" r:id="rId9"/>
-    <p:sldLayoutId id="2147483718" r:id="rId10"/>
-    <p:sldLayoutId id="2147483719" r:id="rId11"/>
+    <p:sldLayoutId id="2147483733" r:id="rId1"/>
+    <p:sldLayoutId id="2147483734" r:id="rId2"/>
+    <p:sldLayoutId id="2147483735" r:id="rId3"/>
+    <p:sldLayoutId id="2147483736" r:id="rId4"/>
+    <p:sldLayoutId id="2147483737" r:id="rId5"/>
+    <p:sldLayoutId id="2147483738" r:id="rId6"/>
+    <p:sldLayoutId id="2147483739" r:id="rId7"/>
+    <p:sldLayoutId id="2147483740" r:id="rId8"/>
+    <p:sldLayoutId id="2147483741" r:id="rId9"/>
+    <p:sldLayoutId id="2147483742" r:id="rId10"/>
+    <p:sldLayoutId id="2147483743" r:id="rId11"/>
   </p:sldLayoutIdLst>
   <p:txStyles>
     <p:titleStyle>
@@ -3455,12 +5742,520 @@
           <a:chExt cx="0" cy="0"/>
         </a:xfrm>
       </p:grpSpPr>
+      <p:sp>
+        <p:nvSpPr>
+          <p:cNvPr id="185" name="TextBox 184">
+            <a:extLst>
+              <a:ext uri="{FF2B5EF4-FFF2-40B4-BE49-F238E27FC236}">
+                <a16:creationId xmlns:a16="http://schemas.microsoft.com/office/drawing/2014/main" id="{476F2D46-97BC-0FAF-A37B-72A4EBBD4323}"/>
+              </a:ext>
+            </a:extLst>
+          </p:cNvPr>
+          <p:cNvSpPr txBox="1"/>
+          <p:nvPr/>
+        </p:nvSpPr>
+        <p:spPr>
+          <a:xfrm>
+            <a:off x="718136" y="27652"/>
+            <a:ext cx="1790164" cy="246220"/>
+          </a:xfrm>
+          <a:prstGeom prst="rect">
+            <a:avLst/>
+          </a:prstGeom>
+          <a:noFill/>
+          <a:ln w="3175">
+            <a:solidFill>
+              <a:schemeClr val="tx1">
+                <a:lumMod val="65000"/>
+                <a:lumOff val="35000"/>
+              </a:schemeClr>
+            </a:solidFill>
+          </a:ln>
+        </p:spPr>
+        <p:txBody>
+          <a:bodyPr wrap="square" rtlCol="0">
+            <a:spAutoFit/>
+          </a:bodyPr>
+          <a:lstStyle/>
+          <a:p>
+            <a:pPr algn="ctr"/>
+            <a:r>
+              <a:rPr lang="it-IT" sz="1000" dirty="0">
+                <a:solidFill>
+                  <a:schemeClr val="tx1">
+                    <a:lumMod val="65000"/>
+                    <a:lumOff val="35000"/>
+                  </a:schemeClr>
+                </a:solidFill>
+              </a:rPr>
+              <a:t>Reliability diagrams, t+24</a:t>
+            </a:r>
+            <a:endParaRPr lang="en-GB" sz="1000" dirty="0">
+              <a:solidFill>
+                <a:schemeClr val="tx1">
+                  <a:lumMod val="65000"/>
+                  <a:lumOff val="35000"/>
+                </a:schemeClr>
+              </a:solidFill>
+            </a:endParaRPr>
+          </a:p>
+        </p:txBody>
+      </p:sp>
+      <p:sp>
+        <p:nvSpPr>
+          <p:cNvPr id="186" name="TextBox 185">
+            <a:extLst>
+              <a:ext uri="{FF2B5EF4-FFF2-40B4-BE49-F238E27FC236}">
+                <a16:creationId xmlns:a16="http://schemas.microsoft.com/office/drawing/2014/main" id="{3D646FA3-2B64-9454-F9D9-F0D701ABC49E}"/>
+              </a:ext>
+            </a:extLst>
+          </p:cNvPr>
+          <p:cNvSpPr txBox="1"/>
+          <p:nvPr/>
+        </p:nvSpPr>
+        <p:spPr>
+          <a:xfrm>
+            <a:off x="2852809" y="27650"/>
+            <a:ext cx="1790164" cy="246221"/>
+          </a:xfrm>
+          <a:prstGeom prst="rect">
+            <a:avLst/>
+          </a:prstGeom>
+          <a:noFill/>
+          <a:ln w="3175">
+            <a:solidFill>
+              <a:schemeClr val="tx1">
+                <a:lumMod val="65000"/>
+                <a:lumOff val="35000"/>
+              </a:schemeClr>
+            </a:solidFill>
+          </a:ln>
+        </p:spPr>
+        <p:txBody>
+          <a:bodyPr wrap="square" rtlCol="0">
+            <a:spAutoFit/>
+          </a:bodyPr>
+          <a:lstStyle/>
+          <a:p>
+            <a:pPr algn="ctr"/>
+            <a:r>
+              <a:rPr lang="en-GB" sz="1000" dirty="0">
+                <a:solidFill>
+                  <a:schemeClr val="tx1">
+                    <a:lumMod val="65000"/>
+                    <a:lumOff val="35000"/>
+                  </a:schemeClr>
+                </a:solidFill>
+              </a:rPr>
+              <a:t>Sharpness diagrams, t+24</a:t>
+            </a:r>
+          </a:p>
+        </p:txBody>
+      </p:sp>
+      <p:sp>
+        <p:nvSpPr>
+          <p:cNvPr id="187" name="TextBox 186">
+            <a:extLst>
+              <a:ext uri="{FF2B5EF4-FFF2-40B4-BE49-F238E27FC236}">
+                <a16:creationId xmlns:a16="http://schemas.microsoft.com/office/drawing/2014/main" id="{EA0FED63-233F-4A52-B9BD-15B25EF1A5DC}"/>
+              </a:ext>
+            </a:extLst>
+          </p:cNvPr>
+          <p:cNvSpPr txBox="1"/>
+          <p:nvPr/>
+        </p:nvSpPr>
+        <p:spPr>
+          <a:xfrm>
+            <a:off x="4984262" y="27650"/>
+            <a:ext cx="1790164" cy="246221"/>
+          </a:xfrm>
+          <a:prstGeom prst="rect">
+            <a:avLst/>
+          </a:prstGeom>
+          <a:noFill/>
+          <a:ln w="3175">
+            <a:solidFill>
+              <a:schemeClr val="tx1">
+                <a:lumMod val="65000"/>
+                <a:lumOff val="35000"/>
+              </a:schemeClr>
+            </a:solidFill>
+          </a:ln>
+        </p:spPr>
+        <p:txBody>
+          <a:bodyPr wrap="square" rtlCol="0">
+            <a:spAutoFit/>
+          </a:bodyPr>
+          <a:lstStyle/>
+          <a:p>
+            <a:pPr algn="ctr"/>
+            <a:r>
+              <a:rPr lang="en-GB" sz="1000" dirty="0">
+                <a:solidFill>
+                  <a:schemeClr val="tx1">
+                    <a:lumMod val="65000"/>
+                    <a:lumOff val="35000"/>
+                  </a:schemeClr>
+                </a:solidFill>
+              </a:rPr>
+              <a:t>ROC curves, t+24</a:t>
+            </a:r>
+          </a:p>
+        </p:txBody>
+      </p:sp>
+      <p:sp>
+        <p:nvSpPr>
+          <p:cNvPr id="188" name="TextBox 187">
+            <a:extLst>
+              <a:ext uri="{FF2B5EF4-FFF2-40B4-BE49-F238E27FC236}">
+                <a16:creationId xmlns:a16="http://schemas.microsoft.com/office/drawing/2014/main" id="{A8BB8588-912D-7429-00AF-903DFC92D15C}"/>
+              </a:ext>
+            </a:extLst>
+          </p:cNvPr>
+          <p:cNvSpPr txBox="1"/>
+          <p:nvPr/>
+        </p:nvSpPr>
+        <p:spPr>
+          <a:xfrm>
+            <a:off x="718137" y="6994114"/>
+            <a:ext cx="1790164" cy="200055"/>
+          </a:xfrm>
+          <a:prstGeom prst="rect">
+            <a:avLst/>
+          </a:prstGeom>
+          <a:solidFill>
+            <a:schemeClr val="bg1"/>
+          </a:solidFill>
+          <a:ln w="3175">
+            <a:noFill/>
+          </a:ln>
+        </p:spPr>
+        <p:txBody>
+          <a:bodyPr wrap="square" rtlCol="0">
+            <a:spAutoFit/>
+          </a:bodyPr>
+          <a:lstStyle/>
+          <a:p>
+            <a:pPr algn="ctr"/>
+            <a:r>
+              <a:rPr lang="en-GB" sz="700" dirty="0">
+                <a:solidFill>
+                  <a:schemeClr val="tx1">
+                    <a:lumMod val="65000"/>
+                    <a:lumOff val="35000"/>
+                  </a:schemeClr>
+                </a:solidFill>
+              </a:rPr>
+              <a:t>Forecast probabilities</a:t>
+            </a:r>
+          </a:p>
+        </p:txBody>
+      </p:sp>
+      <p:sp>
+        <p:nvSpPr>
+          <p:cNvPr id="189" name="TextBox 188">
+            <a:extLst>
+              <a:ext uri="{FF2B5EF4-FFF2-40B4-BE49-F238E27FC236}">
+                <a16:creationId xmlns:a16="http://schemas.microsoft.com/office/drawing/2014/main" id="{0A994775-5B90-8ACF-9DA7-E5393215AB04}"/>
+              </a:ext>
+            </a:extLst>
+          </p:cNvPr>
+          <p:cNvSpPr txBox="1"/>
+          <p:nvPr/>
+        </p:nvSpPr>
+        <p:spPr>
+          <a:xfrm>
+            <a:off x="355159" y="5144547"/>
+            <a:ext cx="292388" cy="1789673"/>
+          </a:xfrm>
+          <a:prstGeom prst="rect">
+            <a:avLst/>
+          </a:prstGeom>
+          <a:solidFill>
+            <a:schemeClr val="bg1"/>
+          </a:solidFill>
+          <a:ln w="3175">
+            <a:noFill/>
+          </a:ln>
+        </p:spPr>
+        <p:txBody>
+          <a:bodyPr vert="vert270" wrap="square" rtlCol="0">
+            <a:spAutoFit/>
+          </a:bodyPr>
+          <a:lstStyle/>
+          <a:p>
+            <a:pPr algn="ctr"/>
+            <a:r>
+              <a:rPr lang="en-GB" sz="700" dirty="0">
+                <a:solidFill>
+                  <a:schemeClr val="tx1">
+                    <a:lumMod val="65000"/>
+                    <a:lumOff val="35000"/>
+                  </a:schemeClr>
+                </a:solidFill>
+              </a:rPr>
+              <a:t>Observation relative frequency</a:t>
+            </a:r>
+          </a:p>
+        </p:txBody>
+      </p:sp>
+      <p:sp>
+        <p:nvSpPr>
+          <p:cNvPr id="190" name="TextBox 189">
+            <a:extLst>
+              <a:ext uri="{FF2B5EF4-FFF2-40B4-BE49-F238E27FC236}">
+                <a16:creationId xmlns:a16="http://schemas.microsoft.com/office/drawing/2014/main" id="{83BE4493-1086-8D9E-285D-FD84E166AD29}"/>
+              </a:ext>
+            </a:extLst>
+          </p:cNvPr>
+          <p:cNvSpPr txBox="1"/>
+          <p:nvPr/>
+        </p:nvSpPr>
+        <p:spPr>
+          <a:xfrm>
+            <a:off x="13732" y="5144547"/>
+            <a:ext cx="338554" cy="1789673"/>
+          </a:xfrm>
+          <a:prstGeom prst="rect">
+            <a:avLst/>
+          </a:prstGeom>
+          <a:noFill/>
+          <a:ln w="3175">
+            <a:solidFill>
+              <a:schemeClr val="tx1">
+                <a:lumMod val="65000"/>
+                <a:lumOff val="35000"/>
+              </a:schemeClr>
+            </a:solidFill>
+          </a:ln>
+        </p:spPr>
+        <p:txBody>
+          <a:bodyPr vert="vert270" wrap="square" rtlCol="0">
+            <a:spAutoFit/>
+          </a:bodyPr>
+          <a:lstStyle/>
+          <a:p>
+            <a:pPr algn="ctr"/>
+            <a:r>
+              <a:rPr lang="it-IT" sz="1000" dirty="0">
+                <a:solidFill>
+                  <a:schemeClr val="tx1">
+                    <a:lumMod val="65000"/>
+                    <a:lumOff val="35000"/>
+                  </a:schemeClr>
+                </a:solidFill>
+              </a:rPr>
+              <a:t>VRT &gt;= 50 mm/12h</a:t>
+            </a:r>
+            <a:endParaRPr lang="en-GB" sz="1000" dirty="0">
+              <a:solidFill>
+                <a:schemeClr val="tx1">
+                  <a:lumMod val="65000"/>
+                  <a:lumOff val="35000"/>
+                </a:schemeClr>
+              </a:solidFill>
+            </a:endParaRPr>
+          </a:p>
+        </p:txBody>
+      </p:sp>
+      <p:sp>
+        <p:nvSpPr>
+          <p:cNvPr id="191" name="TextBox 190">
+            <a:extLst>
+              <a:ext uri="{FF2B5EF4-FFF2-40B4-BE49-F238E27FC236}">
+                <a16:creationId xmlns:a16="http://schemas.microsoft.com/office/drawing/2014/main" id="{DEB6D9BC-A2CD-B29C-7FA9-E4043D74E99E}"/>
+              </a:ext>
+            </a:extLst>
+          </p:cNvPr>
+          <p:cNvSpPr txBox="1"/>
+          <p:nvPr/>
+        </p:nvSpPr>
+        <p:spPr>
+          <a:xfrm>
+            <a:off x="715264" y="4851724"/>
+            <a:ext cx="1790164" cy="200055"/>
+          </a:xfrm>
+          <a:prstGeom prst="rect">
+            <a:avLst/>
+          </a:prstGeom>
+          <a:solidFill>
+            <a:schemeClr val="bg1"/>
+          </a:solidFill>
+          <a:ln w="3175">
+            <a:noFill/>
+          </a:ln>
+        </p:spPr>
+        <p:txBody>
+          <a:bodyPr wrap="square" rtlCol="0">
+            <a:spAutoFit/>
+          </a:bodyPr>
+          <a:lstStyle/>
+          <a:p>
+            <a:pPr algn="ctr"/>
+            <a:r>
+              <a:rPr lang="en-GB" sz="700" dirty="0">
+                <a:solidFill>
+                  <a:schemeClr val="tx1">
+                    <a:lumMod val="65000"/>
+                    <a:lumOff val="35000"/>
+                  </a:schemeClr>
+                </a:solidFill>
+              </a:rPr>
+              <a:t>Forecast probabilities</a:t>
+            </a:r>
+          </a:p>
+        </p:txBody>
+      </p:sp>
+      <p:sp>
+        <p:nvSpPr>
+          <p:cNvPr id="192" name="TextBox 191">
+            <a:extLst>
+              <a:ext uri="{FF2B5EF4-FFF2-40B4-BE49-F238E27FC236}">
+                <a16:creationId xmlns:a16="http://schemas.microsoft.com/office/drawing/2014/main" id="{7A8C4094-96C0-2762-CCFE-C37E329C7D05}"/>
+              </a:ext>
+            </a:extLst>
+          </p:cNvPr>
+          <p:cNvSpPr txBox="1"/>
+          <p:nvPr/>
+        </p:nvSpPr>
+        <p:spPr>
+          <a:xfrm>
+            <a:off x="352286" y="3002157"/>
+            <a:ext cx="292388" cy="1789673"/>
+          </a:xfrm>
+          <a:prstGeom prst="rect">
+            <a:avLst/>
+          </a:prstGeom>
+          <a:solidFill>
+            <a:schemeClr val="bg1"/>
+          </a:solidFill>
+          <a:ln w="3175">
+            <a:noFill/>
+          </a:ln>
+        </p:spPr>
+        <p:txBody>
+          <a:bodyPr vert="vert270" wrap="square" rtlCol="0">
+            <a:spAutoFit/>
+          </a:bodyPr>
+          <a:lstStyle/>
+          <a:p>
+            <a:pPr algn="ctr"/>
+            <a:r>
+              <a:rPr lang="en-GB" sz="700" dirty="0">
+                <a:solidFill>
+                  <a:schemeClr val="tx1">
+                    <a:lumMod val="65000"/>
+                    <a:lumOff val="35000"/>
+                  </a:schemeClr>
+                </a:solidFill>
+              </a:rPr>
+              <a:t>Observation relative frequency</a:t>
+            </a:r>
+          </a:p>
+        </p:txBody>
+      </p:sp>
+      <p:sp>
+        <p:nvSpPr>
+          <p:cNvPr id="193" name="TextBox 192">
+            <a:extLst>
+              <a:ext uri="{FF2B5EF4-FFF2-40B4-BE49-F238E27FC236}">
+                <a16:creationId xmlns:a16="http://schemas.microsoft.com/office/drawing/2014/main" id="{3569CBCE-34DC-9BB7-9CBF-0E3E357A2A41}"/>
+              </a:ext>
+            </a:extLst>
+          </p:cNvPr>
+          <p:cNvSpPr txBox="1"/>
+          <p:nvPr/>
+        </p:nvSpPr>
+        <p:spPr>
+          <a:xfrm>
+            <a:off x="715264" y="2719786"/>
+            <a:ext cx="1790164" cy="200055"/>
+          </a:xfrm>
+          <a:prstGeom prst="rect">
+            <a:avLst/>
+          </a:prstGeom>
+          <a:solidFill>
+            <a:schemeClr val="bg1"/>
+          </a:solidFill>
+          <a:ln w="3175">
+            <a:noFill/>
+          </a:ln>
+        </p:spPr>
+        <p:txBody>
+          <a:bodyPr wrap="square" rtlCol="0">
+            <a:spAutoFit/>
+          </a:bodyPr>
+          <a:lstStyle/>
+          <a:p>
+            <a:pPr algn="ctr"/>
+            <a:r>
+              <a:rPr lang="en-GB" sz="700" dirty="0">
+                <a:solidFill>
+                  <a:schemeClr val="tx1">
+                    <a:lumMod val="65000"/>
+                    <a:lumOff val="35000"/>
+                  </a:schemeClr>
+                </a:solidFill>
+              </a:rPr>
+              <a:t>Forecast probabilities</a:t>
+            </a:r>
+          </a:p>
+        </p:txBody>
+      </p:sp>
+      <p:sp>
+        <p:nvSpPr>
+          <p:cNvPr id="194" name="TextBox 193">
+            <a:extLst>
+              <a:ext uri="{FF2B5EF4-FFF2-40B4-BE49-F238E27FC236}">
+                <a16:creationId xmlns:a16="http://schemas.microsoft.com/office/drawing/2014/main" id="{7CBCD3C1-48A8-D287-C038-E5A7C55EBE45}"/>
+              </a:ext>
+            </a:extLst>
+          </p:cNvPr>
+          <p:cNvSpPr txBox="1"/>
+          <p:nvPr/>
+        </p:nvSpPr>
+        <p:spPr>
+          <a:xfrm>
+            <a:off x="352286" y="870219"/>
+            <a:ext cx="292388" cy="1789673"/>
+          </a:xfrm>
+          <a:prstGeom prst="rect">
+            <a:avLst/>
+          </a:prstGeom>
+          <a:solidFill>
+            <a:schemeClr val="bg1"/>
+          </a:solidFill>
+          <a:ln w="3175">
+            <a:noFill/>
+          </a:ln>
+        </p:spPr>
+        <p:txBody>
+          <a:bodyPr vert="vert270" wrap="square" rtlCol="0">
+            <a:spAutoFit/>
+          </a:bodyPr>
+          <a:lstStyle/>
+          <a:p>
+            <a:pPr algn="ctr"/>
+            <a:r>
+              <a:rPr lang="en-GB" sz="700" dirty="0">
+                <a:solidFill>
+                  <a:schemeClr val="tx1">
+                    <a:lumMod val="65000"/>
+                    <a:lumOff val="35000"/>
+                  </a:schemeClr>
+                </a:solidFill>
+              </a:rPr>
+              <a:t>Observation relative frequency</a:t>
+            </a:r>
+          </a:p>
+        </p:txBody>
+      </p:sp>
       <p:pic>
         <p:nvPicPr>
-          <p:cNvPr id="25" name="Picture 24" descr="A diagram of a forecast graph&#10;&#10;Description automatically generated with medium confidence">
+          <p:cNvPr id="195" name="Picture 194" descr="A graph of a graph showing the difference between a number of different numbers&#10;&#10;Description automatically generated with medium confidence">
             <a:extLst>
               <a:ext uri="{FF2B5EF4-FFF2-40B4-BE49-F238E27FC236}">
-                <a16:creationId xmlns:a16="http://schemas.microsoft.com/office/drawing/2014/main" id="{24B5162B-8957-2D91-13AA-E4CE0470EB3F}"/>
+                <a16:creationId xmlns:a16="http://schemas.microsoft.com/office/drawing/2014/main" id="{19F4C657-66BE-CC6B-3635-47EE1BB2B01F}"/>
               </a:ext>
             </a:extLst>
           </p:cNvPr>
@@ -3477,13 +6272,13 @@
               </a:ext>
             </a:extLst>
           </a:blip>
-          <a:srcRect l="3582" t="1559" r="8159" b="3416"/>
+          <a:srcRect l="6338" t="10719" r="7842" b="7303"/>
           <a:stretch/>
         </p:blipFill>
         <p:spPr>
           <a:xfrm>
-            <a:off x="2332853" y="13772"/>
-            <a:ext cx="2160000" cy="2325592"/>
+            <a:off x="586740" y="870219"/>
+            <a:ext cx="1970670" cy="1882441"/>
           </a:xfrm>
           <a:prstGeom prst="rect">
             <a:avLst/>
@@ -3492,10 +6287,10 @@
       </p:pic>
       <p:pic>
         <p:nvPicPr>
-          <p:cNvPr id="26" name="Picture 25" descr="A graph of a curve&#10;&#10;Description automatically generated with medium confidence">
+          <p:cNvPr id="196" name="Picture 195" descr="A graph of a graph&#10;&#10;Description automatically generated with medium confidence">
             <a:extLst>
               <a:ext uri="{FF2B5EF4-FFF2-40B4-BE49-F238E27FC236}">
-                <a16:creationId xmlns:a16="http://schemas.microsoft.com/office/drawing/2014/main" id="{DDBEA4C0-9020-3169-C0DE-3943C9DB2DE8}"/>
+                <a16:creationId xmlns:a16="http://schemas.microsoft.com/office/drawing/2014/main" id="{B4FACC91-6B9A-1B04-D8F3-BA57C8AB37C4}"/>
               </a:ext>
             </a:extLst>
           </p:cNvPr>
@@ -3512,25 +6307,239 @@
               </a:ext>
             </a:extLst>
           </a:blip>
-          <a:srcRect l="2587" t="4113" r="7363" b="3416"/>
+          <a:srcRect l="6338" t="10719" r="7842" b="7076"/>
           <a:stretch/>
         </p:blipFill>
         <p:spPr>
           <a:xfrm>
-            <a:off x="0" y="4953000"/>
-            <a:ext cx="2160000" cy="2218077"/>
+            <a:off x="586740" y="3007383"/>
+            <a:ext cx="1970670" cy="1887667"/>
           </a:xfrm>
           <a:prstGeom prst="rect">
             <a:avLst/>
           </a:prstGeom>
         </p:spPr>
       </p:pic>
+      <p:sp>
+        <p:nvSpPr>
+          <p:cNvPr id="197" name="TextBox 196">
+            <a:extLst>
+              <a:ext uri="{FF2B5EF4-FFF2-40B4-BE49-F238E27FC236}">
+                <a16:creationId xmlns:a16="http://schemas.microsoft.com/office/drawing/2014/main" id="{63E413E0-979C-125E-B10D-5A74282B6FC4}"/>
+              </a:ext>
+            </a:extLst>
+          </p:cNvPr>
+          <p:cNvSpPr txBox="1"/>
+          <p:nvPr/>
+        </p:nvSpPr>
+        <p:spPr>
+          <a:xfrm>
+            <a:off x="13732" y="868815"/>
+            <a:ext cx="338554" cy="1789673"/>
+          </a:xfrm>
+          <a:prstGeom prst="rect">
+            <a:avLst/>
+          </a:prstGeom>
+          <a:noFill/>
+          <a:ln w="3175">
+            <a:solidFill>
+              <a:schemeClr val="tx1">
+                <a:lumMod val="65000"/>
+                <a:lumOff val="35000"/>
+              </a:schemeClr>
+            </a:solidFill>
+          </a:ln>
+        </p:spPr>
+        <p:txBody>
+          <a:bodyPr vert="vert270" wrap="square" rtlCol="0">
+            <a:spAutoFit/>
+          </a:bodyPr>
+          <a:lstStyle/>
+          <a:p>
+            <a:pPr algn="ctr"/>
+            <a:r>
+              <a:rPr lang="it-IT" sz="1000" dirty="0">
+                <a:solidFill>
+                  <a:schemeClr val="tx1">
+                    <a:lumMod val="65000"/>
+                    <a:lumOff val="35000"/>
+                  </a:schemeClr>
+                </a:solidFill>
+              </a:rPr>
+              <a:t>VRT &gt;= 0.2 mm/12h</a:t>
+            </a:r>
+            <a:endParaRPr lang="en-GB" sz="1000" dirty="0">
+              <a:solidFill>
+                <a:schemeClr val="tx1">
+                  <a:lumMod val="65000"/>
+                  <a:lumOff val="35000"/>
+                </a:schemeClr>
+              </a:solidFill>
+            </a:endParaRPr>
+          </a:p>
+        </p:txBody>
+      </p:sp>
+      <p:sp>
+        <p:nvSpPr>
+          <p:cNvPr id="198" name="TextBox 197">
+            <a:extLst>
+              <a:ext uri="{FF2B5EF4-FFF2-40B4-BE49-F238E27FC236}">
+                <a16:creationId xmlns:a16="http://schemas.microsoft.com/office/drawing/2014/main" id="{64CA9145-F81B-201C-C75F-6C4F4406B860}"/>
+              </a:ext>
+            </a:extLst>
+          </p:cNvPr>
+          <p:cNvSpPr txBox="1"/>
+          <p:nvPr/>
+        </p:nvSpPr>
+        <p:spPr>
+          <a:xfrm>
+            <a:off x="13732" y="3007383"/>
+            <a:ext cx="338554" cy="1789673"/>
+          </a:xfrm>
+          <a:prstGeom prst="rect">
+            <a:avLst/>
+          </a:prstGeom>
+          <a:noFill/>
+          <a:ln w="3175">
+            <a:solidFill>
+              <a:schemeClr val="tx1">
+                <a:lumMod val="65000"/>
+                <a:lumOff val="35000"/>
+              </a:schemeClr>
+            </a:solidFill>
+          </a:ln>
+        </p:spPr>
+        <p:txBody>
+          <a:bodyPr vert="vert270" wrap="square" rtlCol="0">
+            <a:spAutoFit/>
+          </a:bodyPr>
+          <a:lstStyle/>
+          <a:p>
+            <a:pPr algn="ctr"/>
+            <a:r>
+              <a:rPr lang="it-IT" sz="1000" dirty="0">
+                <a:solidFill>
+                  <a:schemeClr val="tx1">
+                    <a:lumMod val="65000"/>
+                    <a:lumOff val="35000"/>
+                  </a:schemeClr>
+                </a:solidFill>
+              </a:rPr>
+              <a:t>VRT &gt;= 10 mm/12h</a:t>
+            </a:r>
+            <a:endParaRPr lang="en-GB" sz="1000" dirty="0">
+              <a:solidFill>
+                <a:schemeClr val="tx1">
+                  <a:lumMod val="65000"/>
+                  <a:lumOff val="35000"/>
+                </a:schemeClr>
+              </a:solidFill>
+            </a:endParaRPr>
+          </a:p>
+        </p:txBody>
+      </p:sp>
+      <p:sp>
+        <p:nvSpPr>
+          <p:cNvPr id="199" name="TextBox 198">
+            <a:extLst>
+              <a:ext uri="{FF2B5EF4-FFF2-40B4-BE49-F238E27FC236}">
+                <a16:creationId xmlns:a16="http://schemas.microsoft.com/office/drawing/2014/main" id="{375101BE-42F8-9352-0E01-D18AD6596111}"/>
+              </a:ext>
+            </a:extLst>
+          </p:cNvPr>
+          <p:cNvSpPr txBox="1"/>
+          <p:nvPr/>
+        </p:nvSpPr>
+        <p:spPr>
+          <a:xfrm>
+            <a:off x="2853094" y="6994114"/>
+            <a:ext cx="1790164" cy="200055"/>
+          </a:xfrm>
+          <a:prstGeom prst="rect">
+            <a:avLst/>
+          </a:prstGeom>
+          <a:solidFill>
+            <a:schemeClr val="bg1"/>
+          </a:solidFill>
+          <a:ln w="3175">
+            <a:noFill/>
+          </a:ln>
+        </p:spPr>
+        <p:txBody>
+          <a:bodyPr wrap="square" rtlCol="0">
+            <a:spAutoFit/>
+          </a:bodyPr>
+          <a:lstStyle/>
+          <a:p>
+            <a:pPr algn="ctr"/>
+            <a:r>
+              <a:rPr lang="en-GB" sz="700" dirty="0">
+                <a:solidFill>
+                  <a:schemeClr val="tx1">
+                    <a:lumMod val="65000"/>
+                    <a:lumOff val="35000"/>
+                  </a:schemeClr>
+                </a:solidFill>
+              </a:rPr>
+              <a:t>Forecast probabilities</a:t>
+            </a:r>
+          </a:p>
+        </p:txBody>
+      </p:sp>
+      <p:sp>
+        <p:nvSpPr>
+          <p:cNvPr id="200" name="TextBox 199">
+            <a:extLst>
+              <a:ext uri="{FF2B5EF4-FFF2-40B4-BE49-F238E27FC236}">
+                <a16:creationId xmlns:a16="http://schemas.microsoft.com/office/drawing/2014/main" id="{23877BE8-0081-FA38-F460-AC7E6E7608C6}"/>
+              </a:ext>
+            </a:extLst>
+          </p:cNvPr>
+          <p:cNvSpPr txBox="1"/>
+          <p:nvPr/>
+        </p:nvSpPr>
+        <p:spPr>
+          <a:xfrm>
+            <a:off x="2520596" y="5144547"/>
+            <a:ext cx="292388" cy="1789673"/>
+          </a:xfrm>
+          <a:prstGeom prst="rect">
+            <a:avLst/>
+          </a:prstGeom>
+          <a:solidFill>
+            <a:schemeClr val="bg1"/>
+          </a:solidFill>
+          <a:ln w="3175">
+            <a:noFill/>
+          </a:ln>
+        </p:spPr>
+        <p:txBody>
+          <a:bodyPr vert="vert270" wrap="square" rtlCol="0">
+            <a:spAutoFit/>
+          </a:bodyPr>
+          <a:lstStyle/>
+          <a:p>
+            <a:pPr algn="ctr"/>
+            <a:r>
+              <a:rPr lang="en-GB" sz="700" dirty="0">
+                <a:solidFill>
+                  <a:schemeClr val="tx1">
+                    <a:lumMod val="65000"/>
+                    <a:lumOff val="35000"/>
+                  </a:schemeClr>
+                </a:solidFill>
+              </a:rPr>
+              <a:t>Forecast absolute frequency</a:t>
+            </a:r>
+          </a:p>
+        </p:txBody>
+      </p:sp>
       <p:pic>
         <p:nvPicPr>
-          <p:cNvPr id="27" name="Picture 26" descr="A graph of a curve&#10;&#10;Description automatically generated">
+          <p:cNvPr id="201" name="Picture 200" descr="A graph of a graph showing the number of sharpness&#10;&#10;Description automatically generated">
             <a:extLst>
               <a:ext uri="{FF2B5EF4-FFF2-40B4-BE49-F238E27FC236}">
-                <a16:creationId xmlns:a16="http://schemas.microsoft.com/office/drawing/2014/main" id="{33F889E1-8276-2EFA-AF82-C30456ACA6E9}"/>
+                <a16:creationId xmlns:a16="http://schemas.microsoft.com/office/drawing/2014/main" id="{BFB7DE10-941B-0E44-92CA-5DEEADA2ADE0}"/>
               </a:ext>
             </a:extLst>
           </p:cNvPr>
@@ -3547,13 +6556,13 @@
               </a:ext>
             </a:extLst>
           </a:blip>
-          <a:srcRect l="2587" t="4113" r="7363" b="3416"/>
+          <a:srcRect l="6338" t="10719" r="7842" b="7076"/>
           <a:stretch/>
         </p:blipFill>
         <p:spPr>
           <a:xfrm>
-            <a:off x="0" y="2501372"/>
-            <a:ext cx="2160000" cy="2218078"/>
+            <a:off x="2721697" y="5144547"/>
+            <a:ext cx="1970670" cy="1887667"/>
           </a:xfrm>
           <a:prstGeom prst="rect">
             <a:avLst/>
@@ -3562,10 +6571,10 @@
       </p:pic>
       <p:pic>
         <p:nvPicPr>
-          <p:cNvPr id="28" name="Picture 27" descr="A graph of a curve&#10;&#10;Description automatically generated">
+          <p:cNvPr id="202" name="Picture 201" descr="A graph of a graph&#10;&#10;Description automatically generated">
             <a:extLst>
               <a:ext uri="{FF2B5EF4-FFF2-40B4-BE49-F238E27FC236}">
-                <a16:creationId xmlns:a16="http://schemas.microsoft.com/office/drawing/2014/main" id="{2C00F4AB-600A-112C-8D7A-101D8309836D}"/>
+                <a16:creationId xmlns:a16="http://schemas.microsoft.com/office/drawing/2014/main" id="{DCAAF8EB-1DB7-8A2C-D556-79DEE4C33907}"/>
               </a:ext>
             </a:extLst>
           </p:cNvPr>
@@ -3582,25 +6591,217 @@
               </a:ext>
             </a:extLst>
           </a:blip>
-          <a:srcRect l="2587" t="4113" r="7363" b="3415"/>
+          <a:srcRect l="6338" t="10719" r="7842" b="7076"/>
           <a:stretch/>
         </p:blipFill>
         <p:spPr>
           <a:xfrm>
-            <a:off x="0" y="121287"/>
-            <a:ext cx="2160000" cy="2218077"/>
+            <a:off x="586740" y="5144547"/>
+            <a:ext cx="1970670" cy="1887667"/>
           </a:xfrm>
           <a:prstGeom prst="rect">
             <a:avLst/>
           </a:prstGeom>
         </p:spPr>
       </p:pic>
+      <p:sp>
+        <p:nvSpPr>
+          <p:cNvPr id="203" name="TextBox 202">
+            <a:extLst>
+              <a:ext uri="{FF2B5EF4-FFF2-40B4-BE49-F238E27FC236}">
+                <a16:creationId xmlns:a16="http://schemas.microsoft.com/office/drawing/2014/main" id="{ABF0154C-03A0-D305-9619-3B10F1D57FFB}"/>
+              </a:ext>
+            </a:extLst>
+          </p:cNvPr>
+          <p:cNvSpPr txBox="1"/>
+          <p:nvPr/>
+        </p:nvSpPr>
+        <p:spPr>
+          <a:xfrm>
+            <a:off x="2851964" y="4856950"/>
+            <a:ext cx="1790164" cy="200055"/>
+          </a:xfrm>
+          <a:prstGeom prst="rect">
+            <a:avLst/>
+          </a:prstGeom>
+          <a:solidFill>
+            <a:schemeClr val="bg1"/>
+          </a:solidFill>
+          <a:ln w="3175">
+            <a:noFill/>
+          </a:ln>
+        </p:spPr>
+        <p:txBody>
+          <a:bodyPr wrap="square" rtlCol="0">
+            <a:spAutoFit/>
+          </a:bodyPr>
+          <a:lstStyle/>
+          <a:p>
+            <a:pPr algn="ctr"/>
+            <a:r>
+              <a:rPr lang="en-GB" sz="700" dirty="0">
+                <a:solidFill>
+                  <a:schemeClr val="tx1">
+                    <a:lumMod val="65000"/>
+                    <a:lumOff val="35000"/>
+                  </a:schemeClr>
+                </a:solidFill>
+              </a:rPr>
+              <a:t>Forecast probabilities</a:t>
+            </a:r>
+          </a:p>
+        </p:txBody>
+      </p:sp>
+      <p:sp>
+        <p:nvSpPr>
+          <p:cNvPr id="204" name="TextBox 203">
+            <a:extLst>
+              <a:ext uri="{FF2B5EF4-FFF2-40B4-BE49-F238E27FC236}">
+                <a16:creationId xmlns:a16="http://schemas.microsoft.com/office/drawing/2014/main" id="{843F8FFD-B73A-14EF-0785-A7730EDD2928}"/>
+              </a:ext>
+            </a:extLst>
+          </p:cNvPr>
+          <p:cNvSpPr txBox="1"/>
+          <p:nvPr/>
+        </p:nvSpPr>
+        <p:spPr>
+          <a:xfrm>
+            <a:off x="2519466" y="3007383"/>
+            <a:ext cx="292388" cy="1789673"/>
+          </a:xfrm>
+          <a:prstGeom prst="rect">
+            <a:avLst/>
+          </a:prstGeom>
+          <a:solidFill>
+            <a:schemeClr val="bg1"/>
+          </a:solidFill>
+          <a:ln w="3175">
+            <a:noFill/>
+          </a:ln>
+        </p:spPr>
+        <p:txBody>
+          <a:bodyPr vert="vert270" wrap="square" rtlCol="0">
+            <a:spAutoFit/>
+          </a:bodyPr>
+          <a:lstStyle/>
+          <a:p>
+            <a:pPr algn="ctr"/>
+            <a:r>
+              <a:rPr lang="en-GB" sz="700" dirty="0">
+                <a:solidFill>
+                  <a:schemeClr val="tx1">
+                    <a:lumMod val="65000"/>
+                    <a:lumOff val="35000"/>
+                  </a:schemeClr>
+                </a:solidFill>
+              </a:rPr>
+              <a:t>Forecast absolute frequency</a:t>
+            </a:r>
+          </a:p>
+        </p:txBody>
+      </p:sp>
+      <p:sp>
+        <p:nvSpPr>
+          <p:cNvPr id="205" name="TextBox 204">
+            <a:extLst>
+              <a:ext uri="{FF2B5EF4-FFF2-40B4-BE49-F238E27FC236}">
+                <a16:creationId xmlns:a16="http://schemas.microsoft.com/office/drawing/2014/main" id="{C02F5BCA-92EA-E91D-F322-AD2AA67CFD06}"/>
+              </a:ext>
+            </a:extLst>
+          </p:cNvPr>
+          <p:cNvSpPr txBox="1"/>
+          <p:nvPr/>
+        </p:nvSpPr>
+        <p:spPr>
+          <a:xfrm>
+            <a:off x="2854040" y="2721860"/>
+            <a:ext cx="1790164" cy="200055"/>
+          </a:xfrm>
+          <a:prstGeom prst="rect">
+            <a:avLst/>
+          </a:prstGeom>
+          <a:solidFill>
+            <a:schemeClr val="bg1"/>
+          </a:solidFill>
+          <a:ln w="3175">
+            <a:noFill/>
+          </a:ln>
+        </p:spPr>
+        <p:txBody>
+          <a:bodyPr wrap="square" rtlCol="0">
+            <a:spAutoFit/>
+          </a:bodyPr>
+          <a:lstStyle/>
+          <a:p>
+            <a:pPr algn="ctr"/>
+            <a:r>
+              <a:rPr lang="en-GB" sz="700" dirty="0">
+                <a:solidFill>
+                  <a:schemeClr val="tx1">
+                    <a:lumMod val="65000"/>
+                    <a:lumOff val="35000"/>
+                  </a:schemeClr>
+                </a:solidFill>
+              </a:rPr>
+              <a:t>Forecast probabilities</a:t>
+            </a:r>
+          </a:p>
+        </p:txBody>
+      </p:sp>
+      <p:sp>
+        <p:nvSpPr>
+          <p:cNvPr id="206" name="TextBox 205">
+            <a:extLst>
+              <a:ext uri="{FF2B5EF4-FFF2-40B4-BE49-F238E27FC236}">
+                <a16:creationId xmlns:a16="http://schemas.microsoft.com/office/drawing/2014/main" id="{5325269D-2A2C-7CF3-C5EF-6820CB4BCD6C}"/>
+              </a:ext>
+            </a:extLst>
+          </p:cNvPr>
+          <p:cNvSpPr txBox="1"/>
+          <p:nvPr/>
+        </p:nvSpPr>
+        <p:spPr>
+          <a:xfrm>
+            <a:off x="2521542" y="872293"/>
+            <a:ext cx="292388" cy="1789673"/>
+          </a:xfrm>
+          <a:prstGeom prst="rect">
+            <a:avLst/>
+          </a:prstGeom>
+          <a:solidFill>
+            <a:schemeClr val="bg1"/>
+          </a:solidFill>
+          <a:ln w="3175">
+            <a:noFill/>
+          </a:ln>
+        </p:spPr>
+        <p:txBody>
+          <a:bodyPr vert="vert270" wrap="square" rtlCol="0">
+            <a:spAutoFit/>
+          </a:bodyPr>
+          <a:lstStyle/>
+          <a:p>
+            <a:pPr algn="ctr"/>
+            <a:r>
+              <a:rPr lang="en-GB" sz="700" dirty="0">
+                <a:solidFill>
+                  <a:schemeClr val="tx1">
+                    <a:lumMod val="65000"/>
+                    <a:lumOff val="35000"/>
+                  </a:schemeClr>
+                </a:solidFill>
+              </a:rPr>
+              <a:t>Forecast absolute frequency</a:t>
+            </a:r>
+          </a:p>
+        </p:txBody>
+      </p:sp>
       <p:pic>
         <p:nvPicPr>
-          <p:cNvPr id="29" name="Picture 28" descr="A diagram of a graph&#10;&#10;Description automatically generated">
+          <p:cNvPr id="207" name="Picture 206" descr="A graph of a graph showing the number of sharpness&#10;&#10;Description automatically generated">
             <a:extLst>
               <a:ext uri="{FF2B5EF4-FFF2-40B4-BE49-F238E27FC236}">
-                <a16:creationId xmlns:a16="http://schemas.microsoft.com/office/drawing/2014/main" id="{593ED3A5-6E68-D071-BF31-C928C57F371F}"/>
+                <a16:creationId xmlns:a16="http://schemas.microsoft.com/office/drawing/2014/main" id="{136C6B42-364F-22A9-4538-A06B71837C40}"/>
               </a:ext>
             </a:extLst>
           </p:cNvPr>
@@ -3617,13 +6818,13 @@
               </a:ext>
             </a:extLst>
           </a:blip>
-          <a:srcRect l="3582" t="1558" r="8159" b="4113"/>
+          <a:srcRect l="6338" t="10719" r="7842" b="7303"/>
           <a:stretch/>
         </p:blipFill>
         <p:spPr>
           <a:xfrm>
-            <a:off x="2332853" y="2410904"/>
-            <a:ext cx="2160000" cy="2308546"/>
+            <a:off x="2721697" y="870219"/>
+            <a:ext cx="1970670" cy="1882441"/>
           </a:xfrm>
           <a:prstGeom prst="rect">
             <a:avLst/>
@@ -3632,10 +6833,10 @@
       </p:pic>
       <p:pic>
         <p:nvPicPr>
-          <p:cNvPr id="30" name="Picture 29" descr="A diagram of a graph&#10;&#10;Description automatically generated">
+          <p:cNvPr id="208" name="Picture 207" descr="A graph of sharpness diagram&#10;&#10;Description automatically generated">
             <a:extLst>
               <a:ext uri="{FF2B5EF4-FFF2-40B4-BE49-F238E27FC236}">
-                <a16:creationId xmlns:a16="http://schemas.microsoft.com/office/drawing/2014/main" id="{58D80146-B54C-5255-4F9E-9F0ABB2E35B4}"/>
+                <a16:creationId xmlns:a16="http://schemas.microsoft.com/office/drawing/2014/main" id="{3AC485D8-4676-50AA-ACEE-E3BD88D84D8E}"/>
               </a:ext>
             </a:extLst>
           </p:cNvPr>
@@ -3652,25 +6853,121 @@
               </a:ext>
             </a:extLst>
           </a:blip>
-          <a:srcRect l="3582" t="1560" r="8159" b="4112"/>
+          <a:srcRect l="6338" t="10719" r="7842" b="7076"/>
           <a:stretch/>
         </p:blipFill>
         <p:spPr>
           <a:xfrm>
-            <a:off x="2332853" y="4862531"/>
-            <a:ext cx="2160000" cy="2308546"/>
+            <a:off x="2721697" y="3007383"/>
+            <a:ext cx="1970670" cy="1887667"/>
           </a:xfrm>
           <a:prstGeom prst="rect">
             <a:avLst/>
           </a:prstGeom>
         </p:spPr>
       </p:pic>
+      <p:sp>
+        <p:nvSpPr>
+          <p:cNvPr id="209" name="TextBox 208">
+            <a:extLst>
+              <a:ext uri="{FF2B5EF4-FFF2-40B4-BE49-F238E27FC236}">
+                <a16:creationId xmlns:a16="http://schemas.microsoft.com/office/drawing/2014/main" id="{675BD15A-BF62-D272-C205-EAE2704CE4AE}"/>
+              </a:ext>
+            </a:extLst>
+          </p:cNvPr>
+          <p:cNvSpPr txBox="1"/>
+          <p:nvPr/>
+        </p:nvSpPr>
+        <p:spPr>
+          <a:xfrm>
+            <a:off x="5035061" y="6994114"/>
+            <a:ext cx="1790164" cy="200055"/>
+          </a:xfrm>
+          <a:prstGeom prst="rect">
+            <a:avLst/>
+          </a:prstGeom>
+          <a:solidFill>
+            <a:schemeClr val="bg1"/>
+          </a:solidFill>
+          <a:ln w="3175">
+            <a:noFill/>
+          </a:ln>
+        </p:spPr>
+        <p:txBody>
+          <a:bodyPr wrap="square" rtlCol="0">
+            <a:spAutoFit/>
+          </a:bodyPr>
+          <a:lstStyle/>
+          <a:p>
+            <a:pPr algn="ctr"/>
+            <a:r>
+              <a:rPr lang="en-GB" sz="700" dirty="0">
+                <a:solidFill>
+                  <a:schemeClr val="tx1">
+                    <a:lumMod val="65000"/>
+                    <a:lumOff val="35000"/>
+                  </a:schemeClr>
+                </a:solidFill>
+              </a:rPr>
+              <a:t>False alarm rates</a:t>
+            </a:r>
+          </a:p>
+        </p:txBody>
+      </p:sp>
+      <p:sp>
+        <p:nvSpPr>
+          <p:cNvPr id="210" name="TextBox 209">
+            <a:extLst>
+              <a:ext uri="{FF2B5EF4-FFF2-40B4-BE49-F238E27FC236}">
+                <a16:creationId xmlns:a16="http://schemas.microsoft.com/office/drawing/2014/main" id="{5450C1D6-5761-1A37-9215-024E3073F3EA}"/>
+              </a:ext>
+            </a:extLst>
+          </p:cNvPr>
+          <p:cNvSpPr txBox="1"/>
+          <p:nvPr/>
+        </p:nvSpPr>
+        <p:spPr>
+          <a:xfrm>
+            <a:off x="4686825" y="5160670"/>
+            <a:ext cx="292388" cy="1789673"/>
+          </a:xfrm>
+          <a:prstGeom prst="rect">
+            <a:avLst/>
+          </a:prstGeom>
+          <a:solidFill>
+            <a:schemeClr val="bg1"/>
+          </a:solidFill>
+          <a:ln w="3175">
+            <a:noFill/>
+          </a:ln>
+        </p:spPr>
+        <p:txBody>
+          <a:bodyPr vert="vert270" wrap="square" rtlCol="0">
+            <a:spAutoFit/>
+          </a:bodyPr>
+          <a:lstStyle/>
+          <a:p>
+            <a:pPr algn="ctr"/>
+            <a:r>
+              <a:rPr lang="en-GB" sz="700" dirty="0">
+                <a:solidFill>
+                  <a:schemeClr val="tx1">
+                    <a:lumMod val="65000"/>
+                    <a:lumOff val="35000"/>
+                  </a:schemeClr>
+                </a:solidFill>
+              </a:rPr>
+              <a:t>Hit rates</a:t>
+            </a:r>
+          </a:p>
+        </p:txBody>
+      </p:sp>
       <p:pic>
         <p:nvPicPr>
-          <p:cNvPr id="31" name="Picture 30" descr="A graph of a graph showing the number of different colors&#10;&#10;Description automatically generated with medium confidence">
+          <p:cNvPr id="211" name="Picture 210" descr="A graph of a curve&#10;&#10;Description automatically generated with medium confidence">
             <a:extLst>
               <a:ext uri="{FF2B5EF4-FFF2-40B4-BE49-F238E27FC236}">
-                <a16:creationId xmlns:a16="http://schemas.microsoft.com/office/drawing/2014/main" id="{59E3AC2E-52F5-06D7-58C2-0EBEA951FF97}"/>
+                <a16:creationId xmlns:a16="http://schemas.microsoft.com/office/drawing/2014/main" id="{39F44D30-9F57-E5F7-4AF5-F502E90D200A}"/>
               </a:ext>
             </a:extLst>
           </p:cNvPr>
@@ -3687,25 +6984,217 @@
               </a:ext>
             </a:extLst>
           </a:blip>
-          <a:srcRect l="3582" t="1558" r="8159" b="4113"/>
+          <a:srcRect l="6667" t="10696" r="7500" b="7642"/>
           <a:stretch/>
         </p:blipFill>
         <p:spPr>
           <a:xfrm>
-            <a:off x="4665705" y="30818"/>
-            <a:ext cx="2160000" cy="2308546"/>
+            <a:off x="4907454" y="5144547"/>
+            <a:ext cx="1943996" cy="1849567"/>
           </a:xfrm>
           <a:prstGeom prst="rect">
             <a:avLst/>
           </a:prstGeom>
         </p:spPr>
       </p:pic>
+      <p:sp>
+        <p:nvSpPr>
+          <p:cNvPr id="212" name="TextBox 211">
+            <a:extLst>
+              <a:ext uri="{FF2B5EF4-FFF2-40B4-BE49-F238E27FC236}">
+                <a16:creationId xmlns:a16="http://schemas.microsoft.com/office/drawing/2014/main" id="{B34B06F2-3F1E-54B4-07FB-0E22FD55916B}"/>
+              </a:ext>
+            </a:extLst>
+          </p:cNvPr>
+          <p:cNvSpPr txBox="1"/>
+          <p:nvPr/>
+        </p:nvSpPr>
+        <p:spPr>
+          <a:xfrm>
+            <a:off x="5035061" y="4851724"/>
+            <a:ext cx="1790164" cy="200055"/>
+          </a:xfrm>
+          <a:prstGeom prst="rect">
+            <a:avLst/>
+          </a:prstGeom>
+          <a:solidFill>
+            <a:schemeClr val="bg1"/>
+          </a:solidFill>
+          <a:ln w="3175">
+            <a:noFill/>
+          </a:ln>
+        </p:spPr>
+        <p:txBody>
+          <a:bodyPr wrap="square" rtlCol="0">
+            <a:spAutoFit/>
+          </a:bodyPr>
+          <a:lstStyle/>
+          <a:p>
+            <a:pPr algn="ctr"/>
+            <a:r>
+              <a:rPr lang="en-GB" sz="700" dirty="0">
+                <a:solidFill>
+                  <a:schemeClr val="tx1">
+                    <a:lumMod val="65000"/>
+                    <a:lumOff val="35000"/>
+                  </a:schemeClr>
+                </a:solidFill>
+              </a:rPr>
+              <a:t>False alarm rates</a:t>
+            </a:r>
+          </a:p>
+        </p:txBody>
+      </p:sp>
+      <p:sp>
+        <p:nvSpPr>
+          <p:cNvPr id="213" name="TextBox 212">
+            <a:extLst>
+              <a:ext uri="{FF2B5EF4-FFF2-40B4-BE49-F238E27FC236}">
+                <a16:creationId xmlns:a16="http://schemas.microsoft.com/office/drawing/2014/main" id="{8CC857E4-BEA4-7F91-4ED3-2A53A781E6AD}"/>
+              </a:ext>
+            </a:extLst>
+          </p:cNvPr>
+          <p:cNvSpPr txBox="1"/>
+          <p:nvPr/>
+        </p:nvSpPr>
+        <p:spPr>
+          <a:xfrm>
+            <a:off x="4686825" y="3018280"/>
+            <a:ext cx="292388" cy="1789673"/>
+          </a:xfrm>
+          <a:prstGeom prst="rect">
+            <a:avLst/>
+          </a:prstGeom>
+          <a:solidFill>
+            <a:schemeClr val="bg1"/>
+          </a:solidFill>
+          <a:ln w="3175">
+            <a:noFill/>
+          </a:ln>
+        </p:spPr>
+        <p:txBody>
+          <a:bodyPr vert="vert270" wrap="square" rtlCol="0">
+            <a:spAutoFit/>
+          </a:bodyPr>
+          <a:lstStyle/>
+          <a:p>
+            <a:pPr algn="ctr"/>
+            <a:r>
+              <a:rPr lang="en-GB" sz="700" dirty="0">
+                <a:solidFill>
+                  <a:schemeClr val="tx1">
+                    <a:lumMod val="65000"/>
+                    <a:lumOff val="35000"/>
+                  </a:schemeClr>
+                </a:solidFill>
+              </a:rPr>
+              <a:t>Hit rates</a:t>
+            </a:r>
+          </a:p>
+        </p:txBody>
+      </p:sp>
+      <p:sp>
+        <p:nvSpPr>
+          <p:cNvPr id="214" name="TextBox 213">
+            <a:extLst>
+              <a:ext uri="{FF2B5EF4-FFF2-40B4-BE49-F238E27FC236}">
+                <a16:creationId xmlns:a16="http://schemas.microsoft.com/office/drawing/2014/main" id="{F63868D5-7090-8901-D973-7FC1292CE7FD}"/>
+              </a:ext>
+            </a:extLst>
+          </p:cNvPr>
+          <p:cNvSpPr txBox="1"/>
+          <p:nvPr/>
+        </p:nvSpPr>
+        <p:spPr>
+          <a:xfrm>
+            <a:off x="5027879" y="2721860"/>
+            <a:ext cx="1790164" cy="200055"/>
+          </a:xfrm>
+          <a:prstGeom prst="rect">
+            <a:avLst/>
+          </a:prstGeom>
+          <a:solidFill>
+            <a:schemeClr val="bg1"/>
+          </a:solidFill>
+          <a:ln w="3175">
+            <a:noFill/>
+          </a:ln>
+        </p:spPr>
+        <p:txBody>
+          <a:bodyPr wrap="square" rtlCol="0">
+            <a:spAutoFit/>
+          </a:bodyPr>
+          <a:lstStyle/>
+          <a:p>
+            <a:pPr algn="ctr"/>
+            <a:r>
+              <a:rPr lang="en-GB" sz="700" dirty="0">
+                <a:solidFill>
+                  <a:schemeClr val="tx1">
+                    <a:lumMod val="65000"/>
+                    <a:lumOff val="35000"/>
+                  </a:schemeClr>
+                </a:solidFill>
+              </a:rPr>
+              <a:t>False alarm rates</a:t>
+            </a:r>
+          </a:p>
+        </p:txBody>
+      </p:sp>
+      <p:sp>
+        <p:nvSpPr>
+          <p:cNvPr id="215" name="TextBox 214">
+            <a:extLst>
+              <a:ext uri="{FF2B5EF4-FFF2-40B4-BE49-F238E27FC236}">
+                <a16:creationId xmlns:a16="http://schemas.microsoft.com/office/drawing/2014/main" id="{70F95732-F166-67F3-CC24-682B7032D4CF}"/>
+              </a:ext>
+            </a:extLst>
+          </p:cNvPr>
+          <p:cNvSpPr txBox="1"/>
+          <p:nvPr/>
+        </p:nvSpPr>
+        <p:spPr>
+          <a:xfrm>
+            <a:off x="4679643" y="888416"/>
+            <a:ext cx="292388" cy="1789673"/>
+          </a:xfrm>
+          <a:prstGeom prst="rect">
+            <a:avLst/>
+          </a:prstGeom>
+          <a:solidFill>
+            <a:schemeClr val="bg1"/>
+          </a:solidFill>
+          <a:ln w="3175">
+            <a:noFill/>
+          </a:ln>
+        </p:spPr>
+        <p:txBody>
+          <a:bodyPr vert="vert270" wrap="square" rtlCol="0">
+            <a:spAutoFit/>
+          </a:bodyPr>
+          <a:lstStyle/>
+          <a:p>
+            <a:pPr algn="ctr"/>
+            <a:r>
+              <a:rPr lang="en-GB" sz="700" dirty="0">
+                <a:solidFill>
+                  <a:schemeClr val="tx1">
+                    <a:lumMod val="65000"/>
+                    <a:lumOff val="35000"/>
+                  </a:schemeClr>
+                </a:solidFill>
+              </a:rPr>
+              <a:t>Hit rates</a:t>
+            </a:r>
+          </a:p>
+        </p:txBody>
+      </p:sp>
       <p:pic>
         <p:nvPicPr>
-          <p:cNvPr id="32" name="Picture 31" descr="A graph of a graph showing the number of sharpness&#10;&#10;Description automatically generated">
+          <p:cNvPr id="216" name="Picture 215" descr="A graph of a curve&#10;&#10;Description automatically generated">
             <a:extLst>
               <a:ext uri="{FF2B5EF4-FFF2-40B4-BE49-F238E27FC236}">
-                <a16:creationId xmlns:a16="http://schemas.microsoft.com/office/drawing/2014/main" id="{7C93DE29-DFDA-FEB1-35F9-949F1B96A088}"/>
+                <a16:creationId xmlns:a16="http://schemas.microsoft.com/office/drawing/2014/main" id="{767ABE3C-4777-C73C-D7CB-C2769EFCA15C}"/>
               </a:ext>
             </a:extLst>
           </p:cNvPr>
@@ -3722,13 +7211,13 @@
               </a:ext>
             </a:extLst>
           </a:blip>
-          <a:srcRect l="3582" t="1560" r="8159" b="4112"/>
+          <a:srcRect l="6667" t="10696" r="7500" b="7842"/>
           <a:stretch/>
         </p:blipFill>
         <p:spPr>
           <a:xfrm>
-            <a:off x="4665705" y="2410904"/>
-            <a:ext cx="2160000" cy="2308546"/>
+            <a:off x="4907454" y="3006681"/>
+            <a:ext cx="1943996" cy="1845043"/>
           </a:xfrm>
           <a:prstGeom prst="rect">
             <a:avLst/>
@@ -3737,10 +7226,10 @@
       </p:pic>
       <p:pic>
         <p:nvPicPr>
-          <p:cNvPr id="33" name="Picture 32" descr="A graph of sharpness diagram&#10;&#10;Description automatically generated">
+          <p:cNvPr id="217" name="Picture 216" descr="A graph of a curve&#10;&#10;Description automatically generated">
             <a:extLst>
               <a:ext uri="{FF2B5EF4-FFF2-40B4-BE49-F238E27FC236}">
-                <a16:creationId xmlns:a16="http://schemas.microsoft.com/office/drawing/2014/main" id="{25DB5ABF-B9AF-8184-7561-1D24D75FA25F}"/>
+                <a16:creationId xmlns:a16="http://schemas.microsoft.com/office/drawing/2014/main" id="{1352DA7F-C5D5-1BA6-3B73-D878170931C6}"/>
               </a:ext>
             </a:extLst>
           </p:cNvPr>
@@ -3757,52 +7246,42 @@
               </a:ext>
             </a:extLst>
           </a:blip>
-          <a:srcRect l="3582" t="1560" r="8159" b="4112"/>
+          <a:srcRect l="6667" t="10696" r="7500" b="7489"/>
           <a:stretch/>
         </p:blipFill>
         <p:spPr>
           <a:xfrm>
-            <a:off x="4665705" y="4862531"/>
-            <a:ext cx="2160000" cy="2308546"/>
+            <a:off x="4907454" y="868815"/>
+            <a:ext cx="1943996" cy="1853045"/>
           </a:xfrm>
           <a:prstGeom prst="rect">
             <a:avLst/>
           </a:prstGeom>
         </p:spPr>
       </p:pic>
-      <p:pic>
-        <p:nvPicPr>
-          <p:cNvPr id="34" name="Picture 33" descr="A graph of a graph showing the difference between a graph and a diagram&#10;&#10;Description automatically generated with medium confidence">
+      <p:sp>
+        <p:nvSpPr>
+          <p:cNvPr id="218" name="Rectangle 217">
             <a:extLst>
               <a:ext uri="{FF2B5EF4-FFF2-40B4-BE49-F238E27FC236}">
-                <a16:creationId xmlns:a16="http://schemas.microsoft.com/office/drawing/2014/main" id="{EE74CC1C-0815-4BB5-9D3F-AB935466BFDB}"/>
+                <a16:creationId xmlns:a16="http://schemas.microsoft.com/office/drawing/2014/main" id="{66A702BD-FC0B-F578-3CE7-03C3E48EB2B7}"/>
               </a:ext>
             </a:extLst>
           </p:cNvPr>
-          <p:cNvPicPr>
-            <a:picLocks noChangeAspect="1"/>
-          </p:cNvPicPr>
+          <p:cNvSpPr/>
           <p:nvPr/>
-        </p:nvPicPr>
-        <p:blipFill rotWithShape="1">
-          <a:blip r:embed="rId11">
-            <a:extLst>
-              <a:ext uri="{28A0092B-C50C-407E-A947-70E740481C1C}">
-                <a14:useLocalDpi xmlns:a14="http://schemas.microsoft.com/office/drawing/2010/main" val="0"/>
-              </a:ext>
-            </a:extLst>
-          </a:blip>
-          <a:srcRect l="5789" t="10585" r="7368" b="7661"/>
-          <a:stretch/>
-        </p:blipFill>
+        </p:nvSpPr>
         <p:spPr>
           <a:xfrm>
-            <a:off x="2576455" y="5137791"/>
-            <a:ext cx="684000" cy="643927"/>
+            <a:off x="5551474" y="2172232"/>
+            <a:ext cx="1225316" cy="450563"/>
           </a:xfrm>
           <a:prstGeom prst="rect">
             <a:avLst/>
           </a:prstGeom>
+          <a:solidFill>
+            <a:schemeClr val="bg1"/>
+          </a:solidFill>
           <a:ln w="3175">
             <a:solidFill>
               <a:schemeClr val="tx1">
@@ -3812,40 +7291,119 @@
             </a:solidFill>
           </a:ln>
         </p:spPr>
-      </p:pic>
-      <p:pic>
-        <p:nvPicPr>
-          <p:cNvPr id="35" name="Picture 34" descr="A graph of a graph showing a number of data&#10;&#10;Description automatically generated with medium confidence">
+        <p:style>
+          <a:lnRef idx="2">
+            <a:schemeClr val="accent1">
+              <a:shade val="15000"/>
+            </a:schemeClr>
+          </a:lnRef>
+          <a:fillRef idx="1">
+            <a:schemeClr val="accent1"/>
+          </a:fillRef>
+          <a:effectRef idx="0">
+            <a:schemeClr val="accent1"/>
+          </a:effectRef>
+          <a:fontRef idx="minor">
+            <a:schemeClr val="lt1"/>
+          </a:fontRef>
+        </p:style>
+        <p:txBody>
+          <a:bodyPr rtlCol="0" anchor="ctr"/>
+          <a:lstStyle/>
+          <a:p>
+            <a:pPr algn="ctr"/>
+            <a:endParaRPr lang="en-GB"/>
+          </a:p>
+        </p:txBody>
+      </p:sp>
+      <p:sp>
+        <p:nvSpPr>
+          <p:cNvPr id="219" name="TextBox 218">
             <a:extLst>
               <a:ext uri="{FF2B5EF4-FFF2-40B4-BE49-F238E27FC236}">
-                <a16:creationId xmlns:a16="http://schemas.microsoft.com/office/drawing/2014/main" id="{BA9776A5-79BC-0E9F-897A-D97A92531643}"/>
+                <a16:creationId xmlns:a16="http://schemas.microsoft.com/office/drawing/2014/main" id="{D4BD549D-CB23-4290-0518-AE55A54F6F00}"/>
               </a:ext>
             </a:extLst>
           </p:cNvPr>
-          <p:cNvPicPr>
-            <a:picLocks noChangeAspect="1"/>
-          </p:cNvPicPr>
+          <p:cNvSpPr txBox="1"/>
           <p:nvPr/>
-        </p:nvPicPr>
-        <p:blipFill rotWithShape="1">
-          <a:blip r:embed="rId12">
-            <a:extLst>
-              <a:ext uri="{28A0092B-C50C-407E-A947-70E740481C1C}">
-                <a14:useLocalDpi xmlns:a14="http://schemas.microsoft.com/office/drawing/2010/main" val="0"/>
-              </a:ext>
-            </a:extLst>
-          </a:blip>
-          <a:srcRect l="5790" t="10584" r="6841" b="7451"/>
-          <a:stretch/>
-        </p:blipFill>
+        </p:nvSpPr>
         <p:spPr>
           <a:xfrm>
-            <a:off x="2576455" y="2688976"/>
-            <a:ext cx="684000" cy="641700"/>
+            <a:off x="5549109" y="2212847"/>
+            <a:ext cx="1225317" cy="369332"/>
           </a:xfrm>
           <a:prstGeom prst="rect">
             <a:avLst/>
           </a:prstGeom>
+          <a:noFill/>
+          <a:ln w="3175">
+            <a:noFill/>
+          </a:ln>
+        </p:spPr>
+        <p:txBody>
+          <a:bodyPr wrap="square" rtlCol="0">
+            <a:spAutoFit/>
+          </a:bodyPr>
+          <a:lstStyle/>
+          <a:p>
+            <a:pPr algn="ctr"/>
+            <a:r>
+              <a:rPr lang="it-IT" sz="600" dirty="0">
+                <a:solidFill>
+                  <a:srgbClr val="018A89"/>
+                </a:solidFill>
+              </a:rPr>
+              <a:t>AROCt = 0.91 - AROCz = 0.92</a:t>
+            </a:r>
+          </a:p>
+          <a:p>
+            <a:pPr algn="ctr"/>
+            <a:r>
+              <a:rPr lang="it-IT" sz="600" dirty="0">
+                <a:solidFill>
+                  <a:srgbClr val="EC5028"/>
+                </a:solidFill>
+              </a:rPr>
+              <a:t>AROCt = 0.92 - AROCz = 0.925</a:t>
+            </a:r>
+          </a:p>
+          <a:p>
+            <a:pPr algn="ctr"/>
+            <a:r>
+              <a:rPr lang="it-IT" sz="600" dirty="0">
+                <a:solidFill>
+                  <a:srgbClr val="6A6A6A"/>
+                </a:solidFill>
+              </a:rPr>
+              <a:t>AROCt = 0.92 - AROCz = 0.922</a:t>
+            </a:r>
+          </a:p>
+        </p:txBody>
+      </p:sp>
+      <p:sp>
+        <p:nvSpPr>
+          <p:cNvPr id="220" name="Rectangle 219">
+            <a:extLst>
+              <a:ext uri="{FF2B5EF4-FFF2-40B4-BE49-F238E27FC236}">
+                <a16:creationId xmlns:a16="http://schemas.microsoft.com/office/drawing/2014/main" id="{A257CCC5-1848-C7C6-1F24-C224F24D20E6}"/>
+              </a:ext>
+            </a:extLst>
+          </p:cNvPr>
+          <p:cNvSpPr/>
+          <p:nvPr/>
+        </p:nvSpPr>
+        <p:spPr>
+          <a:xfrm>
+            <a:off x="5551474" y="4308393"/>
+            <a:ext cx="1225316" cy="450563"/>
+          </a:xfrm>
+          <a:prstGeom prst="rect">
+            <a:avLst/>
+          </a:prstGeom>
+          <a:solidFill>
+            <a:schemeClr val="bg1"/>
+          </a:solidFill>
           <a:ln w="3175">
             <a:solidFill>
               <a:schemeClr val="tx1">
@@ -3855,40 +7413,119 @@
             </a:solidFill>
           </a:ln>
         </p:spPr>
-      </p:pic>
-      <p:pic>
-        <p:nvPicPr>
-          <p:cNvPr id="36" name="Picture 35" descr="A graph of a graph showing the difference between a graph and a diagram&#10;&#10;Description automatically generated with medium confidence">
+        <p:style>
+          <a:lnRef idx="2">
+            <a:schemeClr val="accent1">
+              <a:shade val="15000"/>
+            </a:schemeClr>
+          </a:lnRef>
+          <a:fillRef idx="1">
+            <a:schemeClr val="accent1"/>
+          </a:fillRef>
+          <a:effectRef idx="0">
+            <a:schemeClr val="accent1"/>
+          </a:effectRef>
+          <a:fontRef idx="minor">
+            <a:schemeClr val="lt1"/>
+          </a:fontRef>
+        </p:style>
+        <p:txBody>
+          <a:bodyPr rtlCol="0" anchor="ctr"/>
+          <a:lstStyle/>
+          <a:p>
+            <a:pPr algn="ctr"/>
+            <a:endParaRPr lang="en-GB"/>
+          </a:p>
+        </p:txBody>
+      </p:sp>
+      <p:sp>
+        <p:nvSpPr>
+          <p:cNvPr id="221" name="TextBox 220">
             <a:extLst>
               <a:ext uri="{FF2B5EF4-FFF2-40B4-BE49-F238E27FC236}">
-                <a16:creationId xmlns:a16="http://schemas.microsoft.com/office/drawing/2014/main" id="{7D7683DF-BFCD-E9E5-7BDD-6ED44A4CE9B1}"/>
+                <a16:creationId xmlns:a16="http://schemas.microsoft.com/office/drawing/2014/main" id="{7FC5BAD8-7BB6-68FB-16C0-211C6C6479F5}"/>
               </a:ext>
             </a:extLst>
           </p:cNvPr>
-          <p:cNvPicPr>
-            <a:picLocks noChangeAspect="1"/>
-          </p:cNvPicPr>
+          <p:cNvSpPr txBox="1"/>
           <p:nvPr/>
-        </p:nvPicPr>
-        <p:blipFill rotWithShape="1">
-          <a:blip r:embed="rId13">
-            <a:extLst>
-              <a:ext uri="{28A0092B-C50C-407E-A947-70E740481C1C}">
-                <a14:useLocalDpi xmlns:a14="http://schemas.microsoft.com/office/drawing/2010/main" val="0"/>
-              </a:ext>
-            </a:extLst>
-          </a:blip>
-          <a:srcRect l="6111" t="10973" r="7084" b="7361"/>
-          <a:stretch/>
-        </p:blipFill>
+        </p:nvSpPr>
         <p:spPr>
           <a:xfrm>
-            <a:off x="2576455" y="287291"/>
-            <a:ext cx="684000" cy="643507"/>
+            <a:off x="5549109" y="4349008"/>
+            <a:ext cx="1225317" cy="369332"/>
           </a:xfrm>
           <a:prstGeom prst="rect">
             <a:avLst/>
           </a:prstGeom>
+          <a:noFill/>
+          <a:ln w="3175">
+            <a:noFill/>
+          </a:ln>
+        </p:spPr>
+        <p:txBody>
+          <a:bodyPr wrap="square" rtlCol="0">
+            <a:spAutoFit/>
+          </a:bodyPr>
+          <a:lstStyle/>
+          <a:p>
+            <a:pPr algn="ctr"/>
+            <a:r>
+              <a:rPr lang="it-IT" sz="600" dirty="0">
+                <a:solidFill>
+                  <a:srgbClr val="018A89"/>
+                </a:solidFill>
+              </a:rPr>
+              <a:t>AROCt = 0.9 - AROCz = 0.945</a:t>
+            </a:r>
+          </a:p>
+          <a:p>
+            <a:pPr algn="ctr"/>
+            <a:r>
+              <a:rPr lang="it-IT" sz="600" dirty="0">
+                <a:solidFill>
+                  <a:srgbClr val="EC5028"/>
+                </a:solidFill>
+              </a:rPr>
+              <a:t>AROCt = 0.95 - AROCz = 0.95</a:t>
+            </a:r>
+          </a:p>
+          <a:p>
+            <a:pPr algn="ctr"/>
+            <a:r>
+              <a:rPr lang="it-IT" sz="600" dirty="0">
+                <a:solidFill>
+                  <a:srgbClr val="6A6A6A"/>
+                </a:solidFill>
+              </a:rPr>
+              <a:t>AROCt = 0.94 - AROCz = 0.95</a:t>
+            </a:r>
+          </a:p>
+        </p:txBody>
+      </p:sp>
+      <p:sp>
+        <p:nvSpPr>
+          <p:cNvPr id="222" name="Rectangle 221">
+            <a:extLst>
+              <a:ext uri="{FF2B5EF4-FFF2-40B4-BE49-F238E27FC236}">
+                <a16:creationId xmlns:a16="http://schemas.microsoft.com/office/drawing/2014/main" id="{160E09E1-78CE-07D5-069A-FDD2B9C3257C}"/>
+              </a:ext>
+            </a:extLst>
+          </p:cNvPr>
+          <p:cNvSpPr/>
+          <p:nvPr/>
+        </p:nvSpPr>
+        <p:spPr>
+          <a:xfrm>
+            <a:off x="5551474" y="6446259"/>
+            <a:ext cx="1225316" cy="450563"/>
+          </a:xfrm>
+          <a:prstGeom prst="rect">
+            <a:avLst/>
+          </a:prstGeom>
+          <a:solidFill>
+            <a:schemeClr val="bg1"/>
+          </a:solidFill>
           <a:ln w="3175">
             <a:solidFill>
               <a:schemeClr val="tx1">
@@ -3898,7 +7535,3469 @@
             </a:solidFill>
           </a:ln>
         </p:spPr>
-      </p:pic>
+        <p:style>
+          <a:lnRef idx="2">
+            <a:schemeClr val="accent1">
+              <a:shade val="15000"/>
+            </a:schemeClr>
+          </a:lnRef>
+          <a:fillRef idx="1">
+            <a:schemeClr val="accent1"/>
+          </a:fillRef>
+          <a:effectRef idx="0">
+            <a:schemeClr val="accent1"/>
+          </a:effectRef>
+          <a:fontRef idx="minor">
+            <a:schemeClr val="lt1"/>
+          </a:fontRef>
+        </p:style>
+        <p:txBody>
+          <a:bodyPr rtlCol="0" anchor="ctr"/>
+          <a:lstStyle/>
+          <a:p>
+            <a:pPr algn="ctr"/>
+            <a:endParaRPr lang="en-GB"/>
+          </a:p>
+        </p:txBody>
+      </p:sp>
+      <p:sp>
+        <p:nvSpPr>
+          <p:cNvPr id="223" name="TextBox 222">
+            <a:extLst>
+              <a:ext uri="{FF2B5EF4-FFF2-40B4-BE49-F238E27FC236}">
+                <a16:creationId xmlns:a16="http://schemas.microsoft.com/office/drawing/2014/main" id="{154E8FAF-E796-5550-1A73-047B2D91A457}"/>
+              </a:ext>
+            </a:extLst>
+          </p:cNvPr>
+          <p:cNvSpPr txBox="1"/>
+          <p:nvPr/>
+        </p:nvSpPr>
+        <p:spPr>
+          <a:xfrm>
+            <a:off x="5549109" y="6486874"/>
+            <a:ext cx="1225317" cy="369332"/>
+          </a:xfrm>
+          <a:prstGeom prst="rect">
+            <a:avLst/>
+          </a:prstGeom>
+          <a:noFill/>
+          <a:ln w="3175">
+            <a:noFill/>
+          </a:ln>
+        </p:spPr>
+        <p:txBody>
+          <a:bodyPr wrap="square" rtlCol="0">
+            <a:spAutoFit/>
+          </a:bodyPr>
+          <a:lstStyle/>
+          <a:p>
+            <a:pPr algn="ctr"/>
+            <a:r>
+              <a:rPr lang="it-IT" sz="600" dirty="0">
+                <a:solidFill>
+                  <a:srgbClr val="018A89"/>
+                </a:solidFill>
+              </a:rPr>
+              <a:t>AROCt = 0.62 - AROCz = 0.939</a:t>
+            </a:r>
+          </a:p>
+          <a:p>
+            <a:pPr algn="ctr"/>
+            <a:r>
+              <a:rPr lang="it-IT" sz="600" dirty="0">
+                <a:solidFill>
+                  <a:srgbClr val="EC5028"/>
+                </a:solidFill>
+              </a:rPr>
+              <a:t>AROCt = 0.85 - AROCz = 0.965</a:t>
+            </a:r>
+          </a:p>
+          <a:p>
+            <a:pPr algn="ctr"/>
+            <a:r>
+              <a:rPr lang="it-IT" sz="600" dirty="0">
+                <a:solidFill>
+                  <a:srgbClr val="6A6A6A"/>
+                </a:solidFill>
+              </a:rPr>
+              <a:t>AROCt = 0.86 - AROCz = 0.956</a:t>
+            </a:r>
+          </a:p>
+        </p:txBody>
+      </p:sp>
+      <p:grpSp>
+        <p:nvGrpSpPr>
+          <p:cNvPr id="224" name="Group 223">
+            <a:extLst>
+              <a:ext uri="{FF2B5EF4-FFF2-40B4-BE49-F238E27FC236}">
+                <a16:creationId xmlns:a16="http://schemas.microsoft.com/office/drawing/2014/main" id="{0B82899C-2166-B303-069D-AD45EF52F7AE}"/>
+              </a:ext>
+            </a:extLst>
+          </p:cNvPr>
+          <p:cNvGrpSpPr/>
+          <p:nvPr/>
+        </p:nvGrpSpPr>
+        <p:grpSpPr>
+          <a:xfrm>
+            <a:off x="1660394" y="4034676"/>
+            <a:ext cx="857505" cy="751719"/>
+            <a:chOff x="8516667" y="1495456"/>
+            <a:chExt cx="857505" cy="751719"/>
+          </a:xfrm>
+        </p:grpSpPr>
+        <p:sp>
+          <p:nvSpPr>
+            <p:cNvPr id="225" name="Rectangle 224">
+              <a:extLst>
+                <a:ext uri="{FF2B5EF4-FFF2-40B4-BE49-F238E27FC236}">
+                  <a16:creationId xmlns:a16="http://schemas.microsoft.com/office/drawing/2014/main" id="{A62955CD-84AE-5D2F-C381-CF2C53AD213E}"/>
+                </a:ext>
+              </a:extLst>
+            </p:cNvPr>
+            <p:cNvSpPr/>
+            <p:nvPr/>
+          </p:nvSpPr>
+          <p:spPr>
+            <a:xfrm>
+              <a:off x="8602470" y="1520174"/>
+              <a:ext cx="699373" cy="684000"/>
+            </a:xfrm>
+            <a:prstGeom prst="rect">
+              <a:avLst/>
+            </a:prstGeom>
+            <a:solidFill>
+              <a:schemeClr val="bg1"/>
+            </a:solidFill>
+            <a:ln w="3175">
+              <a:solidFill>
+                <a:schemeClr val="tx1">
+                  <a:lumMod val="65000"/>
+                  <a:lumOff val="35000"/>
+                </a:schemeClr>
+              </a:solidFill>
+            </a:ln>
+          </p:spPr>
+          <p:style>
+            <a:lnRef idx="2">
+              <a:schemeClr val="accent1">
+                <a:shade val="15000"/>
+              </a:schemeClr>
+            </a:lnRef>
+            <a:fillRef idx="1">
+              <a:schemeClr val="accent1"/>
+            </a:fillRef>
+            <a:effectRef idx="0">
+              <a:schemeClr val="accent1"/>
+            </a:effectRef>
+            <a:fontRef idx="minor">
+              <a:schemeClr val="lt1"/>
+            </a:fontRef>
+          </p:style>
+          <p:txBody>
+            <a:bodyPr rtlCol="0" anchor="ctr"/>
+            <a:lstStyle/>
+            <a:p>
+              <a:pPr algn="ctr"/>
+              <a:endParaRPr lang="en-GB"/>
+            </a:p>
+          </p:txBody>
+        </p:sp>
+        <p:sp>
+          <p:nvSpPr>
+            <p:cNvPr id="226" name="TextBox 225">
+              <a:extLst>
+                <a:ext uri="{FF2B5EF4-FFF2-40B4-BE49-F238E27FC236}">
+                  <a16:creationId xmlns:a16="http://schemas.microsoft.com/office/drawing/2014/main" id="{C89F101B-A49D-37BD-A13B-3E9A93861287}"/>
+                </a:ext>
+              </a:extLst>
+            </p:cNvPr>
+            <p:cNvSpPr txBox="1"/>
+            <p:nvPr/>
+          </p:nvSpPr>
+          <p:spPr>
+            <a:xfrm>
+              <a:off x="8846134" y="2062509"/>
+              <a:ext cx="263103" cy="184666"/>
+            </a:xfrm>
+            <a:prstGeom prst="rect">
+              <a:avLst/>
+            </a:prstGeom>
+            <a:noFill/>
+            <a:ln w="3175">
+              <a:noFill/>
+            </a:ln>
+          </p:spPr>
+          <p:txBody>
+            <a:bodyPr wrap="square" rtlCol="0">
+              <a:spAutoFit/>
+            </a:bodyPr>
+            <a:lstStyle/>
+            <a:p>
+              <a:pPr algn="ctr"/>
+              <a:r>
+                <a:rPr lang="en-GB" sz="600" dirty="0">
+                  <a:solidFill>
+                    <a:schemeClr val="tx1">
+                      <a:lumMod val="65000"/>
+                      <a:lumOff val="35000"/>
+                    </a:schemeClr>
+                  </a:solidFill>
+                </a:rPr>
+                <a:t>.5</a:t>
+              </a:r>
+            </a:p>
+          </p:txBody>
+        </p:sp>
+        <p:sp>
+          <p:nvSpPr>
+            <p:cNvPr id="227" name="TextBox 226">
+              <a:extLst>
+                <a:ext uri="{FF2B5EF4-FFF2-40B4-BE49-F238E27FC236}">
+                  <a16:creationId xmlns:a16="http://schemas.microsoft.com/office/drawing/2014/main" id="{2FE6BB42-12D3-6DE8-C1A4-3F3B04C76BE4}"/>
+                </a:ext>
+              </a:extLst>
+            </p:cNvPr>
+            <p:cNvSpPr txBox="1"/>
+            <p:nvPr/>
+          </p:nvSpPr>
+          <p:spPr>
+            <a:xfrm>
+              <a:off x="8580698" y="2062509"/>
+              <a:ext cx="263103" cy="184666"/>
+            </a:xfrm>
+            <a:prstGeom prst="rect">
+              <a:avLst/>
+            </a:prstGeom>
+            <a:noFill/>
+            <a:ln w="3175">
+              <a:noFill/>
+            </a:ln>
+          </p:spPr>
+          <p:txBody>
+            <a:bodyPr wrap="square" rtlCol="0">
+              <a:spAutoFit/>
+            </a:bodyPr>
+            <a:lstStyle/>
+            <a:p>
+              <a:pPr algn="ctr"/>
+              <a:r>
+                <a:rPr lang="en-GB" sz="600" dirty="0">
+                  <a:solidFill>
+                    <a:schemeClr val="tx1">
+                      <a:lumMod val="65000"/>
+                      <a:lumOff val="35000"/>
+                    </a:schemeClr>
+                  </a:solidFill>
+                </a:rPr>
+                <a:t>0</a:t>
+              </a:r>
+            </a:p>
+          </p:txBody>
+        </p:sp>
+        <p:sp>
+          <p:nvSpPr>
+            <p:cNvPr id="228" name="TextBox 227">
+              <a:extLst>
+                <a:ext uri="{FF2B5EF4-FFF2-40B4-BE49-F238E27FC236}">
+                  <a16:creationId xmlns:a16="http://schemas.microsoft.com/office/drawing/2014/main" id="{EE529CA0-06AF-0217-12E4-D12759B9F61B}"/>
+                </a:ext>
+              </a:extLst>
+            </p:cNvPr>
+            <p:cNvSpPr txBox="1"/>
+            <p:nvPr/>
+          </p:nvSpPr>
+          <p:spPr>
+            <a:xfrm>
+              <a:off x="9111069" y="2062509"/>
+              <a:ext cx="263103" cy="184666"/>
+            </a:xfrm>
+            <a:prstGeom prst="rect">
+              <a:avLst/>
+            </a:prstGeom>
+            <a:noFill/>
+            <a:ln w="3175">
+              <a:noFill/>
+            </a:ln>
+          </p:spPr>
+          <p:txBody>
+            <a:bodyPr wrap="square" rtlCol="0">
+              <a:spAutoFit/>
+            </a:bodyPr>
+            <a:lstStyle/>
+            <a:p>
+              <a:pPr algn="ctr"/>
+              <a:r>
+                <a:rPr lang="en-GB" sz="600" dirty="0">
+                  <a:solidFill>
+                    <a:schemeClr val="tx1">
+                      <a:lumMod val="65000"/>
+                      <a:lumOff val="35000"/>
+                    </a:schemeClr>
+                  </a:solidFill>
+                </a:rPr>
+                <a:t>1</a:t>
+              </a:r>
+            </a:p>
+          </p:txBody>
+        </p:sp>
+        <p:sp>
+          <p:nvSpPr>
+            <p:cNvPr id="229" name="TextBox 228">
+              <a:extLst>
+                <a:ext uri="{FF2B5EF4-FFF2-40B4-BE49-F238E27FC236}">
+                  <a16:creationId xmlns:a16="http://schemas.microsoft.com/office/drawing/2014/main" id="{1761EC1F-C173-C3A6-64DF-CE4D5A2BD353}"/>
+                </a:ext>
+              </a:extLst>
+            </p:cNvPr>
+            <p:cNvSpPr txBox="1"/>
+            <p:nvPr/>
+          </p:nvSpPr>
+          <p:spPr>
+            <a:xfrm>
+              <a:off x="8516667" y="2004475"/>
+              <a:ext cx="263103" cy="184666"/>
+            </a:xfrm>
+            <a:prstGeom prst="rect">
+              <a:avLst/>
+            </a:prstGeom>
+            <a:noFill/>
+            <a:ln w="3175">
+              <a:noFill/>
+            </a:ln>
+          </p:spPr>
+          <p:txBody>
+            <a:bodyPr wrap="square" rtlCol="0">
+              <a:spAutoFit/>
+            </a:bodyPr>
+            <a:lstStyle/>
+            <a:p>
+              <a:pPr algn="r"/>
+              <a:r>
+                <a:rPr lang="en-GB" sz="600" dirty="0">
+                  <a:solidFill>
+                    <a:schemeClr val="tx1">
+                      <a:lumMod val="65000"/>
+                      <a:lumOff val="35000"/>
+                    </a:schemeClr>
+                  </a:solidFill>
+                </a:rPr>
+                <a:t>0</a:t>
+              </a:r>
+            </a:p>
+          </p:txBody>
+        </p:sp>
+        <p:sp>
+          <p:nvSpPr>
+            <p:cNvPr id="230" name="TextBox 229">
+              <a:extLst>
+                <a:ext uri="{FF2B5EF4-FFF2-40B4-BE49-F238E27FC236}">
+                  <a16:creationId xmlns:a16="http://schemas.microsoft.com/office/drawing/2014/main" id="{BC57B549-CF3C-2389-ABAF-10C3A58C2ABC}"/>
+                </a:ext>
+              </a:extLst>
+            </p:cNvPr>
+            <p:cNvSpPr txBox="1"/>
+            <p:nvPr/>
+          </p:nvSpPr>
+          <p:spPr>
+            <a:xfrm>
+              <a:off x="8516667" y="1746973"/>
+              <a:ext cx="263103" cy="184666"/>
+            </a:xfrm>
+            <a:prstGeom prst="rect">
+              <a:avLst/>
+            </a:prstGeom>
+            <a:noFill/>
+            <a:ln w="3175">
+              <a:noFill/>
+            </a:ln>
+          </p:spPr>
+          <p:txBody>
+            <a:bodyPr wrap="square" rtlCol="0">
+              <a:spAutoFit/>
+            </a:bodyPr>
+            <a:lstStyle/>
+            <a:p>
+              <a:pPr algn="r"/>
+              <a:r>
+                <a:rPr lang="en-GB" sz="600" dirty="0">
+                  <a:solidFill>
+                    <a:schemeClr val="tx1">
+                      <a:lumMod val="65000"/>
+                      <a:lumOff val="35000"/>
+                    </a:schemeClr>
+                  </a:solidFill>
+                </a:rPr>
+                <a:t>.5</a:t>
+              </a:r>
+            </a:p>
+          </p:txBody>
+        </p:sp>
+        <p:sp>
+          <p:nvSpPr>
+            <p:cNvPr id="231" name="TextBox 230">
+              <a:extLst>
+                <a:ext uri="{FF2B5EF4-FFF2-40B4-BE49-F238E27FC236}">
+                  <a16:creationId xmlns:a16="http://schemas.microsoft.com/office/drawing/2014/main" id="{16245896-5973-1A5F-40DC-A2FFD0FC04B0}"/>
+                </a:ext>
+              </a:extLst>
+            </p:cNvPr>
+            <p:cNvSpPr txBox="1"/>
+            <p:nvPr/>
+          </p:nvSpPr>
+          <p:spPr>
+            <a:xfrm>
+              <a:off x="8516667" y="1495456"/>
+              <a:ext cx="263103" cy="184666"/>
+            </a:xfrm>
+            <a:prstGeom prst="rect">
+              <a:avLst/>
+            </a:prstGeom>
+            <a:noFill/>
+            <a:ln w="3175">
+              <a:noFill/>
+            </a:ln>
+          </p:spPr>
+          <p:txBody>
+            <a:bodyPr wrap="square" rtlCol="0">
+              <a:spAutoFit/>
+            </a:bodyPr>
+            <a:lstStyle/>
+            <a:p>
+              <a:pPr algn="r"/>
+              <a:r>
+                <a:rPr lang="en-GB" sz="600" dirty="0">
+                  <a:solidFill>
+                    <a:schemeClr val="tx1">
+                      <a:lumMod val="65000"/>
+                      <a:lumOff val="35000"/>
+                    </a:schemeClr>
+                  </a:solidFill>
+                </a:rPr>
+                <a:t>1</a:t>
+              </a:r>
+            </a:p>
+          </p:txBody>
+        </p:sp>
+        <p:pic>
+          <p:nvPicPr>
+            <p:cNvPr id="232" name="Picture 231" descr="A diagram of a graph&#10;&#10;Description automatically generated">
+              <a:extLst>
+                <a:ext uri="{FF2B5EF4-FFF2-40B4-BE49-F238E27FC236}">
+                  <a16:creationId xmlns:a16="http://schemas.microsoft.com/office/drawing/2014/main" id="{846B5BB5-2541-657F-C4C3-3E3C9941E97B}"/>
+                </a:ext>
+              </a:extLst>
+            </p:cNvPr>
+            <p:cNvPicPr>
+              <a:picLocks noChangeAspect="1"/>
+            </p:cNvPicPr>
+            <p:nvPr/>
+          </p:nvPicPr>
+          <p:blipFill rotWithShape="1">
+            <a:blip r:embed="rId11">
+              <a:extLst>
+                <a:ext uri="{28A0092B-C50C-407E-A947-70E740481C1C}">
+                  <a14:useLocalDpi xmlns:a14="http://schemas.microsoft.com/office/drawing/2010/main" val="0"/>
+                </a:ext>
+              </a:extLst>
+            </a:blip>
+            <a:srcRect l="12659" t="12689" r="10515" b="11405"/>
+            <a:stretch/>
+          </p:blipFill>
+          <p:spPr>
+            <a:xfrm>
+              <a:off x="8704417" y="1569306"/>
+              <a:ext cx="546536" cy="540000"/>
+            </a:xfrm>
+            <a:prstGeom prst="rect">
+              <a:avLst/>
+            </a:prstGeom>
+            <a:ln w="3175">
+              <a:solidFill>
+                <a:schemeClr val="tx1">
+                  <a:lumMod val="65000"/>
+                  <a:lumOff val="35000"/>
+                </a:schemeClr>
+              </a:solidFill>
+            </a:ln>
+          </p:spPr>
+        </p:pic>
+      </p:grpSp>
+      <p:grpSp>
+        <p:nvGrpSpPr>
+          <p:cNvPr id="233" name="Group 232">
+            <a:extLst>
+              <a:ext uri="{FF2B5EF4-FFF2-40B4-BE49-F238E27FC236}">
+                <a16:creationId xmlns:a16="http://schemas.microsoft.com/office/drawing/2014/main" id="{637CD45F-EF25-EFD7-3EF7-6FA30A33738A}"/>
+              </a:ext>
+            </a:extLst>
+          </p:cNvPr>
+          <p:cNvGrpSpPr/>
+          <p:nvPr/>
+        </p:nvGrpSpPr>
+        <p:grpSpPr>
+          <a:xfrm>
+            <a:off x="1660394" y="1898242"/>
+            <a:ext cx="857505" cy="751719"/>
+            <a:chOff x="7490405" y="1495456"/>
+            <a:chExt cx="857505" cy="751719"/>
+          </a:xfrm>
+        </p:grpSpPr>
+        <p:sp>
+          <p:nvSpPr>
+            <p:cNvPr id="234" name="Rectangle 233">
+              <a:extLst>
+                <a:ext uri="{FF2B5EF4-FFF2-40B4-BE49-F238E27FC236}">
+                  <a16:creationId xmlns:a16="http://schemas.microsoft.com/office/drawing/2014/main" id="{F8515F88-C8C2-20EB-2331-C3D2D6992D60}"/>
+                </a:ext>
+              </a:extLst>
+            </p:cNvPr>
+            <p:cNvSpPr/>
+            <p:nvPr/>
+          </p:nvSpPr>
+          <p:spPr>
+            <a:xfrm>
+              <a:off x="7576208" y="1520174"/>
+              <a:ext cx="699373" cy="684000"/>
+            </a:xfrm>
+            <a:prstGeom prst="rect">
+              <a:avLst/>
+            </a:prstGeom>
+            <a:solidFill>
+              <a:schemeClr val="bg1"/>
+            </a:solidFill>
+            <a:ln w="3175">
+              <a:solidFill>
+                <a:schemeClr val="tx1">
+                  <a:lumMod val="65000"/>
+                  <a:lumOff val="35000"/>
+                </a:schemeClr>
+              </a:solidFill>
+            </a:ln>
+          </p:spPr>
+          <p:style>
+            <a:lnRef idx="2">
+              <a:schemeClr val="accent1">
+                <a:shade val="15000"/>
+              </a:schemeClr>
+            </a:lnRef>
+            <a:fillRef idx="1">
+              <a:schemeClr val="accent1"/>
+            </a:fillRef>
+            <a:effectRef idx="0">
+              <a:schemeClr val="accent1"/>
+            </a:effectRef>
+            <a:fontRef idx="minor">
+              <a:schemeClr val="lt1"/>
+            </a:fontRef>
+          </p:style>
+          <p:txBody>
+            <a:bodyPr rtlCol="0" anchor="ctr"/>
+            <a:lstStyle/>
+            <a:p>
+              <a:pPr algn="ctr"/>
+              <a:endParaRPr lang="en-GB"/>
+            </a:p>
+          </p:txBody>
+        </p:sp>
+        <p:sp>
+          <p:nvSpPr>
+            <p:cNvPr id="235" name="TextBox 234">
+              <a:extLst>
+                <a:ext uri="{FF2B5EF4-FFF2-40B4-BE49-F238E27FC236}">
+                  <a16:creationId xmlns:a16="http://schemas.microsoft.com/office/drawing/2014/main" id="{D23149FC-4FB8-C62C-1EEE-705075E5E860}"/>
+                </a:ext>
+              </a:extLst>
+            </p:cNvPr>
+            <p:cNvSpPr txBox="1"/>
+            <p:nvPr/>
+          </p:nvSpPr>
+          <p:spPr>
+            <a:xfrm>
+              <a:off x="7819872" y="2062509"/>
+              <a:ext cx="263103" cy="184666"/>
+            </a:xfrm>
+            <a:prstGeom prst="rect">
+              <a:avLst/>
+            </a:prstGeom>
+            <a:noFill/>
+            <a:ln w="3175">
+              <a:noFill/>
+            </a:ln>
+          </p:spPr>
+          <p:txBody>
+            <a:bodyPr wrap="square" rtlCol="0">
+              <a:spAutoFit/>
+            </a:bodyPr>
+            <a:lstStyle/>
+            <a:p>
+              <a:pPr algn="ctr"/>
+              <a:r>
+                <a:rPr lang="en-GB" sz="600" dirty="0">
+                  <a:solidFill>
+                    <a:schemeClr val="tx1">
+                      <a:lumMod val="65000"/>
+                      <a:lumOff val="35000"/>
+                    </a:schemeClr>
+                  </a:solidFill>
+                </a:rPr>
+                <a:t>.5</a:t>
+              </a:r>
+            </a:p>
+          </p:txBody>
+        </p:sp>
+        <p:sp>
+          <p:nvSpPr>
+            <p:cNvPr id="236" name="TextBox 235">
+              <a:extLst>
+                <a:ext uri="{FF2B5EF4-FFF2-40B4-BE49-F238E27FC236}">
+                  <a16:creationId xmlns:a16="http://schemas.microsoft.com/office/drawing/2014/main" id="{0395CC86-03E8-AF01-96EB-AD70EC68B759}"/>
+                </a:ext>
+              </a:extLst>
+            </p:cNvPr>
+            <p:cNvSpPr txBox="1"/>
+            <p:nvPr/>
+          </p:nvSpPr>
+          <p:spPr>
+            <a:xfrm>
+              <a:off x="7554436" y="2062509"/>
+              <a:ext cx="263103" cy="184666"/>
+            </a:xfrm>
+            <a:prstGeom prst="rect">
+              <a:avLst/>
+            </a:prstGeom>
+            <a:noFill/>
+            <a:ln w="3175">
+              <a:noFill/>
+            </a:ln>
+          </p:spPr>
+          <p:txBody>
+            <a:bodyPr wrap="square" rtlCol="0">
+              <a:spAutoFit/>
+            </a:bodyPr>
+            <a:lstStyle/>
+            <a:p>
+              <a:pPr algn="ctr"/>
+              <a:r>
+                <a:rPr lang="en-GB" sz="600" dirty="0">
+                  <a:solidFill>
+                    <a:schemeClr val="tx1">
+                      <a:lumMod val="65000"/>
+                      <a:lumOff val="35000"/>
+                    </a:schemeClr>
+                  </a:solidFill>
+                </a:rPr>
+                <a:t>0</a:t>
+              </a:r>
+            </a:p>
+          </p:txBody>
+        </p:sp>
+        <p:sp>
+          <p:nvSpPr>
+            <p:cNvPr id="237" name="TextBox 236">
+              <a:extLst>
+                <a:ext uri="{FF2B5EF4-FFF2-40B4-BE49-F238E27FC236}">
+                  <a16:creationId xmlns:a16="http://schemas.microsoft.com/office/drawing/2014/main" id="{729A548E-22FF-3C4B-4D95-6C3AD28AF55F}"/>
+                </a:ext>
+              </a:extLst>
+            </p:cNvPr>
+            <p:cNvSpPr txBox="1"/>
+            <p:nvPr/>
+          </p:nvSpPr>
+          <p:spPr>
+            <a:xfrm>
+              <a:off x="8084807" y="2062509"/>
+              <a:ext cx="263103" cy="184666"/>
+            </a:xfrm>
+            <a:prstGeom prst="rect">
+              <a:avLst/>
+            </a:prstGeom>
+            <a:noFill/>
+            <a:ln w="3175">
+              <a:noFill/>
+            </a:ln>
+          </p:spPr>
+          <p:txBody>
+            <a:bodyPr wrap="square" rtlCol="0">
+              <a:spAutoFit/>
+            </a:bodyPr>
+            <a:lstStyle/>
+            <a:p>
+              <a:pPr algn="ctr"/>
+              <a:r>
+                <a:rPr lang="en-GB" sz="600" dirty="0">
+                  <a:solidFill>
+                    <a:schemeClr val="tx1">
+                      <a:lumMod val="65000"/>
+                      <a:lumOff val="35000"/>
+                    </a:schemeClr>
+                  </a:solidFill>
+                </a:rPr>
+                <a:t>1</a:t>
+              </a:r>
+            </a:p>
+          </p:txBody>
+        </p:sp>
+        <p:sp>
+          <p:nvSpPr>
+            <p:cNvPr id="238" name="TextBox 237">
+              <a:extLst>
+                <a:ext uri="{FF2B5EF4-FFF2-40B4-BE49-F238E27FC236}">
+                  <a16:creationId xmlns:a16="http://schemas.microsoft.com/office/drawing/2014/main" id="{0FD2DA47-6662-CD9C-40E0-FF5AEF52BC33}"/>
+                </a:ext>
+              </a:extLst>
+            </p:cNvPr>
+            <p:cNvSpPr txBox="1"/>
+            <p:nvPr/>
+          </p:nvSpPr>
+          <p:spPr>
+            <a:xfrm>
+              <a:off x="7490405" y="2004475"/>
+              <a:ext cx="263103" cy="184666"/>
+            </a:xfrm>
+            <a:prstGeom prst="rect">
+              <a:avLst/>
+            </a:prstGeom>
+            <a:noFill/>
+            <a:ln w="3175">
+              <a:noFill/>
+            </a:ln>
+          </p:spPr>
+          <p:txBody>
+            <a:bodyPr wrap="square" rtlCol="0">
+              <a:spAutoFit/>
+            </a:bodyPr>
+            <a:lstStyle/>
+            <a:p>
+              <a:pPr algn="r"/>
+              <a:r>
+                <a:rPr lang="en-GB" sz="600" dirty="0">
+                  <a:solidFill>
+                    <a:schemeClr val="tx1">
+                      <a:lumMod val="65000"/>
+                      <a:lumOff val="35000"/>
+                    </a:schemeClr>
+                  </a:solidFill>
+                </a:rPr>
+                <a:t>0</a:t>
+              </a:r>
+            </a:p>
+          </p:txBody>
+        </p:sp>
+        <p:sp>
+          <p:nvSpPr>
+            <p:cNvPr id="239" name="TextBox 238">
+              <a:extLst>
+                <a:ext uri="{FF2B5EF4-FFF2-40B4-BE49-F238E27FC236}">
+                  <a16:creationId xmlns:a16="http://schemas.microsoft.com/office/drawing/2014/main" id="{F39D564F-06E1-486E-38CA-2D738F76DE62}"/>
+                </a:ext>
+              </a:extLst>
+            </p:cNvPr>
+            <p:cNvSpPr txBox="1"/>
+            <p:nvPr/>
+          </p:nvSpPr>
+          <p:spPr>
+            <a:xfrm>
+              <a:off x="7490405" y="1746973"/>
+              <a:ext cx="263103" cy="184666"/>
+            </a:xfrm>
+            <a:prstGeom prst="rect">
+              <a:avLst/>
+            </a:prstGeom>
+            <a:noFill/>
+            <a:ln w="3175">
+              <a:noFill/>
+            </a:ln>
+          </p:spPr>
+          <p:txBody>
+            <a:bodyPr wrap="square" rtlCol="0">
+              <a:spAutoFit/>
+            </a:bodyPr>
+            <a:lstStyle/>
+            <a:p>
+              <a:pPr algn="r"/>
+              <a:r>
+                <a:rPr lang="en-GB" sz="600" dirty="0">
+                  <a:solidFill>
+                    <a:schemeClr val="tx1">
+                      <a:lumMod val="65000"/>
+                      <a:lumOff val="35000"/>
+                    </a:schemeClr>
+                  </a:solidFill>
+                </a:rPr>
+                <a:t>.5</a:t>
+              </a:r>
+            </a:p>
+          </p:txBody>
+        </p:sp>
+        <p:sp>
+          <p:nvSpPr>
+            <p:cNvPr id="240" name="TextBox 239">
+              <a:extLst>
+                <a:ext uri="{FF2B5EF4-FFF2-40B4-BE49-F238E27FC236}">
+                  <a16:creationId xmlns:a16="http://schemas.microsoft.com/office/drawing/2014/main" id="{A38AF662-B00C-9776-E074-A31F2B534E17}"/>
+                </a:ext>
+              </a:extLst>
+            </p:cNvPr>
+            <p:cNvSpPr txBox="1"/>
+            <p:nvPr/>
+          </p:nvSpPr>
+          <p:spPr>
+            <a:xfrm>
+              <a:off x="7490405" y="1495456"/>
+              <a:ext cx="263103" cy="184666"/>
+            </a:xfrm>
+            <a:prstGeom prst="rect">
+              <a:avLst/>
+            </a:prstGeom>
+            <a:noFill/>
+            <a:ln w="3175">
+              <a:noFill/>
+            </a:ln>
+          </p:spPr>
+          <p:txBody>
+            <a:bodyPr wrap="square" rtlCol="0">
+              <a:spAutoFit/>
+            </a:bodyPr>
+            <a:lstStyle/>
+            <a:p>
+              <a:pPr algn="r"/>
+              <a:r>
+                <a:rPr lang="en-GB" sz="600" dirty="0">
+                  <a:solidFill>
+                    <a:schemeClr val="tx1">
+                      <a:lumMod val="65000"/>
+                      <a:lumOff val="35000"/>
+                    </a:schemeClr>
+                  </a:solidFill>
+                </a:rPr>
+                <a:t>1</a:t>
+              </a:r>
+            </a:p>
+          </p:txBody>
+        </p:sp>
+        <p:pic>
+          <p:nvPicPr>
+            <p:cNvPr id="241" name="Picture 240" descr="A diagram of a graph&#10;&#10;Description automatically generated">
+              <a:extLst>
+                <a:ext uri="{FF2B5EF4-FFF2-40B4-BE49-F238E27FC236}">
+                  <a16:creationId xmlns:a16="http://schemas.microsoft.com/office/drawing/2014/main" id="{84B22CE6-C81F-A3E9-9303-9B686B0E9BE4}"/>
+                </a:ext>
+              </a:extLst>
+            </p:cNvPr>
+            <p:cNvPicPr>
+              <a:picLocks noChangeAspect="1"/>
+            </p:cNvPicPr>
+            <p:nvPr/>
+          </p:nvPicPr>
+          <p:blipFill rotWithShape="1">
+            <a:blip r:embed="rId12">
+              <a:extLst>
+                <a:ext uri="{28A0092B-C50C-407E-A947-70E740481C1C}">
+                  <a14:useLocalDpi xmlns:a14="http://schemas.microsoft.com/office/drawing/2010/main" val="0"/>
+                </a:ext>
+              </a:extLst>
+            </a:blip>
+            <a:srcRect l="12659" t="12689" r="10515" b="11405"/>
+            <a:stretch/>
+          </p:blipFill>
+          <p:spPr>
+            <a:xfrm>
+              <a:off x="7678155" y="1569306"/>
+              <a:ext cx="546536" cy="540000"/>
+            </a:xfrm>
+            <a:prstGeom prst="rect">
+              <a:avLst/>
+            </a:prstGeom>
+            <a:ln w="3175">
+              <a:solidFill>
+                <a:schemeClr val="tx1">
+                  <a:lumMod val="65000"/>
+                  <a:lumOff val="35000"/>
+                </a:schemeClr>
+              </a:solidFill>
+            </a:ln>
+          </p:spPr>
+        </p:pic>
+      </p:grpSp>
+      <p:grpSp>
+        <p:nvGrpSpPr>
+          <p:cNvPr id="242" name="Group 241">
+            <a:extLst>
+              <a:ext uri="{FF2B5EF4-FFF2-40B4-BE49-F238E27FC236}">
+                <a16:creationId xmlns:a16="http://schemas.microsoft.com/office/drawing/2014/main" id="{CCE9B9EC-D353-AE51-7608-E4B236FDEDE7}"/>
+              </a:ext>
+            </a:extLst>
+          </p:cNvPr>
+          <p:cNvGrpSpPr/>
+          <p:nvPr/>
+        </p:nvGrpSpPr>
+        <p:grpSpPr>
+          <a:xfrm>
+            <a:off x="658280" y="5165145"/>
+            <a:ext cx="857505" cy="751719"/>
+            <a:chOff x="9346308" y="1495456"/>
+            <a:chExt cx="857505" cy="751719"/>
+          </a:xfrm>
+        </p:grpSpPr>
+        <p:sp>
+          <p:nvSpPr>
+            <p:cNvPr id="243" name="Rectangle 242">
+              <a:extLst>
+                <a:ext uri="{FF2B5EF4-FFF2-40B4-BE49-F238E27FC236}">
+                  <a16:creationId xmlns:a16="http://schemas.microsoft.com/office/drawing/2014/main" id="{9887F7F9-0CE4-A6A3-5344-AB421FF32AB1}"/>
+                </a:ext>
+              </a:extLst>
+            </p:cNvPr>
+            <p:cNvSpPr/>
+            <p:nvPr/>
+          </p:nvSpPr>
+          <p:spPr>
+            <a:xfrm>
+              <a:off x="9432111" y="1520174"/>
+              <a:ext cx="699373" cy="684000"/>
+            </a:xfrm>
+            <a:prstGeom prst="rect">
+              <a:avLst/>
+            </a:prstGeom>
+            <a:solidFill>
+              <a:schemeClr val="bg1"/>
+            </a:solidFill>
+            <a:ln w="3175">
+              <a:solidFill>
+                <a:schemeClr val="tx1">
+                  <a:lumMod val="65000"/>
+                  <a:lumOff val="35000"/>
+                </a:schemeClr>
+              </a:solidFill>
+            </a:ln>
+          </p:spPr>
+          <p:style>
+            <a:lnRef idx="2">
+              <a:schemeClr val="accent1">
+                <a:shade val="15000"/>
+              </a:schemeClr>
+            </a:lnRef>
+            <a:fillRef idx="1">
+              <a:schemeClr val="accent1"/>
+            </a:fillRef>
+            <a:effectRef idx="0">
+              <a:schemeClr val="accent1"/>
+            </a:effectRef>
+            <a:fontRef idx="minor">
+              <a:schemeClr val="lt1"/>
+            </a:fontRef>
+          </p:style>
+          <p:txBody>
+            <a:bodyPr rtlCol="0" anchor="ctr"/>
+            <a:lstStyle/>
+            <a:p>
+              <a:pPr algn="ctr"/>
+              <a:endParaRPr lang="en-GB"/>
+            </a:p>
+          </p:txBody>
+        </p:sp>
+        <p:sp>
+          <p:nvSpPr>
+            <p:cNvPr id="244" name="TextBox 243">
+              <a:extLst>
+                <a:ext uri="{FF2B5EF4-FFF2-40B4-BE49-F238E27FC236}">
+                  <a16:creationId xmlns:a16="http://schemas.microsoft.com/office/drawing/2014/main" id="{3186A9C8-BB57-8F3C-6033-4FF301983EDE}"/>
+                </a:ext>
+              </a:extLst>
+            </p:cNvPr>
+            <p:cNvSpPr txBox="1"/>
+            <p:nvPr/>
+          </p:nvSpPr>
+          <p:spPr>
+            <a:xfrm>
+              <a:off x="9675775" y="2062509"/>
+              <a:ext cx="263103" cy="184666"/>
+            </a:xfrm>
+            <a:prstGeom prst="rect">
+              <a:avLst/>
+            </a:prstGeom>
+            <a:noFill/>
+            <a:ln w="3175">
+              <a:noFill/>
+            </a:ln>
+          </p:spPr>
+          <p:txBody>
+            <a:bodyPr wrap="square" rtlCol="0">
+              <a:spAutoFit/>
+            </a:bodyPr>
+            <a:lstStyle/>
+            <a:p>
+              <a:pPr algn="ctr"/>
+              <a:r>
+                <a:rPr lang="en-GB" sz="600" dirty="0">
+                  <a:solidFill>
+                    <a:schemeClr val="tx1">
+                      <a:lumMod val="65000"/>
+                      <a:lumOff val="35000"/>
+                    </a:schemeClr>
+                  </a:solidFill>
+                </a:rPr>
+                <a:t>.5</a:t>
+              </a:r>
+            </a:p>
+          </p:txBody>
+        </p:sp>
+        <p:sp>
+          <p:nvSpPr>
+            <p:cNvPr id="245" name="TextBox 244">
+              <a:extLst>
+                <a:ext uri="{FF2B5EF4-FFF2-40B4-BE49-F238E27FC236}">
+                  <a16:creationId xmlns:a16="http://schemas.microsoft.com/office/drawing/2014/main" id="{116D1961-5F24-EDAE-7082-2AEBD5B6B326}"/>
+                </a:ext>
+              </a:extLst>
+            </p:cNvPr>
+            <p:cNvSpPr txBox="1"/>
+            <p:nvPr/>
+          </p:nvSpPr>
+          <p:spPr>
+            <a:xfrm>
+              <a:off x="9410339" y="2062509"/>
+              <a:ext cx="263103" cy="184666"/>
+            </a:xfrm>
+            <a:prstGeom prst="rect">
+              <a:avLst/>
+            </a:prstGeom>
+            <a:noFill/>
+            <a:ln w="3175">
+              <a:noFill/>
+            </a:ln>
+          </p:spPr>
+          <p:txBody>
+            <a:bodyPr wrap="square" rtlCol="0">
+              <a:spAutoFit/>
+            </a:bodyPr>
+            <a:lstStyle/>
+            <a:p>
+              <a:pPr algn="ctr"/>
+              <a:r>
+                <a:rPr lang="en-GB" sz="600" dirty="0">
+                  <a:solidFill>
+                    <a:schemeClr val="tx1">
+                      <a:lumMod val="65000"/>
+                      <a:lumOff val="35000"/>
+                    </a:schemeClr>
+                  </a:solidFill>
+                </a:rPr>
+                <a:t>0</a:t>
+              </a:r>
+            </a:p>
+          </p:txBody>
+        </p:sp>
+        <p:sp>
+          <p:nvSpPr>
+            <p:cNvPr id="246" name="TextBox 245">
+              <a:extLst>
+                <a:ext uri="{FF2B5EF4-FFF2-40B4-BE49-F238E27FC236}">
+                  <a16:creationId xmlns:a16="http://schemas.microsoft.com/office/drawing/2014/main" id="{03CC2041-C83D-3140-A3E5-C7FC4AA804DF}"/>
+                </a:ext>
+              </a:extLst>
+            </p:cNvPr>
+            <p:cNvSpPr txBox="1"/>
+            <p:nvPr/>
+          </p:nvSpPr>
+          <p:spPr>
+            <a:xfrm>
+              <a:off x="9940710" y="2062509"/>
+              <a:ext cx="263103" cy="184666"/>
+            </a:xfrm>
+            <a:prstGeom prst="rect">
+              <a:avLst/>
+            </a:prstGeom>
+            <a:noFill/>
+            <a:ln w="3175">
+              <a:noFill/>
+            </a:ln>
+          </p:spPr>
+          <p:txBody>
+            <a:bodyPr wrap="square" rtlCol="0">
+              <a:spAutoFit/>
+            </a:bodyPr>
+            <a:lstStyle/>
+            <a:p>
+              <a:pPr algn="ctr"/>
+              <a:r>
+                <a:rPr lang="en-GB" sz="600" dirty="0">
+                  <a:solidFill>
+                    <a:schemeClr val="tx1">
+                      <a:lumMod val="65000"/>
+                      <a:lumOff val="35000"/>
+                    </a:schemeClr>
+                  </a:solidFill>
+                </a:rPr>
+                <a:t>1</a:t>
+              </a:r>
+            </a:p>
+          </p:txBody>
+        </p:sp>
+        <p:pic>
+          <p:nvPicPr>
+            <p:cNvPr id="247" name="Picture 246" descr="A diagram of a graph&#10;&#10;Description automatically generated">
+              <a:extLst>
+                <a:ext uri="{FF2B5EF4-FFF2-40B4-BE49-F238E27FC236}">
+                  <a16:creationId xmlns:a16="http://schemas.microsoft.com/office/drawing/2014/main" id="{494434EB-B244-0573-44F7-3FB7D4737E53}"/>
+                </a:ext>
+              </a:extLst>
+            </p:cNvPr>
+            <p:cNvPicPr>
+              <a:picLocks noChangeAspect="1"/>
+            </p:cNvPicPr>
+            <p:nvPr/>
+          </p:nvPicPr>
+          <p:blipFill rotWithShape="1">
+            <a:blip r:embed="rId13">
+              <a:extLst>
+                <a:ext uri="{28A0092B-C50C-407E-A947-70E740481C1C}">
+                  <a14:useLocalDpi xmlns:a14="http://schemas.microsoft.com/office/drawing/2010/main" val="0"/>
+                </a:ext>
+              </a:extLst>
+            </a:blip>
+            <a:srcRect l="12659" t="12689" r="10514" b="11405"/>
+            <a:stretch/>
+          </p:blipFill>
+          <p:spPr>
+            <a:xfrm>
+              <a:off x="9534058" y="1569306"/>
+              <a:ext cx="546536" cy="540000"/>
+            </a:xfrm>
+            <a:prstGeom prst="rect">
+              <a:avLst/>
+            </a:prstGeom>
+            <a:ln w="3175">
+              <a:solidFill>
+                <a:schemeClr val="tx1">
+                  <a:lumMod val="65000"/>
+                  <a:lumOff val="35000"/>
+                </a:schemeClr>
+              </a:solidFill>
+            </a:ln>
+          </p:spPr>
+        </p:pic>
+        <p:sp>
+          <p:nvSpPr>
+            <p:cNvPr id="248" name="TextBox 247">
+              <a:extLst>
+                <a:ext uri="{FF2B5EF4-FFF2-40B4-BE49-F238E27FC236}">
+                  <a16:creationId xmlns:a16="http://schemas.microsoft.com/office/drawing/2014/main" id="{2AC2E27F-8C6B-40F0-DEF8-3821238782D4}"/>
+                </a:ext>
+              </a:extLst>
+            </p:cNvPr>
+            <p:cNvSpPr txBox="1"/>
+            <p:nvPr/>
+          </p:nvSpPr>
+          <p:spPr>
+            <a:xfrm>
+              <a:off x="9346308" y="2004475"/>
+              <a:ext cx="263103" cy="184666"/>
+            </a:xfrm>
+            <a:prstGeom prst="rect">
+              <a:avLst/>
+            </a:prstGeom>
+            <a:noFill/>
+            <a:ln w="3175">
+              <a:noFill/>
+            </a:ln>
+          </p:spPr>
+          <p:txBody>
+            <a:bodyPr wrap="square" rtlCol="0">
+              <a:spAutoFit/>
+            </a:bodyPr>
+            <a:lstStyle/>
+            <a:p>
+              <a:pPr algn="r"/>
+              <a:r>
+                <a:rPr lang="en-GB" sz="600" dirty="0">
+                  <a:solidFill>
+                    <a:schemeClr val="tx1">
+                      <a:lumMod val="65000"/>
+                      <a:lumOff val="35000"/>
+                    </a:schemeClr>
+                  </a:solidFill>
+                </a:rPr>
+                <a:t>0</a:t>
+              </a:r>
+            </a:p>
+          </p:txBody>
+        </p:sp>
+        <p:sp>
+          <p:nvSpPr>
+            <p:cNvPr id="249" name="TextBox 248">
+              <a:extLst>
+                <a:ext uri="{FF2B5EF4-FFF2-40B4-BE49-F238E27FC236}">
+                  <a16:creationId xmlns:a16="http://schemas.microsoft.com/office/drawing/2014/main" id="{89D7225B-2D78-B3A2-AE8A-3249A3ECE1A5}"/>
+                </a:ext>
+              </a:extLst>
+            </p:cNvPr>
+            <p:cNvSpPr txBox="1"/>
+            <p:nvPr/>
+          </p:nvSpPr>
+          <p:spPr>
+            <a:xfrm>
+              <a:off x="9346308" y="1746973"/>
+              <a:ext cx="263103" cy="184666"/>
+            </a:xfrm>
+            <a:prstGeom prst="rect">
+              <a:avLst/>
+            </a:prstGeom>
+            <a:noFill/>
+            <a:ln w="3175">
+              <a:noFill/>
+            </a:ln>
+          </p:spPr>
+          <p:txBody>
+            <a:bodyPr wrap="square" rtlCol="0">
+              <a:spAutoFit/>
+            </a:bodyPr>
+            <a:lstStyle/>
+            <a:p>
+              <a:pPr algn="r"/>
+              <a:r>
+                <a:rPr lang="en-GB" sz="600" dirty="0">
+                  <a:solidFill>
+                    <a:schemeClr val="tx1">
+                      <a:lumMod val="65000"/>
+                      <a:lumOff val="35000"/>
+                    </a:schemeClr>
+                  </a:solidFill>
+                </a:rPr>
+                <a:t>.5</a:t>
+              </a:r>
+            </a:p>
+          </p:txBody>
+        </p:sp>
+        <p:sp>
+          <p:nvSpPr>
+            <p:cNvPr id="250" name="TextBox 249">
+              <a:extLst>
+                <a:ext uri="{FF2B5EF4-FFF2-40B4-BE49-F238E27FC236}">
+                  <a16:creationId xmlns:a16="http://schemas.microsoft.com/office/drawing/2014/main" id="{AA464995-1B6D-BC69-138B-1ABD37217937}"/>
+                </a:ext>
+              </a:extLst>
+            </p:cNvPr>
+            <p:cNvSpPr txBox="1"/>
+            <p:nvPr/>
+          </p:nvSpPr>
+          <p:spPr>
+            <a:xfrm>
+              <a:off x="9346308" y="1495456"/>
+              <a:ext cx="263103" cy="184666"/>
+            </a:xfrm>
+            <a:prstGeom prst="rect">
+              <a:avLst/>
+            </a:prstGeom>
+            <a:noFill/>
+            <a:ln w="3175">
+              <a:noFill/>
+            </a:ln>
+          </p:spPr>
+          <p:txBody>
+            <a:bodyPr wrap="square" rtlCol="0">
+              <a:spAutoFit/>
+            </a:bodyPr>
+            <a:lstStyle/>
+            <a:p>
+              <a:pPr algn="r"/>
+              <a:r>
+                <a:rPr lang="en-GB" sz="600" dirty="0">
+                  <a:solidFill>
+                    <a:schemeClr val="tx1">
+                      <a:lumMod val="65000"/>
+                      <a:lumOff val="35000"/>
+                    </a:schemeClr>
+                  </a:solidFill>
+                </a:rPr>
+                <a:t>1</a:t>
+              </a:r>
+            </a:p>
+          </p:txBody>
+        </p:sp>
+      </p:grpSp>
+      <p:cxnSp>
+        <p:nvCxnSpPr>
+          <p:cNvPr id="251" name="Straight Connector 250">
+            <a:extLst>
+              <a:ext uri="{FF2B5EF4-FFF2-40B4-BE49-F238E27FC236}">
+                <a16:creationId xmlns:a16="http://schemas.microsoft.com/office/drawing/2014/main" id="{D535433B-F86E-3CFA-9D25-E088BCF1FD51}"/>
+              </a:ext>
+            </a:extLst>
+          </p:cNvPr>
+          <p:cNvCxnSpPr>
+            <a:cxnSpLocks/>
+          </p:cNvCxnSpPr>
+          <p:nvPr/>
+        </p:nvCxnSpPr>
+        <p:spPr>
+          <a:xfrm>
+            <a:off x="5062662" y="650842"/>
+            <a:ext cx="360000" cy="0"/>
+          </a:xfrm>
+          <a:prstGeom prst="line">
+            <a:avLst/>
+          </a:prstGeom>
+          <a:ln w="12700">
+            <a:solidFill>
+              <a:srgbClr val="028D89"/>
+            </a:solidFill>
+          </a:ln>
+        </p:spPr>
+        <p:style>
+          <a:lnRef idx="1">
+            <a:schemeClr val="accent1"/>
+          </a:lnRef>
+          <a:fillRef idx="0">
+            <a:schemeClr val="accent1"/>
+          </a:fillRef>
+          <a:effectRef idx="0">
+            <a:schemeClr val="accent1"/>
+          </a:effectRef>
+          <a:fontRef idx="minor">
+            <a:schemeClr val="tx1"/>
+          </a:fontRef>
+        </p:style>
+      </p:cxnSp>
+      <p:cxnSp>
+        <p:nvCxnSpPr>
+          <p:cNvPr id="252" name="Straight Connector 251">
+            <a:extLst>
+              <a:ext uri="{FF2B5EF4-FFF2-40B4-BE49-F238E27FC236}">
+                <a16:creationId xmlns:a16="http://schemas.microsoft.com/office/drawing/2014/main" id="{75AAECC4-5406-83A1-5BD2-C05F69937919}"/>
+              </a:ext>
+            </a:extLst>
+          </p:cNvPr>
+          <p:cNvCxnSpPr>
+            <a:cxnSpLocks/>
+          </p:cNvCxnSpPr>
+          <p:nvPr/>
+        </p:nvCxnSpPr>
+        <p:spPr>
+          <a:xfrm>
+            <a:off x="5503408" y="651043"/>
+            <a:ext cx="360000" cy="0"/>
+          </a:xfrm>
+          <a:prstGeom prst="line">
+            <a:avLst/>
+          </a:prstGeom>
+          <a:ln w="12700">
+            <a:solidFill>
+              <a:srgbClr val="FF4005"/>
+            </a:solidFill>
+          </a:ln>
+        </p:spPr>
+        <p:style>
+          <a:lnRef idx="1">
+            <a:schemeClr val="accent1"/>
+          </a:lnRef>
+          <a:fillRef idx="0">
+            <a:schemeClr val="accent1"/>
+          </a:fillRef>
+          <a:effectRef idx="0">
+            <a:schemeClr val="accent1"/>
+          </a:effectRef>
+          <a:fontRef idx="minor">
+            <a:schemeClr val="tx1"/>
+          </a:fontRef>
+        </p:style>
+      </p:cxnSp>
+      <p:cxnSp>
+        <p:nvCxnSpPr>
+          <p:cNvPr id="253" name="Straight Connector 252">
+            <a:extLst>
+              <a:ext uri="{FF2B5EF4-FFF2-40B4-BE49-F238E27FC236}">
+                <a16:creationId xmlns:a16="http://schemas.microsoft.com/office/drawing/2014/main" id="{80FA816B-B356-1054-E1C6-C728C3CD94FC}"/>
+              </a:ext>
+            </a:extLst>
+          </p:cNvPr>
+          <p:cNvCxnSpPr>
+            <a:cxnSpLocks/>
+          </p:cNvCxnSpPr>
+          <p:nvPr/>
+        </p:nvCxnSpPr>
+        <p:spPr>
+          <a:xfrm>
+            <a:off x="5937010" y="651043"/>
+            <a:ext cx="360000" cy="0"/>
+          </a:xfrm>
+          <a:prstGeom prst="line">
+            <a:avLst/>
+          </a:prstGeom>
+          <a:ln w="12700">
+            <a:solidFill>
+              <a:srgbClr val="686868"/>
+            </a:solidFill>
+          </a:ln>
+        </p:spPr>
+        <p:style>
+          <a:lnRef idx="1">
+            <a:schemeClr val="accent1"/>
+          </a:lnRef>
+          <a:fillRef idx="0">
+            <a:schemeClr val="accent1"/>
+          </a:fillRef>
+          <a:effectRef idx="0">
+            <a:schemeClr val="accent1"/>
+          </a:effectRef>
+          <a:fontRef idx="minor">
+            <a:schemeClr val="tx1"/>
+          </a:fontRef>
+        </p:style>
+      </p:cxnSp>
+      <p:sp>
+        <p:nvSpPr>
+          <p:cNvPr id="254" name="CasellaDiTesto 70">
+            <a:extLst>
+              <a:ext uri="{FF2B5EF4-FFF2-40B4-BE49-F238E27FC236}">
+                <a16:creationId xmlns:a16="http://schemas.microsoft.com/office/drawing/2014/main" id="{02A59D98-35E7-DDA8-038C-2BC287EF423F}"/>
+              </a:ext>
+            </a:extLst>
+          </p:cNvPr>
+          <p:cNvSpPr txBox="1"/>
+          <p:nvPr/>
+        </p:nvSpPr>
+        <p:spPr>
+          <a:xfrm>
+            <a:off x="4990332" y="414374"/>
+            <a:ext cx="504659" cy="184666"/>
+          </a:xfrm>
+          <a:prstGeom prst="rect">
+            <a:avLst/>
+          </a:prstGeom>
+          <a:noFill/>
+          <a:ln>
+            <a:noFill/>
+          </a:ln>
+        </p:spPr>
+        <p:txBody>
+          <a:bodyPr wrap="square" rtlCol="0">
+            <a:spAutoFit/>
+          </a:bodyPr>
+          <a:lstStyle/>
+          <a:p>
+            <a:pPr algn="ctr"/>
+            <a:r>
+              <a:rPr lang="it-IT" sz="600" dirty="0">
+                <a:solidFill>
+                  <a:schemeClr val="tx1">
+                    <a:lumMod val="75000"/>
+                    <a:lumOff val="25000"/>
+                  </a:schemeClr>
+                </a:solidFill>
+              </a:rPr>
+              <a:t>ENS</a:t>
+            </a:r>
+          </a:p>
+        </p:txBody>
+      </p:sp>
+      <p:sp>
+        <p:nvSpPr>
+          <p:cNvPr id="255" name="CasellaDiTesto 70">
+            <a:extLst>
+              <a:ext uri="{FF2B5EF4-FFF2-40B4-BE49-F238E27FC236}">
+                <a16:creationId xmlns:a16="http://schemas.microsoft.com/office/drawing/2014/main" id="{EC39C410-7E1D-C186-A2FF-24FFA5CE11CF}"/>
+              </a:ext>
+            </a:extLst>
+          </p:cNvPr>
+          <p:cNvSpPr txBox="1"/>
+          <p:nvPr/>
+        </p:nvSpPr>
+        <p:spPr>
+          <a:xfrm>
+            <a:off x="5359223" y="360513"/>
+            <a:ext cx="641883" cy="276999"/>
+          </a:xfrm>
+          <a:prstGeom prst="rect">
+            <a:avLst/>
+          </a:prstGeom>
+          <a:noFill/>
+          <a:ln>
+            <a:noFill/>
+          </a:ln>
+        </p:spPr>
+        <p:txBody>
+          <a:bodyPr wrap="square" rtlCol="0">
+            <a:spAutoFit/>
+          </a:bodyPr>
+          <a:lstStyle/>
+          <a:p>
+            <a:pPr algn="ctr"/>
+            <a:r>
+              <a:rPr lang="it-IT" sz="600" dirty="0">
+                <a:solidFill>
+                  <a:schemeClr val="tx1">
+                    <a:lumMod val="75000"/>
+                    <a:lumOff val="25000"/>
+                  </a:schemeClr>
+                </a:solidFill>
+              </a:rPr>
+              <a:t>Multiple-WT</a:t>
+            </a:r>
+          </a:p>
+          <a:p>
+            <a:pPr algn="ctr"/>
+            <a:r>
+              <a:rPr lang="it-IT" sz="600" dirty="0">
+                <a:solidFill>
+                  <a:schemeClr val="tx1">
+                    <a:lumMod val="75000"/>
+                    <a:lumOff val="25000"/>
+                  </a:schemeClr>
+                </a:solidFill>
+              </a:rPr>
+              <a:t>ecPoint</a:t>
+            </a:r>
+          </a:p>
+        </p:txBody>
+      </p:sp>
+      <p:sp>
+        <p:nvSpPr>
+          <p:cNvPr id="256" name="CasellaDiTesto 70">
+            <a:extLst>
+              <a:ext uri="{FF2B5EF4-FFF2-40B4-BE49-F238E27FC236}">
+                <a16:creationId xmlns:a16="http://schemas.microsoft.com/office/drawing/2014/main" id="{9761CDFA-46AF-951F-EB6D-A1C35EBDD0E5}"/>
+              </a:ext>
+            </a:extLst>
+          </p:cNvPr>
+          <p:cNvSpPr txBox="1"/>
+          <p:nvPr/>
+        </p:nvSpPr>
+        <p:spPr>
+          <a:xfrm>
+            <a:off x="5796067" y="360513"/>
+            <a:ext cx="641883" cy="276999"/>
+          </a:xfrm>
+          <a:prstGeom prst="rect">
+            <a:avLst/>
+          </a:prstGeom>
+          <a:noFill/>
+          <a:ln>
+            <a:noFill/>
+          </a:ln>
+        </p:spPr>
+        <p:txBody>
+          <a:bodyPr wrap="square" rtlCol="0">
+            <a:spAutoFit/>
+          </a:bodyPr>
+          <a:lstStyle/>
+          <a:p>
+            <a:pPr algn="ctr"/>
+            <a:r>
+              <a:rPr lang="it-IT" sz="600" dirty="0">
+                <a:solidFill>
+                  <a:schemeClr val="tx1">
+                    <a:lumMod val="75000"/>
+                    <a:lumOff val="25000"/>
+                  </a:schemeClr>
+                </a:solidFill>
+              </a:rPr>
+              <a:t>Single-WT</a:t>
+            </a:r>
+          </a:p>
+          <a:p>
+            <a:pPr algn="ctr"/>
+            <a:r>
+              <a:rPr lang="it-IT" sz="600" dirty="0">
+                <a:solidFill>
+                  <a:schemeClr val="tx1">
+                    <a:lumMod val="75000"/>
+                    <a:lumOff val="25000"/>
+                  </a:schemeClr>
+                </a:solidFill>
+              </a:rPr>
+              <a:t>ecPoint</a:t>
+            </a:r>
+          </a:p>
+        </p:txBody>
+      </p:sp>
+      <p:sp>
+        <p:nvSpPr>
+          <p:cNvPr id="257" name="CasellaDiTesto 70">
+            <a:extLst>
+              <a:ext uri="{FF2B5EF4-FFF2-40B4-BE49-F238E27FC236}">
+                <a16:creationId xmlns:a16="http://schemas.microsoft.com/office/drawing/2014/main" id="{E9406154-3A64-1A87-8528-7FFD2E5442FC}"/>
+              </a:ext>
+            </a:extLst>
+          </p:cNvPr>
+          <p:cNvSpPr txBox="1"/>
+          <p:nvPr/>
+        </p:nvSpPr>
+        <p:spPr>
+          <a:xfrm>
+            <a:off x="6260980" y="532441"/>
+            <a:ext cx="709370" cy="184666"/>
+          </a:xfrm>
+          <a:prstGeom prst="rect">
+            <a:avLst/>
+          </a:prstGeom>
+          <a:noFill/>
+          <a:ln>
+            <a:noFill/>
+          </a:ln>
+        </p:spPr>
+        <p:txBody>
+          <a:bodyPr wrap="square" rtlCol="0">
+            <a:spAutoFit/>
+          </a:bodyPr>
+          <a:lstStyle/>
+          <a:p>
+            <a:r>
+              <a:rPr lang="it-IT" sz="600" dirty="0">
+                <a:solidFill>
+                  <a:schemeClr val="tx1">
+                    <a:lumMod val="75000"/>
+                    <a:lumOff val="25000"/>
+                  </a:schemeClr>
+                </a:solidFill>
+              </a:rPr>
+              <a:t>Real ROC</a:t>
+            </a:r>
+            <a:endParaRPr lang="it-IT" sz="600" baseline="-25000" dirty="0">
+              <a:solidFill>
+                <a:schemeClr val="tx1">
+                  <a:lumMod val="75000"/>
+                  <a:lumOff val="25000"/>
+                </a:schemeClr>
+              </a:solidFill>
+            </a:endParaRPr>
+          </a:p>
+        </p:txBody>
+      </p:sp>
+      <p:sp>
+        <p:nvSpPr>
+          <p:cNvPr id="258" name="Oval 257">
+            <a:extLst>
+              <a:ext uri="{FF2B5EF4-FFF2-40B4-BE49-F238E27FC236}">
+                <a16:creationId xmlns:a16="http://schemas.microsoft.com/office/drawing/2014/main" id="{831FAA6E-3B96-CF02-956D-42F1C2F62B12}"/>
+              </a:ext>
+            </a:extLst>
+          </p:cNvPr>
+          <p:cNvSpPr/>
+          <p:nvPr/>
+        </p:nvSpPr>
+        <p:spPr>
+          <a:xfrm>
+            <a:off x="5221418" y="636400"/>
+            <a:ext cx="36000" cy="36000"/>
+          </a:xfrm>
+          <a:prstGeom prst="ellipse">
+            <a:avLst/>
+          </a:prstGeom>
+          <a:solidFill>
+            <a:srgbClr val="028D89"/>
+          </a:solidFill>
+          <a:ln>
+            <a:solidFill>
+              <a:srgbClr val="028D89"/>
+            </a:solidFill>
+          </a:ln>
+        </p:spPr>
+        <p:style>
+          <a:lnRef idx="2">
+            <a:schemeClr val="accent1">
+              <a:shade val="50000"/>
+            </a:schemeClr>
+          </a:lnRef>
+          <a:fillRef idx="1">
+            <a:schemeClr val="accent1"/>
+          </a:fillRef>
+          <a:effectRef idx="0">
+            <a:schemeClr val="accent1"/>
+          </a:effectRef>
+          <a:fontRef idx="minor">
+            <a:schemeClr val="lt1"/>
+          </a:fontRef>
+        </p:style>
+        <p:txBody>
+          <a:bodyPr rtlCol="0" anchor="ctr"/>
+          <a:lstStyle/>
+          <a:p>
+            <a:pPr algn="ctr"/>
+            <a:endParaRPr lang="en-GB" sz="600"/>
+          </a:p>
+        </p:txBody>
+      </p:sp>
+      <p:sp>
+        <p:nvSpPr>
+          <p:cNvPr id="259" name="Oval 258">
+            <a:extLst>
+              <a:ext uri="{FF2B5EF4-FFF2-40B4-BE49-F238E27FC236}">
+                <a16:creationId xmlns:a16="http://schemas.microsoft.com/office/drawing/2014/main" id="{3AA369CF-4A6F-DB35-70C5-3D26531A3FDC}"/>
+              </a:ext>
+            </a:extLst>
+          </p:cNvPr>
+          <p:cNvSpPr/>
+          <p:nvPr/>
+        </p:nvSpPr>
+        <p:spPr>
+          <a:xfrm>
+            <a:off x="5665654" y="636400"/>
+            <a:ext cx="36000" cy="36000"/>
+          </a:xfrm>
+          <a:prstGeom prst="ellipse">
+            <a:avLst/>
+          </a:prstGeom>
+          <a:solidFill>
+            <a:srgbClr val="FF4005"/>
+          </a:solidFill>
+          <a:ln>
+            <a:solidFill>
+              <a:srgbClr val="FF4005"/>
+            </a:solidFill>
+          </a:ln>
+        </p:spPr>
+        <p:style>
+          <a:lnRef idx="2">
+            <a:schemeClr val="accent1">
+              <a:shade val="50000"/>
+            </a:schemeClr>
+          </a:lnRef>
+          <a:fillRef idx="1">
+            <a:schemeClr val="accent1"/>
+          </a:fillRef>
+          <a:effectRef idx="0">
+            <a:schemeClr val="accent1"/>
+          </a:effectRef>
+          <a:fontRef idx="minor">
+            <a:schemeClr val="lt1"/>
+          </a:fontRef>
+        </p:style>
+        <p:txBody>
+          <a:bodyPr rtlCol="0" anchor="ctr"/>
+          <a:lstStyle/>
+          <a:p>
+            <a:pPr algn="ctr"/>
+            <a:endParaRPr lang="en-GB" sz="600"/>
+          </a:p>
+        </p:txBody>
+      </p:sp>
+      <p:sp>
+        <p:nvSpPr>
+          <p:cNvPr id="260" name="Oval 259">
+            <a:extLst>
+              <a:ext uri="{FF2B5EF4-FFF2-40B4-BE49-F238E27FC236}">
+                <a16:creationId xmlns:a16="http://schemas.microsoft.com/office/drawing/2014/main" id="{2ABD101E-5757-2325-9AB7-DCB7785F946E}"/>
+              </a:ext>
+            </a:extLst>
+          </p:cNvPr>
+          <p:cNvSpPr/>
+          <p:nvPr/>
+        </p:nvSpPr>
+        <p:spPr>
+          <a:xfrm>
+            <a:off x="6102746" y="636400"/>
+            <a:ext cx="36000" cy="36000"/>
+          </a:xfrm>
+          <a:prstGeom prst="ellipse">
+            <a:avLst/>
+          </a:prstGeom>
+          <a:solidFill>
+            <a:srgbClr val="686868"/>
+          </a:solidFill>
+          <a:ln>
+            <a:solidFill>
+              <a:srgbClr val="686868"/>
+            </a:solidFill>
+          </a:ln>
+        </p:spPr>
+        <p:style>
+          <a:lnRef idx="2">
+            <a:schemeClr val="accent1">
+              <a:shade val="50000"/>
+            </a:schemeClr>
+          </a:lnRef>
+          <a:fillRef idx="1">
+            <a:schemeClr val="accent1"/>
+          </a:fillRef>
+          <a:effectRef idx="0">
+            <a:schemeClr val="accent1"/>
+          </a:effectRef>
+          <a:fontRef idx="minor">
+            <a:schemeClr val="lt1"/>
+          </a:fontRef>
+        </p:style>
+        <p:txBody>
+          <a:bodyPr rtlCol="0" anchor="ctr"/>
+          <a:lstStyle/>
+          <a:p>
+            <a:pPr algn="ctr"/>
+            <a:endParaRPr lang="en-GB" sz="600"/>
+          </a:p>
+        </p:txBody>
+      </p:sp>
+      <p:cxnSp>
+        <p:nvCxnSpPr>
+          <p:cNvPr id="261" name="Straight Connector 260">
+            <a:extLst>
+              <a:ext uri="{FF2B5EF4-FFF2-40B4-BE49-F238E27FC236}">
+                <a16:creationId xmlns:a16="http://schemas.microsoft.com/office/drawing/2014/main" id="{83A5348E-8EA8-B160-D404-BE9BC24F77DB}"/>
+              </a:ext>
+            </a:extLst>
+          </p:cNvPr>
+          <p:cNvCxnSpPr>
+            <a:cxnSpLocks/>
+          </p:cNvCxnSpPr>
+          <p:nvPr/>
+        </p:nvCxnSpPr>
+        <p:spPr>
+          <a:xfrm>
+            <a:off x="5062662" y="750795"/>
+            <a:ext cx="360000" cy="0"/>
+          </a:xfrm>
+          <a:prstGeom prst="line">
+            <a:avLst/>
+          </a:prstGeom>
+          <a:ln w="12700">
+            <a:solidFill>
+              <a:srgbClr val="028D89"/>
+            </a:solidFill>
+            <a:prstDash val="sysDash"/>
+          </a:ln>
+        </p:spPr>
+        <p:style>
+          <a:lnRef idx="1">
+            <a:schemeClr val="accent1"/>
+          </a:lnRef>
+          <a:fillRef idx="0">
+            <a:schemeClr val="accent1"/>
+          </a:fillRef>
+          <a:effectRef idx="0">
+            <a:schemeClr val="accent1"/>
+          </a:effectRef>
+          <a:fontRef idx="minor">
+            <a:schemeClr val="tx1"/>
+          </a:fontRef>
+        </p:style>
+      </p:cxnSp>
+      <p:cxnSp>
+        <p:nvCxnSpPr>
+          <p:cNvPr id="262" name="Straight Connector 261">
+            <a:extLst>
+              <a:ext uri="{FF2B5EF4-FFF2-40B4-BE49-F238E27FC236}">
+                <a16:creationId xmlns:a16="http://schemas.microsoft.com/office/drawing/2014/main" id="{BD8982E4-2312-04CD-4FD6-7B980EAFA0AD}"/>
+              </a:ext>
+            </a:extLst>
+          </p:cNvPr>
+          <p:cNvCxnSpPr>
+            <a:cxnSpLocks/>
+          </p:cNvCxnSpPr>
+          <p:nvPr/>
+        </p:nvCxnSpPr>
+        <p:spPr>
+          <a:xfrm>
+            <a:off x="5503408" y="750996"/>
+            <a:ext cx="360000" cy="0"/>
+          </a:xfrm>
+          <a:prstGeom prst="line">
+            <a:avLst/>
+          </a:prstGeom>
+          <a:ln w="12700">
+            <a:solidFill>
+              <a:srgbClr val="FF4005"/>
+            </a:solidFill>
+            <a:prstDash val="sysDash"/>
+          </a:ln>
+        </p:spPr>
+        <p:style>
+          <a:lnRef idx="1">
+            <a:schemeClr val="accent1"/>
+          </a:lnRef>
+          <a:fillRef idx="0">
+            <a:schemeClr val="accent1"/>
+          </a:fillRef>
+          <a:effectRef idx="0">
+            <a:schemeClr val="accent1"/>
+          </a:effectRef>
+          <a:fontRef idx="minor">
+            <a:schemeClr val="tx1"/>
+          </a:fontRef>
+        </p:style>
+      </p:cxnSp>
+      <p:cxnSp>
+        <p:nvCxnSpPr>
+          <p:cNvPr id="263" name="Straight Connector 262">
+            <a:extLst>
+              <a:ext uri="{FF2B5EF4-FFF2-40B4-BE49-F238E27FC236}">
+                <a16:creationId xmlns:a16="http://schemas.microsoft.com/office/drawing/2014/main" id="{9F053BC8-9078-2425-5CA2-B8EF10FEF03B}"/>
+              </a:ext>
+            </a:extLst>
+          </p:cNvPr>
+          <p:cNvCxnSpPr>
+            <a:cxnSpLocks/>
+          </p:cNvCxnSpPr>
+          <p:nvPr/>
+        </p:nvCxnSpPr>
+        <p:spPr>
+          <a:xfrm>
+            <a:off x="5937010" y="750996"/>
+            <a:ext cx="360000" cy="0"/>
+          </a:xfrm>
+          <a:prstGeom prst="line">
+            <a:avLst/>
+          </a:prstGeom>
+          <a:ln w="12700">
+            <a:solidFill>
+              <a:srgbClr val="686868"/>
+            </a:solidFill>
+            <a:prstDash val="sysDash"/>
+          </a:ln>
+        </p:spPr>
+        <p:style>
+          <a:lnRef idx="1">
+            <a:schemeClr val="accent1"/>
+          </a:lnRef>
+          <a:fillRef idx="0">
+            <a:schemeClr val="accent1"/>
+          </a:fillRef>
+          <a:effectRef idx="0">
+            <a:schemeClr val="accent1"/>
+          </a:effectRef>
+          <a:fontRef idx="minor">
+            <a:schemeClr val="tx1"/>
+          </a:fontRef>
+        </p:style>
+      </p:cxnSp>
+      <p:sp>
+        <p:nvSpPr>
+          <p:cNvPr id="264" name="Oval 263">
+            <a:extLst>
+              <a:ext uri="{FF2B5EF4-FFF2-40B4-BE49-F238E27FC236}">
+                <a16:creationId xmlns:a16="http://schemas.microsoft.com/office/drawing/2014/main" id="{7958EC43-97CF-76F2-E57A-41D32AAE86CF}"/>
+              </a:ext>
+            </a:extLst>
+          </p:cNvPr>
+          <p:cNvSpPr/>
+          <p:nvPr/>
+        </p:nvSpPr>
+        <p:spPr>
+          <a:xfrm>
+            <a:off x="5221418" y="736353"/>
+            <a:ext cx="36000" cy="36000"/>
+          </a:xfrm>
+          <a:prstGeom prst="ellipse">
+            <a:avLst/>
+          </a:prstGeom>
+          <a:solidFill>
+            <a:srgbClr val="028D89"/>
+          </a:solidFill>
+          <a:ln>
+            <a:solidFill>
+              <a:srgbClr val="028D89"/>
+            </a:solidFill>
+          </a:ln>
+        </p:spPr>
+        <p:style>
+          <a:lnRef idx="2">
+            <a:schemeClr val="accent1">
+              <a:shade val="50000"/>
+            </a:schemeClr>
+          </a:lnRef>
+          <a:fillRef idx="1">
+            <a:schemeClr val="accent1"/>
+          </a:fillRef>
+          <a:effectRef idx="0">
+            <a:schemeClr val="accent1"/>
+          </a:effectRef>
+          <a:fontRef idx="minor">
+            <a:schemeClr val="lt1"/>
+          </a:fontRef>
+        </p:style>
+        <p:txBody>
+          <a:bodyPr rtlCol="0" anchor="ctr"/>
+          <a:lstStyle/>
+          <a:p>
+            <a:pPr algn="ctr"/>
+            <a:endParaRPr lang="en-GB" sz="600"/>
+          </a:p>
+        </p:txBody>
+      </p:sp>
+      <p:sp>
+        <p:nvSpPr>
+          <p:cNvPr id="265" name="Oval 264">
+            <a:extLst>
+              <a:ext uri="{FF2B5EF4-FFF2-40B4-BE49-F238E27FC236}">
+                <a16:creationId xmlns:a16="http://schemas.microsoft.com/office/drawing/2014/main" id="{6990A213-584D-BAD8-B9A9-680845C4B6D1}"/>
+              </a:ext>
+            </a:extLst>
+          </p:cNvPr>
+          <p:cNvSpPr/>
+          <p:nvPr/>
+        </p:nvSpPr>
+        <p:spPr>
+          <a:xfrm>
+            <a:off x="5665654" y="736353"/>
+            <a:ext cx="36000" cy="36000"/>
+          </a:xfrm>
+          <a:prstGeom prst="ellipse">
+            <a:avLst/>
+          </a:prstGeom>
+          <a:solidFill>
+            <a:srgbClr val="FF4005"/>
+          </a:solidFill>
+          <a:ln>
+            <a:solidFill>
+              <a:srgbClr val="FF4005"/>
+            </a:solidFill>
+          </a:ln>
+        </p:spPr>
+        <p:style>
+          <a:lnRef idx="2">
+            <a:schemeClr val="accent1">
+              <a:shade val="50000"/>
+            </a:schemeClr>
+          </a:lnRef>
+          <a:fillRef idx="1">
+            <a:schemeClr val="accent1"/>
+          </a:fillRef>
+          <a:effectRef idx="0">
+            <a:schemeClr val="accent1"/>
+          </a:effectRef>
+          <a:fontRef idx="minor">
+            <a:schemeClr val="lt1"/>
+          </a:fontRef>
+        </p:style>
+        <p:txBody>
+          <a:bodyPr rtlCol="0" anchor="ctr"/>
+          <a:lstStyle/>
+          <a:p>
+            <a:pPr algn="ctr"/>
+            <a:endParaRPr lang="en-GB" sz="600"/>
+          </a:p>
+        </p:txBody>
+      </p:sp>
+      <p:sp>
+        <p:nvSpPr>
+          <p:cNvPr id="266" name="Oval 265">
+            <a:extLst>
+              <a:ext uri="{FF2B5EF4-FFF2-40B4-BE49-F238E27FC236}">
+                <a16:creationId xmlns:a16="http://schemas.microsoft.com/office/drawing/2014/main" id="{F8343261-3445-FE0C-70FD-2B368C1822BA}"/>
+              </a:ext>
+            </a:extLst>
+          </p:cNvPr>
+          <p:cNvSpPr/>
+          <p:nvPr/>
+        </p:nvSpPr>
+        <p:spPr>
+          <a:xfrm>
+            <a:off x="6102746" y="736353"/>
+            <a:ext cx="36000" cy="36000"/>
+          </a:xfrm>
+          <a:prstGeom prst="ellipse">
+            <a:avLst/>
+          </a:prstGeom>
+          <a:solidFill>
+            <a:srgbClr val="686868"/>
+          </a:solidFill>
+          <a:ln>
+            <a:solidFill>
+              <a:srgbClr val="686868"/>
+            </a:solidFill>
+          </a:ln>
+        </p:spPr>
+        <p:style>
+          <a:lnRef idx="2">
+            <a:schemeClr val="accent1">
+              <a:shade val="50000"/>
+            </a:schemeClr>
+          </a:lnRef>
+          <a:fillRef idx="1">
+            <a:schemeClr val="accent1"/>
+          </a:fillRef>
+          <a:effectRef idx="0">
+            <a:schemeClr val="accent1"/>
+          </a:effectRef>
+          <a:fontRef idx="minor">
+            <a:schemeClr val="lt1"/>
+          </a:fontRef>
+        </p:style>
+        <p:txBody>
+          <a:bodyPr rtlCol="0" anchor="ctr"/>
+          <a:lstStyle/>
+          <a:p>
+            <a:pPr algn="ctr"/>
+            <a:endParaRPr lang="en-GB" sz="600"/>
+          </a:p>
+        </p:txBody>
+      </p:sp>
+      <p:sp>
+        <p:nvSpPr>
+          <p:cNvPr id="267" name="CasellaDiTesto 70">
+            <a:extLst>
+              <a:ext uri="{FF2B5EF4-FFF2-40B4-BE49-F238E27FC236}">
+                <a16:creationId xmlns:a16="http://schemas.microsoft.com/office/drawing/2014/main" id="{C7BF0CB9-4DBD-49AC-5F27-AA92E0B11CB7}"/>
+              </a:ext>
+            </a:extLst>
+          </p:cNvPr>
+          <p:cNvSpPr txBox="1"/>
+          <p:nvPr/>
+        </p:nvSpPr>
+        <p:spPr>
+          <a:xfrm>
+            <a:off x="6260980" y="650843"/>
+            <a:ext cx="709370" cy="184666"/>
+          </a:xfrm>
+          <a:prstGeom prst="rect">
+            <a:avLst/>
+          </a:prstGeom>
+          <a:noFill/>
+          <a:ln>
+            <a:noFill/>
+          </a:ln>
+        </p:spPr>
+        <p:txBody>
+          <a:bodyPr wrap="square" rtlCol="0">
+            <a:spAutoFit/>
+          </a:bodyPr>
+          <a:lstStyle/>
+          <a:p>
+            <a:r>
+              <a:rPr lang="it-IT" sz="600" dirty="0">
+                <a:solidFill>
+                  <a:schemeClr val="tx1">
+                    <a:lumMod val="75000"/>
+                    <a:lumOff val="25000"/>
+                  </a:schemeClr>
+                </a:solidFill>
+              </a:rPr>
+              <a:t>Binormal ROC</a:t>
+            </a:r>
+            <a:endParaRPr lang="it-IT" sz="600" baseline="-25000" dirty="0">
+              <a:solidFill>
+                <a:schemeClr val="tx1">
+                  <a:lumMod val="75000"/>
+                  <a:lumOff val="25000"/>
+                </a:schemeClr>
+              </a:solidFill>
+            </a:endParaRPr>
+          </a:p>
+        </p:txBody>
+      </p:sp>
+      <p:cxnSp>
+        <p:nvCxnSpPr>
+          <p:cNvPr id="268" name="Straight Connector 267">
+            <a:extLst>
+              <a:ext uri="{FF2B5EF4-FFF2-40B4-BE49-F238E27FC236}">
+                <a16:creationId xmlns:a16="http://schemas.microsoft.com/office/drawing/2014/main" id="{ED6DD149-763A-8A19-E5D7-3A319D4DC12E}"/>
+              </a:ext>
+            </a:extLst>
+          </p:cNvPr>
+          <p:cNvCxnSpPr>
+            <a:cxnSpLocks/>
+          </p:cNvCxnSpPr>
+          <p:nvPr/>
+        </p:nvCxnSpPr>
+        <p:spPr>
+          <a:xfrm>
+            <a:off x="976732" y="716944"/>
+            <a:ext cx="360000" cy="0"/>
+          </a:xfrm>
+          <a:prstGeom prst="line">
+            <a:avLst/>
+          </a:prstGeom>
+          <a:ln w="12700">
+            <a:solidFill>
+              <a:srgbClr val="028D89"/>
+            </a:solidFill>
+          </a:ln>
+        </p:spPr>
+        <p:style>
+          <a:lnRef idx="1">
+            <a:schemeClr val="accent1"/>
+          </a:lnRef>
+          <a:fillRef idx="0">
+            <a:schemeClr val="accent1"/>
+          </a:fillRef>
+          <a:effectRef idx="0">
+            <a:schemeClr val="accent1"/>
+          </a:effectRef>
+          <a:fontRef idx="minor">
+            <a:schemeClr val="tx1"/>
+          </a:fontRef>
+        </p:style>
+      </p:cxnSp>
+      <p:cxnSp>
+        <p:nvCxnSpPr>
+          <p:cNvPr id="269" name="Straight Connector 268">
+            <a:extLst>
+              <a:ext uri="{FF2B5EF4-FFF2-40B4-BE49-F238E27FC236}">
+                <a16:creationId xmlns:a16="http://schemas.microsoft.com/office/drawing/2014/main" id="{4D13FD63-AF66-8FB6-0EF2-4F1775F97769}"/>
+              </a:ext>
+            </a:extLst>
+          </p:cNvPr>
+          <p:cNvCxnSpPr>
+            <a:cxnSpLocks/>
+          </p:cNvCxnSpPr>
+          <p:nvPr/>
+        </p:nvCxnSpPr>
+        <p:spPr>
+          <a:xfrm>
+            <a:off x="1417478" y="717145"/>
+            <a:ext cx="360000" cy="0"/>
+          </a:xfrm>
+          <a:prstGeom prst="line">
+            <a:avLst/>
+          </a:prstGeom>
+          <a:ln w="12700">
+            <a:solidFill>
+              <a:srgbClr val="FF4005"/>
+            </a:solidFill>
+          </a:ln>
+        </p:spPr>
+        <p:style>
+          <a:lnRef idx="1">
+            <a:schemeClr val="accent1"/>
+          </a:lnRef>
+          <a:fillRef idx="0">
+            <a:schemeClr val="accent1"/>
+          </a:fillRef>
+          <a:effectRef idx="0">
+            <a:schemeClr val="accent1"/>
+          </a:effectRef>
+          <a:fontRef idx="minor">
+            <a:schemeClr val="tx1"/>
+          </a:fontRef>
+        </p:style>
+      </p:cxnSp>
+      <p:cxnSp>
+        <p:nvCxnSpPr>
+          <p:cNvPr id="270" name="Straight Connector 269">
+            <a:extLst>
+              <a:ext uri="{FF2B5EF4-FFF2-40B4-BE49-F238E27FC236}">
+                <a16:creationId xmlns:a16="http://schemas.microsoft.com/office/drawing/2014/main" id="{B10D432A-AFC4-AC37-C3E0-D797B5781CB7}"/>
+              </a:ext>
+            </a:extLst>
+          </p:cNvPr>
+          <p:cNvCxnSpPr>
+            <a:cxnSpLocks/>
+          </p:cNvCxnSpPr>
+          <p:nvPr/>
+        </p:nvCxnSpPr>
+        <p:spPr>
+          <a:xfrm>
+            <a:off x="1851080" y="717145"/>
+            <a:ext cx="360000" cy="0"/>
+          </a:xfrm>
+          <a:prstGeom prst="line">
+            <a:avLst/>
+          </a:prstGeom>
+          <a:ln w="12700">
+            <a:solidFill>
+              <a:srgbClr val="686868"/>
+            </a:solidFill>
+          </a:ln>
+        </p:spPr>
+        <p:style>
+          <a:lnRef idx="1">
+            <a:schemeClr val="accent1"/>
+          </a:lnRef>
+          <a:fillRef idx="0">
+            <a:schemeClr val="accent1"/>
+          </a:fillRef>
+          <a:effectRef idx="0">
+            <a:schemeClr val="accent1"/>
+          </a:effectRef>
+          <a:fontRef idx="minor">
+            <a:schemeClr val="tx1"/>
+          </a:fontRef>
+        </p:style>
+      </p:cxnSp>
+      <p:sp>
+        <p:nvSpPr>
+          <p:cNvPr id="271" name="CasellaDiTesto 70">
+            <a:extLst>
+              <a:ext uri="{FF2B5EF4-FFF2-40B4-BE49-F238E27FC236}">
+                <a16:creationId xmlns:a16="http://schemas.microsoft.com/office/drawing/2014/main" id="{A114D6B2-AFF9-4914-A69D-7C7B0C00BD30}"/>
+              </a:ext>
+            </a:extLst>
+          </p:cNvPr>
+          <p:cNvSpPr txBox="1"/>
+          <p:nvPr/>
+        </p:nvSpPr>
+        <p:spPr>
+          <a:xfrm>
+            <a:off x="904402" y="480476"/>
+            <a:ext cx="504659" cy="184666"/>
+          </a:xfrm>
+          <a:prstGeom prst="rect">
+            <a:avLst/>
+          </a:prstGeom>
+          <a:noFill/>
+          <a:ln>
+            <a:noFill/>
+          </a:ln>
+        </p:spPr>
+        <p:txBody>
+          <a:bodyPr wrap="square" rtlCol="0">
+            <a:spAutoFit/>
+          </a:bodyPr>
+          <a:lstStyle/>
+          <a:p>
+            <a:pPr algn="ctr"/>
+            <a:r>
+              <a:rPr lang="it-IT" sz="600" dirty="0">
+                <a:solidFill>
+                  <a:schemeClr val="tx1">
+                    <a:lumMod val="75000"/>
+                    <a:lumOff val="25000"/>
+                  </a:schemeClr>
+                </a:solidFill>
+              </a:rPr>
+              <a:t>ENS</a:t>
+            </a:r>
+          </a:p>
+        </p:txBody>
+      </p:sp>
+      <p:sp>
+        <p:nvSpPr>
+          <p:cNvPr id="272" name="CasellaDiTesto 70">
+            <a:extLst>
+              <a:ext uri="{FF2B5EF4-FFF2-40B4-BE49-F238E27FC236}">
+                <a16:creationId xmlns:a16="http://schemas.microsoft.com/office/drawing/2014/main" id="{585CCB82-0476-B48A-B13E-47824A65A923}"/>
+              </a:ext>
+            </a:extLst>
+          </p:cNvPr>
+          <p:cNvSpPr txBox="1"/>
+          <p:nvPr/>
+        </p:nvSpPr>
+        <p:spPr>
+          <a:xfrm>
+            <a:off x="1273293" y="426615"/>
+            <a:ext cx="641883" cy="276999"/>
+          </a:xfrm>
+          <a:prstGeom prst="rect">
+            <a:avLst/>
+          </a:prstGeom>
+          <a:noFill/>
+          <a:ln>
+            <a:noFill/>
+          </a:ln>
+        </p:spPr>
+        <p:txBody>
+          <a:bodyPr wrap="square" rtlCol="0">
+            <a:spAutoFit/>
+          </a:bodyPr>
+          <a:lstStyle/>
+          <a:p>
+            <a:pPr algn="ctr"/>
+            <a:r>
+              <a:rPr lang="it-IT" sz="600" dirty="0">
+                <a:solidFill>
+                  <a:schemeClr val="tx1">
+                    <a:lumMod val="75000"/>
+                    <a:lumOff val="25000"/>
+                  </a:schemeClr>
+                </a:solidFill>
+              </a:rPr>
+              <a:t>Multiple-WT</a:t>
+            </a:r>
+          </a:p>
+          <a:p>
+            <a:pPr algn="ctr"/>
+            <a:r>
+              <a:rPr lang="it-IT" sz="600" dirty="0">
+                <a:solidFill>
+                  <a:schemeClr val="tx1">
+                    <a:lumMod val="75000"/>
+                    <a:lumOff val="25000"/>
+                  </a:schemeClr>
+                </a:solidFill>
+              </a:rPr>
+              <a:t>ecPoint</a:t>
+            </a:r>
+          </a:p>
+        </p:txBody>
+      </p:sp>
+      <p:sp>
+        <p:nvSpPr>
+          <p:cNvPr id="273" name="CasellaDiTesto 70">
+            <a:extLst>
+              <a:ext uri="{FF2B5EF4-FFF2-40B4-BE49-F238E27FC236}">
+                <a16:creationId xmlns:a16="http://schemas.microsoft.com/office/drawing/2014/main" id="{8FE23A4E-6018-EE53-1C4C-FD08C3C7FDED}"/>
+              </a:ext>
+            </a:extLst>
+          </p:cNvPr>
+          <p:cNvSpPr txBox="1"/>
+          <p:nvPr/>
+        </p:nvSpPr>
+        <p:spPr>
+          <a:xfrm>
+            <a:off x="1710137" y="426615"/>
+            <a:ext cx="641883" cy="276999"/>
+          </a:xfrm>
+          <a:prstGeom prst="rect">
+            <a:avLst/>
+          </a:prstGeom>
+          <a:noFill/>
+          <a:ln>
+            <a:noFill/>
+          </a:ln>
+        </p:spPr>
+        <p:txBody>
+          <a:bodyPr wrap="square" rtlCol="0">
+            <a:spAutoFit/>
+          </a:bodyPr>
+          <a:lstStyle/>
+          <a:p>
+            <a:pPr algn="ctr"/>
+            <a:r>
+              <a:rPr lang="it-IT" sz="600" dirty="0">
+                <a:solidFill>
+                  <a:schemeClr val="tx1">
+                    <a:lumMod val="75000"/>
+                    <a:lumOff val="25000"/>
+                  </a:schemeClr>
+                </a:solidFill>
+              </a:rPr>
+              <a:t>Single-WT</a:t>
+            </a:r>
+          </a:p>
+          <a:p>
+            <a:pPr algn="ctr"/>
+            <a:r>
+              <a:rPr lang="it-IT" sz="600" dirty="0">
+                <a:solidFill>
+                  <a:schemeClr val="tx1">
+                    <a:lumMod val="75000"/>
+                    <a:lumOff val="25000"/>
+                  </a:schemeClr>
+                </a:solidFill>
+              </a:rPr>
+              <a:t>ecPoint</a:t>
+            </a:r>
+          </a:p>
+        </p:txBody>
+      </p:sp>
+      <p:cxnSp>
+        <p:nvCxnSpPr>
+          <p:cNvPr id="274" name="Straight Connector 273">
+            <a:extLst>
+              <a:ext uri="{FF2B5EF4-FFF2-40B4-BE49-F238E27FC236}">
+                <a16:creationId xmlns:a16="http://schemas.microsoft.com/office/drawing/2014/main" id="{FD7B5E91-A324-B32D-F8F5-CE5DA449558C}"/>
+              </a:ext>
+            </a:extLst>
+          </p:cNvPr>
+          <p:cNvCxnSpPr>
+            <a:cxnSpLocks/>
+          </p:cNvCxnSpPr>
+          <p:nvPr/>
+        </p:nvCxnSpPr>
+        <p:spPr>
+          <a:xfrm>
+            <a:off x="3129823" y="717601"/>
+            <a:ext cx="360000" cy="0"/>
+          </a:xfrm>
+          <a:prstGeom prst="line">
+            <a:avLst/>
+          </a:prstGeom>
+          <a:ln w="12700">
+            <a:solidFill>
+              <a:srgbClr val="028D89"/>
+            </a:solidFill>
+          </a:ln>
+        </p:spPr>
+        <p:style>
+          <a:lnRef idx="1">
+            <a:schemeClr val="accent1"/>
+          </a:lnRef>
+          <a:fillRef idx="0">
+            <a:schemeClr val="accent1"/>
+          </a:fillRef>
+          <a:effectRef idx="0">
+            <a:schemeClr val="accent1"/>
+          </a:effectRef>
+          <a:fontRef idx="minor">
+            <a:schemeClr val="tx1"/>
+          </a:fontRef>
+        </p:style>
+      </p:cxnSp>
+      <p:cxnSp>
+        <p:nvCxnSpPr>
+          <p:cNvPr id="275" name="Straight Connector 274">
+            <a:extLst>
+              <a:ext uri="{FF2B5EF4-FFF2-40B4-BE49-F238E27FC236}">
+                <a16:creationId xmlns:a16="http://schemas.microsoft.com/office/drawing/2014/main" id="{B3B92516-08F5-365A-937C-3C493B97F70D}"/>
+              </a:ext>
+            </a:extLst>
+          </p:cNvPr>
+          <p:cNvCxnSpPr>
+            <a:cxnSpLocks/>
+          </p:cNvCxnSpPr>
+          <p:nvPr/>
+        </p:nvCxnSpPr>
+        <p:spPr>
+          <a:xfrm>
+            <a:off x="3570569" y="717802"/>
+            <a:ext cx="360000" cy="0"/>
+          </a:xfrm>
+          <a:prstGeom prst="line">
+            <a:avLst/>
+          </a:prstGeom>
+          <a:ln w="12700">
+            <a:solidFill>
+              <a:srgbClr val="FF4005"/>
+            </a:solidFill>
+          </a:ln>
+        </p:spPr>
+        <p:style>
+          <a:lnRef idx="1">
+            <a:schemeClr val="accent1"/>
+          </a:lnRef>
+          <a:fillRef idx="0">
+            <a:schemeClr val="accent1"/>
+          </a:fillRef>
+          <a:effectRef idx="0">
+            <a:schemeClr val="accent1"/>
+          </a:effectRef>
+          <a:fontRef idx="minor">
+            <a:schemeClr val="tx1"/>
+          </a:fontRef>
+        </p:style>
+      </p:cxnSp>
+      <p:cxnSp>
+        <p:nvCxnSpPr>
+          <p:cNvPr id="276" name="Straight Connector 275">
+            <a:extLst>
+              <a:ext uri="{FF2B5EF4-FFF2-40B4-BE49-F238E27FC236}">
+                <a16:creationId xmlns:a16="http://schemas.microsoft.com/office/drawing/2014/main" id="{653A8805-AC2E-4189-3353-4636CA146630}"/>
+              </a:ext>
+            </a:extLst>
+          </p:cNvPr>
+          <p:cNvCxnSpPr>
+            <a:cxnSpLocks/>
+          </p:cNvCxnSpPr>
+          <p:nvPr/>
+        </p:nvCxnSpPr>
+        <p:spPr>
+          <a:xfrm>
+            <a:off x="4004171" y="717802"/>
+            <a:ext cx="360000" cy="0"/>
+          </a:xfrm>
+          <a:prstGeom prst="line">
+            <a:avLst/>
+          </a:prstGeom>
+          <a:ln w="12700">
+            <a:solidFill>
+              <a:srgbClr val="686868"/>
+            </a:solidFill>
+          </a:ln>
+        </p:spPr>
+        <p:style>
+          <a:lnRef idx="1">
+            <a:schemeClr val="accent1"/>
+          </a:lnRef>
+          <a:fillRef idx="0">
+            <a:schemeClr val="accent1"/>
+          </a:fillRef>
+          <a:effectRef idx="0">
+            <a:schemeClr val="accent1"/>
+          </a:effectRef>
+          <a:fontRef idx="minor">
+            <a:schemeClr val="tx1"/>
+          </a:fontRef>
+        </p:style>
+      </p:cxnSp>
+      <p:sp>
+        <p:nvSpPr>
+          <p:cNvPr id="277" name="CasellaDiTesto 70">
+            <a:extLst>
+              <a:ext uri="{FF2B5EF4-FFF2-40B4-BE49-F238E27FC236}">
+                <a16:creationId xmlns:a16="http://schemas.microsoft.com/office/drawing/2014/main" id="{4DF5A047-CACF-A4CF-ACB1-44FE310D355E}"/>
+              </a:ext>
+            </a:extLst>
+          </p:cNvPr>
+          <p:cNvSpPr txBox="1"/>
+          <p:nvPr/>
+        </p:nvSpPr>
+        <p:spPr>
+          <a:xfrm>
+            <a:off x="3057493" y="481133"/>
+            <a:ext cx="504659" cy="184666"/>
+          </a:xfrm>
+          <a:prstGeom prst="rect">
+            <a:avLst/>
+          </a:prstGeom>
+          <a:noFill/>
+          <a:ln>
+            <a:noFill/>
+          </a:ln>
+        </p:spPr>
+        <p:txBody>
+          <a:bodyPr wrap="square" rtlCol="0">
+            <a:spAutoFit/>
+          </a:bodyPr>
+          <a:lstStyle/>
+          <a:p>
+            <a:pPr algn="ctr"/>
+            <a:r>
+              <a:rPr lang="it-IT" sz="600" dirty="0">
+                <a:solidFill>
+                  <a:schemeClr val="tx1">
+                    <a:lumMod val="75000"/>
+                    <a:lumOff val="25000"/>
+                  </a:schemeClr>
+                </a:solidFill>
+              </a:rPr>
+              <a:t>ENS</a:t>
+            </a:r>
+          </a:p>
+        </p:txBody>
+      </p:sp>
+      <p:sp>
+        <p:nvSpPr>
+          <p:cNvPr id="278" name="CasellaDiTesto 70">
+            <a:extLst>
+              <a:ext uri="{FF2B5EF4-FFF2-40B4-BE49-F238E27FC236}">
+                <a16:creationId xmlns:a16="http://schemas.microsoft.com/office/drawing/2014/main" id="{7937B569-8B6D-867A-2333-E157E587E49E}"/>
+              </a:ext>
+            </a:extLst>
+          </p:cNvPr>
+          <p:cNvSpPr txBox="1"/>
+          <p:nvPr/>
+        </p:nvSpPr>
+        <p:spPr>
+          <a:xfrm>
+            <a:off x="3426384" y="427272"/>
+            <a:ext cx="641883" cy="276999"/>
+          </a:xfrm>
+          <a:prstGeom prst="rect">
+            <a:avLst/>
+          </a:prstGeom>
+          <a:noFill/>
+          <a:ln>
+            <a:noFill/>
+          </a:ln>
+        </p:spPr>
+        <p:txBody>
+          <a:bodyPr wrap="square" rtlCol="0">
+            <a:spAutoFit/>
+          </a:bodyPr>
+          <a:lstStyle/>
+          <a:p>
+            <a:pPr algn="ctr"/>
+            <a:r>
+              <a:rPr lang="it-IT" sz="600" dirty="0">
+                <a:solidFill>
+                  <a:schemeClr val="tx1">
+                    <a:lumMod val="75000"/>
+                    <a:lumOff val="25000"/>
+                  </a:schemeClr>
+                </a:solidFill>
+              </a:rPr>
+              <a:t>Multiple-WT</a:t>
+            </a:r>
+          </a:p>
+          <a:p>
+            <a:pPr algn="ctr"/>
+            <a:r>
+              <a:rPr lang="it-IT" sz="600" dirty="0">
+                <a:solidFill>
+                  <a:schemeClr val="tx1">
+                    <a:lumMod val="75000"/>
+                    <a:lumOff val="25000"/>
+                  </a:schemeClr>
+                </a:solidFill>
+              </a:rPr>
+              <a:t>ecPoint</a:t>
+            </a:r>
+          </a:p>
+        </p:txBody>
+      </p:sp>
+      <p:sp>
+        <p:nvSpPr>
+          <p:cNvPr id="279" name="CasellaDiTesto 70">
+            <a:extLst>
+              <a:ext uri="{FF2B5EF4-FFF2-40B4-BE49-F238E27FC236}">
+                <a16:creationId xmlns:a16="http://schemas.microsoft.com/office/drawing/2014/main" id="{5EA8562A-BBCB-DE7E-241A-37CCF706192C}"/>
+              </a:ext>
+            </a:extLst>
+          </p:cNvPr>
+          <p:cNvSpPr txBox="1"/>
+          <p:nvPr/>
+        </p:nvSpPr>
+        <p:spPr>
+          <a:xfrm>
+            <a:off x="3863228" y="427272"/>
+            <a:ext cx="641883" cy="276999"/>
+          </a:xfrm>
+          <a:prstGeom prst="rect">
+            <a:avLst/>
+          </a:prstGeom>
+          <a:noFill/>
+          <a:ln>
+            <a:noFill/>
+          </a:ln>
+        </p:spPr>
+        <p:txBody>
+          <a:bodyPr wrap="square" rtlCol="0">
+            <a:spAutoFit/>
+          </a:bodyPr>
+          <a:lstStyle/>
+          <a:p>
+            <a:pPr algn="ctr"/>
+            <a:r>
+              <a:rPr lang="it-IT" sz="600" dirty="0">
+                <a:solidFill>
+                  <a:schemeClr val="tx1">
+                    <a:lumMod val="75000"/>
+                    <a:lumOff val="25000"/>
+                  </a:schemeClr>
+                </a:solidFill>
+              </a:rPr>
+              <a:t>Single-WT</a:t>
+            </a:r>
+          </a:p>
+          <a:p>
+            <a:pPr algn="ctr"/>
+            <a:r>
+              <a:rPr lang="it-IT" sz="600" dirty="0">
+                <a:solidFill>
+                  <a:schemeClr val="tx1">
+                    <a:lumMod val="75000"/>
+                    <a:lumOff val="25000"/>
+                  </a:schemeClr>
+                </a:solidFill>
+              </a:rPr>
+              <a:t>ecPoint</a:t>
+            </a:r>
+          </a:p>
+        </p:txBody>
+      </p:sp>
+      <p:sp>
+        <p:nvSpPr>
+          <p:cNvPr id="280" name="CasellaDiTesto 64">
+            <a:extLst>
+              <a:ext uri="{FF2B5EF4-FFF2-40B4-BE49-F238E27FC236}">
+                <a16:creationId xmlns:a16="http://schemas.microsoft.com/office/drawing/2014/main" id="{2E855CF7-BB26-A47F-4573-282659B57714}"/>
+              </a:ext>
+            </a:extLst>
+          </p:cNvPr>
+          <p:cNvSpPr txBox="1"/>
+          <p:nvPr/>
+        </p:nvSpPr>
+        <p:spPr>
+          <a:xfrm>
+            <a:off x="767228" y="943214"/>
+            <a:ext cx="216000" cy="215444"/>
+          </a:xfrm>
+          <a:prstGeom prst="rect">
+            <a:avLst/>
+          </a:prstGeom>
+          <a:solidFill>
+            <a:schemeClr val="bg1"/>
+          </a:solidFill>
+          <a:ln w="3175">
+            <a:solidFill>
+              <a:schemeClr val="tx1">
+                <a:lumMod val="75000"/>
+                <a:lumOff val="25000"/>
+              </a:schemeClr>
+            </a:solidFill>
+          </a:ln>
+        </p:spPr>
+        <p:txBody>
+          <a:bodyPr wrap="square" rtlCol="0">
+            <a:spAutoFit/>
+          </a:bodyPr>
+          <a:lstStyle/>
+          <a:p>
+            <a:pPr algn="ctr"/>
+            <a:r>
+              <a:rPr lang="it-IT" sz="800" dirty="0">
+                <a:solidFill>
+                  <a:schemeClr val="tx1">
+                    <a:lumMod val="65000"/>
+                    <a:lumOff val="35000"/>
+                  </a:schemeClr>
+                </a:solidFill>
+              </a:rPr>
+              <a:t>a</a:t>
+            </a:r>
+          </a:p>
+        </p:txBody>
+      </p:sp>
+      <p:sp>
+        <p:nvSpPr>
+          <p:cNvPr id="281" name="CasellaDiTesto 64">
+            <a:extLst>
+              <a:ext uri="{FF2B5EF4-FFF2-40B4-BE49-F238E27FC236}">
+                <a16:creationId xmlns:a16="http://schemas.microsoft.com/office/drawing/2014/main" id="{C5D757B8-277A-8A36-7C85-2C23DBA0FFAB}"/>
+              </a:ext>
+            </a:extLst>
+          </p:cNvPr>
+          <p:cNvSpPr txBox="1"/>
+          <p:nvPr/>
+        </p:nvSpPr>
+        <p:spPr>
+          <a:xfrm>
+            <a:off x="767228" y="3085262"/>
+            <a:ext cx="216000" cy="215444"/>
+          </a:xfrm>
+          <a:prstGeom prst="rect">
+            <a:avLst/>
+          </a:prstGeom>
+          <a:solidFill>
+            <a:schemeClr val="bg1"/>
+          </a:solidFill>
+          <a:ln w="3175">
+            <a:solidFill>
+              <a:schemeClr val="tx1">
+                <a:lumMod val="75000"/>
+                <a:lumOff val="25000"/>
+              </a:schemeClr>
+            </a:solidFill>
+          </a:ln>
+        </p:spPr>
+        <p:txBody>
+          <a:bodyPr wrap="square" rtlCol="0">
+            <a:spAutoFit/>
+          </a:bodyPr>
+          <a:lstStyle/>
+          <a:p>
+            <a:pPr algn="ctr"/>
+            <a:r>
+              <a:rPr lang="it-IT" sz="800" dirty="0">
+                <a:solidFill>
+                  <a:schemeClr val="tx1">
+                    <a:lumMod val="65000"/>
+                    <a:lumOff val="35000"/>
+                  </a:schemeClr>
+                </a:solidFill>
+              </a:rPr>
+              <a:t>b</a:t>
+            </a:r>
+          </a:p>
+        </p:txBody>
+      </p:sp>
+      <p:sp>
+        <p:nvSpPr>
+          <p:cNvPr id="282" name="CasellaDiTesto 64">
+            <a:extLst>
+              <a:ext uri="{FF2B5EF4-FFF2-40B4-BE49-F238E27FC236}">
+                <a16:creationId xmlns:a16="http://schemas.microsoft.com/office/drawing/2014/main" id="{BFB402AD-D8D6-CD40-1362-CB20DA701775}"/>
+              </a:ext>
+            </a:extLst>
+          </p:cNvPr>
+          <p:cNvSpPr txBox="1"/>
+          <p:nvPr/>
+        </p:nvSpPr>
+        <p:spPr>
+          <a:xfrm>
+            <a:off x="2233173" y="6671540"/>
+            <a:ext cx="216000" cy="215444"/>
+          </a:xfrm>
+          <a:prstGeom prst="rect">
+            <a:avLst/>
+          </a:prstGeom>
+          <a:solidFill>
+            <a:schemeClr val="bg1"/>
+          </a:solidFill>
+          <a:ln w="3175">
+            <a:solidFill>
+              <a:schemeClr val="tx1">
+                <a:lumMod val="75000"/>
+                <a:lumOff val="25000"/>
+              </a:schemeClr>
+            </a:solidFill>
+          </a:ln>
+        </p:spPr>
+        <p:txBody>
+          <a:bodyPr wrap="square" rtlCol="0">
+            <a:spAutoFit/>
+          </a:bodyPr>
+          <a:lstStyle/>
+          <a:p>
+            <a:pPr algn="ctr"/>
+            <a:r>
+              <a:rPr lang="it-IT" sz="800" dirty="0">
+                <a:solidFill>
+                  <a:schemeClr val="tx1">
+                    <a:lumMod val="65000"/>
+                    <a:lumOff val="35000"/>
+                  </a:schemeClr>
+                </a:solidFill>
+              </a:rPr>
+              <a:t>c</a:t>
+            </a:r>
+          </a:p>
+        </p:txBody>
+      </p:sp>
+      <p:sp>
+        <p:nvSpPr>
+          <p:cNvPr id="283" name="CasellaDiTesto 64">
+            <a:extLst>
+              <a:ext uri="{FF2B5EF4-FFF2-40B4-BE49-F238E27FC236}">
+                <a16:creationId xmlns:a16="http://schemas.microsoft.com/office/drawing/2014/main" id="{4F15DD92-75C1-8F94-CCD1-BF02204B0439}"/>
+              </a:ext>
+            </a:extLst>
+          </p:cNvPr>
+          <p:cNvSpPr txBox="1"/>
+          <p:nvPr/>
+        </p:nvSpPr>
+        <p:spPr>
+          <a:xfrm>
+            <a:off x="4373502" y="944516"/>
+            <a:ext cx="216000" cy="215444"/>
+          </a:xfrm>
+          <a:prstGeom prst="rect">
+            <a:avLst/>
+          </a:prstGeom>
+          <a:solidFill>
+            <a:schemeClr val="bg1"/>
+          </a:solidFill>
+          <a:ln w="3175">
+            <a:solidFill>
+              <a:schemeClr val="tx1">
+                <a:lumMod val="75000"/>
+                <a:lumOff val="25000"/>
+              </a:schemeClr>
+            </a:solidFill>
+          </a:ln>
+        </p:spPr>
+        <p:txBody>
+          <a:bodyPr wrap="square" rtlCol="0">
+            <a:spAutoFit/>
+          </a:bodyPr>
+          <a:lstStyle/>
+          <a:p>
+            <a:pPr algn="ctr"/>
+            <a:r>
+              <a:rPr lang="it-IT" sz="800" dirty="0">
+                <a:solidFill>
+                  <a:schemeClr val="tx1">
+                    <a:lumMod val="65000"/>
+                    <a:lumOff val="35000"/>
+                  </a:schemeClr>
+                </a:solidFill>
+              </a:rPr>
+              <a:t>d</a:t>
+            </a:r>
+          </a:p>
+        </p:txBody>
+      </p:sp>
+      <p:sp>
+        <p:nvSpPr>
+          <p:cNvPr id="284" name="CasellaDiTesto 64">
+            <a:extLst>
+              <a:ext uri="{FF2B5EF4-FFF2-40B4-BE49-F238E27FC236}">
+                <a16:creationId xmlns:a16="http://schemas.microsoft.com/office/drawing/2014/main" id="{6526A719-2A47-FD32-2BFE-BA78D36E56AF}"/>
+              </a:ext>
+            </a:extLst>
+          </p:cNvPr>
+          <p:cNvSpPr txBox="1"/>
+          <p:nvPr/>
+        </p:nvSpPr>
+        <p:spPr>
+          <a:xfrm>
+            <a:off x="4373502" y="3086564"/>
+            <a:ext cx="216000" cy="215444"/>
+          </a:xfrm>
+          <a:prstGeom prst="rect">
+            <a:avLst/>
+          </a:prstGeom>
+          <a:solidFill>
+            <a:schemeClr val="bg1"/>
+          </a:solidFill>
+          <a:ln w="3175">
+            <a:solidFill>
+              <a:schemeClr val="tx1">
+                <a:lumMod val="75000"/>
+                <a:lumOff val="25000"/>
+              </a:schemeClr>
+            </a:solidFill>
+          </a:ln>
+        </p:spPr>
+        <p:txBody>
+          <a:bodyPr wrap="square" rtlCol="0">
+            <a:spAutoFit/>
+          </a:bodyPr>
+          <a:lstStyle/>
+          <a:p>
+            <a:pPr algn="ctr"/>
+            <a:r>
+              <a:rPr lang="it-IT" sz="800" dirty="0">
+                <a:solidFill>
+                  <a:schemeClr val="tx1">
+                    <a:lumMod val="65000"/>
+                    <a:lumOff val="35000"/>
+                  </a:schemeClr>
+                </a:solidFill>
+              </a:rPr>
+              <a:t>e</a:t>
+            </a:r>
+          </a:p>
+        </p:txBody>
+      </p:sp>
+      <p:sp>
+        <p:nvSpPr>
+          <p:cNvPr id="285" name="CasellaDiTesto 64">
+            <a:extLst>
+              <a:ext uri="{FF2B5EF4-FFF2-40B4-BE49-F238E27FC236}">
+                <a16:creationId xmlns:a16="http://schemas.microsoft.com/office/drawing/2014/main" id="{8D7CDCD9-5FCF-DC02-5E61-B568B328DAA2}"/>
+              </a:ext>
+            </a:extLst>
+          </p:cNvPr>
+          <p:cNvSpPr txBox="1"/>
+          <p:nvPr/>
+        </p:nvSpPr>
+        <p:spPr>
+          <a:xfrm>
+            <a:off x="4373502" y="5222667"/>
+            <a:ext cx="216000" cy="215444"/>
+          </a:xfrm>
+          <a:prstGeom prst="rect">
+            <a:avLst/>
+          </a:prstGeom>
+          <a:solidFill>
+            <a:schemeClr val="bg1"/>
+          </a:solidFill>
+          <a:ln w="3175">
+            <a:solidFill>
+              <a:schemeClr val="tx1">
+                <a:lumMod val="75000"/>
+                <a:lumOff val="25000"/>
+              </a:schemeClr>
+            </a:solidFill>
+          </a:ln>
+        </p:spPr>
+        <p:txBody>
+          <a:bodyPr wrap="square" rtlCol="0">
+            <a:spAutoFit/>
+          </a:bodyPr>
+          <a:lstStyle/>
+          <a:p>
+            <a:pPr algn="ctr"/>
+            <a:r>
+              <a:rPr lang="it-IT" sz="800" dirty="0">
+                <a:solidFill>
+                  <a:schemeClr val="tx1">
+                    <a:lumMod val="65000"/>
+                    <a:lumOff val="35000"/>
+                  </a:schemeClr>
+                </a:solidFill>
+              </a:rPr>
+              <a:t>f</a:t>
+            </a:r>
+          </a:p>
+        </p:txBody>
+      </p:sp>
+      <p:sp>
+        <p:nvSpPr>
+          <p:cNvPr id="286" name="CasellaDiTesto 64">
+            <a:extLst>
+              <a:ext uri="{FF2B5EF4-FFF2-40B4-BE49-F238E27FC236}">
+                <a16:creationId xmlns:a16="http://schemas.microsoft.com/office/drawing/2014/main" id="{44DC24CA-1F10-7019-97B2-160E0222C27A}"/>
+              </a:ext>
+            </a:extLst>
+          </p:cNvPr>
+          <p:cNvSpPr txBox="1"/>
+          <p:nvPr/>
+        </p:nvSpPr>
+        <p:spPr>
+          <a:xfrm>
+            <a:off x="6527476" y="1907994"/>
+            <a:ext cx="216000" cy="215444"/>
+          </a:xfrm>
+          <a:prstGeom prst="rect">
+            <a:avLst/>
+          </a:prstGeom>
+          <a:solidFill>
+            <a:schemeClr val="bg1"/>
+          </a:solidFill>
+          <a:ln w="3175">
+            <a:solidFill>
+              <a:schemeClr val="tx1">
+                <a:lumMod val="75000"/>
+                <a:lumOff val="25000"/>
+              </a:schemeClr>
+            </a:solidFill>
+          </a:ln>
+        </p:spPr>
+        <p:txBody>
+          <a:bodyPr wrap="square" rtlCol="0">
+            <a:spAutoFit/>
+          </a:bodyPr>
+          <a:lstStyle/>
+          <a:p>
+            <a:pPr algn="ctr"/>
+            <a:r>
+              <a:rPr lang="it-IT" sz="800" dirty="0">
+                <a:solidFill>
+                  <a:schemeClr val="tx1">
+                    <a:lumMod val="65000"/>
+                    <a:lumOff val="35000"/>
+                  </a:schemeClr>
+                </a:solidFill>
+              </a:rPr>
+              <a:t>g</a:t>
+            </a:r>
+          </a:p>
+        </p:txBody>
+      </p:sp>
+      <p:sp>
+        <p:nvSpPr>
+          <p:cNvPr id="287" name="CasellaDiTesto 64">
+            <a:extLst>
+              <a:ext uri="{FF2B5EF4-FFF2-40B4-BE49-F238E27FC236}">
+                <a16:creationId xmlns:a16="http://schemas.microsoft.com/office/drawing/2014/main" id="{0B789043-15D1-B2AF-697A-1DBC4FFE58EF}"/>
+              </a:ext>
+            </a:extLst>
+          </p:cNvPr>
+          <p:cNvSpPr txBox="1"/>
+          <p:nvPr/>
+        </p:nvSpPr>
+        <p:spPr>
+          <a:xfrm>
+            <a:off x="6527476" y="4050042"/>
+            <a:ext cx="216000" cy="215444"/>
+          </a:xfrm>
+          <a:prstGeom prst="rect">
+            <a:avLst/>
+          </a:prstGeom>
+          <a:solidFill>
+            <a:schemeClr val="bg1"/>
+          </a:solidFill>
+          <a:ln w="3175">
+            <a:solidFill>
+              <a:schemeClr val="tx1">
+                <a:lumMod val="75000"/>
+                <a:lumOff val="25000"/>
+              </a:schemeClr>
+            </a:solidFill>
+          </a:ln>
+        </p:spPr>
+        <p:txBody>
+          <a:bodyPr wrap="square" rtlCol="0">
+            <a:spAutoFit/>
+          </a:bodyPr>
+          <a:lstStyle/>
+          <a:p>
+            <a:pPr algn="ctr"/>
+            <a:r>
+              <a:rPr lang="it-IT" sz="800" dirty="0">
+                <a:solidFill>
+                  <a:schemeClr val="tx1">
+                    <a:lumMod val="65000"/>
+                    <a:lumOff val="35000"/>
+                  </a:schemeClr>
+                </a:solidFill>
+              </a:rPr>
+              <a:t>h</a:t>
+            </a:r>
+          </a:p>
+        </p:txBody>
+      </p:sp>
+      <p:sp>
+        <p:nvSpPr>
+          <p:cNvPr id="288" name="CasellaDiTesto 64">
+            <a:extLst>
+              <a:ext uri="{FF2B5EF4-FFF2-40B4-BE49-F238E27FC236}">
+                <a16:creationId xmlns:a16="http://schemas.microsoft.com/office/drawing/2014/main" id="{D5CB3663-BB2B-520E-BA4D-9439013DA3C3}"/>
+              </a:ext>
+            </a:extLst>
+          </p:cNvPr>
+          <p:cNvSpPr txBox="1"/>
+          <p:nvPr/>
+        </p:nvSpPr>
+        <p:spPr>
+          <a:xfrm>
+            <a:off x="6527476" y="6186145"/>
+            <a:ext cx="216000" cy="215444"/>
+          </a:xfrm>
+          <a:prstGeom prst="rect">
+            <a:avLst/>
+          </a:prstGeom>
+          <a:solidFill>
+            <a:schemeClr val="bg1"/>
+          </a:solidFill>
+          <a:ln w="3175">
+            <a:solidFill>
+              <a:schemeClr val="tx1">
+                <a:lumMod val="75000"/>
+                <a:lumOff val="25000"/>
+              </a:schemeClr>
+            </a:solidFill>
+          </a:ln>
+        </p:spPr>
+        <p:txBody>
+          <a:bodyPr wrap="square" rtlCol="0">
+            <a:spAutoFit/>
+          </a:bodyPr>
+          <a:lstStyle/>
+          <a:p>
+            <a:pPr algn="ctr"/>
+            <a:r>
+              <a:rPr lang="it-IT" sz="800" dirty="0">
+                <a:solidFill>
+                  <a:schemeClr val="tx1">
+                    <a:lumMod val="65000"/>
+                    <a:lumOff val="35000"/>
+                  </a:schemeClr>
+                </a:solidFill>
+              </a:rPr>
+              <a:t>i</a:t>
+            </a:r>
+          </a:p>
+        </p:txBody>
+      </p:sp>
+      <p:sp>
+        <p:nvSpPr>
+          <p:cNvPr id="2" name="CasellaDiTesto 64">
+            <a:extLst>
+              <a:ext uri="{FF2B5EF4-FFF2-40B4-BE49-F238E27FC236}">
+                <a16:creationId xmlns:a16="http://schemas.microsoft.com/office/drawing/2014/main" id="{2871EC4B-F746-D5E3-1D97-170AC3908D7F}"/>
+              </a:ext>
+            </a:extLst>
+          </p:cNvPr>
+          <p:cNvSpPr txBox="1"/>
+          <p:nvPr/>
+        </p:nvSpPr>
+        <p:spPr>
+          <a:xfrm>
+            <a:off x="5144689" y="3247925"/>
+            <a:ext cx="216000" cy="215444"/>
+          </a:xfrm>
+          <a:prstGeom prst="rect">
+            <a:avLst/>
+          </a:prstGeom>
+          <a:noFill/>
+          <a:ln w="3175">
+            <a:noFill/>
+          </a:ln>
+        </p:spPr>
+        <p:txBody>
+          <a:bodyPr wrap="square" rtlCol="0">
+            <a:spAutoFit/>
+          </a:bodyPr>
+          <a:lstStyle/>
+          <a:p>
+            <a:pPr algn="ctr"/>
+            <a:r>
+              <a:rPr lang="it-IT" sz="800" b="1" dirty="0">
+                <a:solidFill>
+                  <a:srgbClr val="018A89"/>
+                </a:solidFill>
+              </a:rPr>
+              <a:t>A</a:t>
+            </a:r>
+          </a:p>
+        </p:txBody>
+      </p:sp>
+      <p:sp>
+        <p:nvSpPr>
+          <p:cNvPr id="3" name="CasellaDiTesto 64">
+            <a:extLst>
+              <a:ext uri="{FF2B5EF4-FFF2-40B4-BE49-F238E27FC236}">
+                <a16:creationId xmlns:a16="http://schemas.microsoft.com/office/drawing/2014/main" id="{08E89C18-7F5A-DDF1-FBA9-F3438AF6AD9E}"/>
+              </a:ext>
+            </a:extLst>
+          </p:cNvPr>
+          <p:cNvSpPr txBox="1"/>
+          <p:nvPr/>
+        </p:nvSpPr>
+        <p:spPr>
+          <a:xfrm>
+            <a:off x="5364322" y="2917339"/>
+            <a:ext cx="216000" cy="215444"/>
+          </a:xfrm>
+          <a:prstGeom prst="rect">
+            <a:avLst/>
+          </a:prstGeom>
+          <a:noFill/>
+          <a:ln w="3175">
+            <a:noFill/>
+          </a:ln>
+        </p:spPr>
+        <p:txBody>
+          <a:bodyPr wrap="square" rtlCol="0">
+            <a:spAutoFit/>
+          </a:bodyPr>
+          <a:lstStyle/>
+          <a:p>
+            <a:pPr algn="ctr"/>
+            <a:r>
+              <a:rPr lang="it-IT" sz="800" b="1" dirty="0">
+                <a:solidFill>
+                  <a:srgbClr val="EC5028"/>
+                </a:solidFill>
+              </a:rPr>
+              <a:t>C</a:t>
+            </a:r>
+          </a:p>
+        </p:txBody>
+      </p:sp>
+      <p:sp>
+        <p:nvSpPr>
+          <p:cNvPr id="4" name="CasellaDiTesto 64">
+            <a:extLst>
+              <a:ext uri="{FF2B5EF4-FFF2-40B4-BE49-F238E27FC236}">
+                <a16:creationId xmlns:a16="http://schemas.microsoft.com/office/drawing/2014/main" id="{650BF30E-C98B-D75A-F968-28F1880E0FD7}"/>
+              </a:ext>
+            </a:extLst>
+          </p:cNvPr>
+          <p:cNvSpPr txBox="1"/>
+          <p:nvPr/>
+        </p:nvSpPr>
+        <p:spPr>
+          <a:xfrm>
+            <a:off x="5333109" y="3055437"/>
+            <a:ext cx="216000" cy="215444"/>
+          </a:xfrm>
+          <a:prstGeom prst="rect">
+            <a:avLst/>
+          </a:prstGeom>
+          <a:noFill/>
+          <a:ln w="3175">
+            <a:noFill/>
+          </a:ln>
+        </p:spPr>
+        <p:txBody>
+          <a:bodyPr wrap="square" rtlCol="0">
+            <a:spAutoFit/>
+          </a:bodyPr>
+          <a:lstStyle/>
+          <a:p>
+            <a:pPr algn="ctr"/>
+            <a:r>
+              <a:rPr lang="it-IT" sz="800" b="1" dirty="0">
+                <a:solidFill>
+                  <a:srgbClr val="6A6A6A"/>
+                </a:solidFill>
+              </a:rPr>
+              <a:t>B</a:t>
+            </a:r>
+          </a:p>
+        </p:txBody>
+      </p:sp>
+      <p:sp>
+        <p:nvSpPr>
+          <p:cNvPr id="5" name="CasellaDiTesto 64">
+            <a:extLst>
+              <a:ext uri="{FF2B5EF4-FFF2-40B4-BE49-F238E27FC236}">
+                <a16:creationId xmlns:a16="http://schemas.microsoft.com/office/drawing/2014/main" id="{11DCE6DC-A049-A6C0-65B2-98C64006934D}"/>
+              </a:ext>
+            </a:extLst>
+          </p:cNvPr>
+          <p:cNvSpPr txBox="1"/>
+          <p:nvPr/>
+        </p:nvSpPr>
+        <p:spPr>
+          <a:xfrm>
+            <a:off x="4990332" y="6414176"/>
+            <a:ext cx="216000" cy="215444"/>
+          </a:xfrm>
+          <a:prstGeom prst="rect">
+            <a:avLst/>
+          </a:prstGeom>
+          <a:noFill/>
+          <a:ln w="3175">
+            <a:noFill/>
+          </a:ln>
+        </p:spPr>
+        <p:txBody>
+          <a:bodyPr wrap="square" rtlCol="0">
+            <a:spAutoFit/>
+          </a:bodyPr>
+          <a:lstStyle/>
+          <a:p>
+            <a:pPr algn="ctr"/>
+            <a:r>
+              <a:rPr lang="it-IT" sz="800" b="1" dirty="0">
+                <a:solidFill>
+                  <a:srgbClr val="018A89"/>
+                </a:solidFill>
+              </a:rPr>
+              <a:t>A</a:t>
+            </a:r>
+          </a:p>
+        </p:txBody>
+      </p:sp>
+      <p:sp>
+        <p:nvSpPr>
+          <p:cNvPr id="6" name="CasellaDiTesto 64">
+            <a:extLst>
+              <a:ext uri="{FF2B5EF4-FFF2-40B4-BE49-F238E27FC236}">
+                <a16:creationId xmlns:a16="http://schemas.microsoft.com/office/drawing/2014/main" id="{9F993AA6-FC48-C5BE-28A6-B16AD86CCF70}"/>
+              </a:ext>
+            </a:extLst>
+          </p:cNvPr>
+          <p:cNvSpPr txBox="1"/>
+          <p:nvPr/>
+        </p:nvSpPr>
+        <p:spPr>
+          <a:xfrm>
+            <a:off x="4958242" y="5516754"/>
+            <a:ext cx="216000" cy="215444"/>
+          </a:xfrm>
+          <a:prstGeom prst="rect">
+            <a:avLst/>
+          </a:prstGeom>
+          <a:noFill/>
+          <a:ln w="3175">
+            <a:noFill/>
+          </a:ln>
+        </p:spPr>
+        <p:txBody>
+          <a:bodyPr wrap="square" rtlCol="0">
+            <a:spAutoFit/>
+          </a:bodyPr>
+          <a:lstStyle/>
+          <a:p>
+            <a:pPr algn="ctr"/>
+            <a:r>
+              <a:rPr lang="it-IT" sz="800" b="1" dirty="0">
+                <a:solidFill>
+                  <a:srgbClr val="EC5028"/>
+                </a:solidFill>
+              </a:rPr>
+              <a:t>C</a:t>
+            </a:r>
+          </a:p>
+        </p:txBody>
+      </p:sp>
+      <p:sp>
+        <p:nvSpPr>
+          <p:cNvPr id="7" name="CasellaDiTesto 64">
+            <a:extLst>
+              <a:ext uri="{FF2B5EF4-FFF2-40B4-BE49-F238E27FC236}">
+                <a16:creationId xmlns:a16="http://schemas.microsoft.com/office/drawing/2014/main" id="{E89358AF-D826-E267-2152-24954B1173F8}"/>
+              </a:ext>
+            </a:extLst>
+          </p:cNvPr>
+          <p:cNvSpPr txBox="1"/>
+          <p:nvPr/>
+        </p:nvSpPr>
+        <p:spPr>
+          <a:xfrm>
+            <a:off x="5083092" y="5445407"/>
+            <a:ext cx="216000" cy="215444"/>
+          </a:xfrm>
+          <a:prstGeom prst="rect">
+            <a:avLst/>
+          </a:prstGeom>
+          <a:noFill/>
+          <a:ln w="3175">
+            <a:noFill/>
+          </a:ln>
+        </p:spPr>
+        <p:txBody>
+          <a:bodyPr wrap="square" rtlCol="0">
+            <a:spAutoFit/>
+          </a:bodyPr>
+          <a:lstStyle/>
+          <a:p>
+            <a:pPr algn="ctr"/>
+            <a:r>
+              <a:rPr lang="it-IT" sz="800" b="1" dirty="0">
+                <a:solidFill>
+                  <a:srgbClr val="6A6A6A"/>
+                </a:solidFill>
+              </a:rPr>
+              <a:t>B</a:t>
+            </a:r>
+          </a:p>
+        </p:txBody>
+      </p:sp>
     </p:spTree>
     <p:extLst>
       <p:ext uri="{BB962C8B-B14F-4D97-AF65-F5344CB8AC3E}">
@@ -4167,7 +11266,7 @@
   <a:extraClrSchemeLst/>
   <a:extLst>
     <a:ext uri="{05A4C25C-085E-4340-85A3-A5531E510DB2}">
-      <thm15:themeFamily xmlns:thm15="http://schemas.microsoft.com/office/thememl/2012/main" name="Office Theme 2013 - 2022" id="{62F939B6-93AF-4DB8-9C6B-D6C7DFDC589F}" vid="{4A3C46E8-61CC-4603-A589-7422A47A8E4A}"/>
+      <thm15:themeFamily xmlns:thm15="http://schemas.microsoft.com/office/thememl/2012/main" name="Office 2013 - 2022 Theme" id="{62F939B6-93AF-4DB8-9C6B-D6C7DFDC589F}" vid="{4A3C46E8-61CC-4603-A589-7422A47A8E4A}"/>
     </a:ext>
   </a:extLst>
 </a:theme>
